--- a/SIR_exercises/SIR__exercises.pptx
+++ b/SIR_exercises/SIR__exercises.pptx
@@ -5,27 +5,28 @@
     <p:sldMasterId id="2147483648" r:id="rId1"/>
   </p:sldMasterIdLst>
   <p:notesMasterIdLst>
-    <p:notesMasterId r:id="rId20"/>
+    <p:notesMasterId r:id="rId21"/>
   </p:notesMasterIdLst>
   <p:sldIdLst>
     <p:sldId id="435" r:id="rId2"/>
-    <p:sldId id="436" r:id="rId3"/>
-    <p:sldId id="437" r:id="rId4"/>
-    <p:sldId id="438" r:id="rId5"/>
-    <p:sldId id="453" r:id="rId6"/>
-    <p:sldId id="455" r:id="rId7"/>
-    <p:sldId id="454" r:id="rId8"/>
-    <p:sldId id="439" r:id="rId9"/>
-    <p:sldId id="440" r:id="rId10"/>
-    <p:sldId id="441" r:id="rId11"/>
-    <p:sldId id="446" r:id="rId12"/>
-    <p:sldId id="447" r:id="rId13"/>
-    <p:sldId id="443" r:id="rId14"/>
-    <p:sldId id="445" r:id="rId15"/>
-    <p:sldId id="448" r:id="rId16"/>
-    <p:sldId id="449" r:id="rId17"/>
-    <p:sldId id="450" r:id="rId18"/>
-    <p:sldId id="451" r:id="rId19"/>
+    <p:sldId id="456" r:id="rId3"/>
+    <p:sldId id="436" r:id="rId4"/>
+    <p:sldId id="437" r:id="rId5"/>
+    <p:sldId id="438" r:id="rId6"/>
+    <p:sldId id="453" r:id="rId7"/>
+    <p:sldId id="455" r:id="rId8"/>
+    <p:sldId id="454" r:id="rId9"/>
+    <p:sldId id="439" r:id="rId10"/>
+    <p:sldId id="440" r:id="rId11"/>
+    <p:sldId id="441" r:id="rId12"/>
+    <p:sldId id="446" r:id="rId13"/>
+    <p:sldId id="447" r:id="rId14"/>
+    <p:sldId id="443" r:id="rId15"/>
+    <p:sldId id="445" r:id="rId16"/>
+    <p:sldId id="448" r:id="rId17"/>
+    <p:sldId id="449" r:id="rId18"/>
+    <p:sldId id="450" r:id="rId19"/>
+    <p:sldId id="451" r:id="rId20"/>
   </p:sldIdLst>
   <p:sldSz cx="10693400" cy="7556500"/>
   <p:notesSz cx="10693400" cy="7556500"/>
@@ -225,7 +226,7 @@
           <a:p>
             <a:fld id="{47A9D53E-109E-4CCB-A7EB-84C00B6E3423}" type="datetimeFigureOut">
               <a:rPr lang="es-ES" smtClean="0"/>
-              <a:t>11/05/2017</a:t>
+              <a:t>23/05/2017</a:t>
             </a:fld>
             <a:endParaRPr lang="es-ES"/>
           </a:p>
@@ -659,7 +660,7 @@
           <a:p>
             <a:fld id="{1D8BD707-D9CF-40AE-B4C6-C98DA3205C09}" type="datetimeFigureOut">
               <a:rPr lang="en-US"/>
-              <a:t>5/11/2017</a:t>
+              <a:t>5/23/2017</a:t>
             </a:fld>
             <a:endParaRPr lang="en-US"/>
           </a:p>
@@ -859,7 +860,7 @@
           <a:p>
             <a:fld id="{1D8BD707-D9CF-40AE-B4C6-C98DA3205C09}" type="datetimeFigureOut">
               <a:rPr lang="en-US"/>
-              <a:t>5/11/2017</a:t>
+              <a:t>5/23/2017</a:t>
             </a:fld>
             <a:endParaRPr lang="en-US"/>
           </a:p>
@@ -1096,7 +1097,7 @@
           <a:p>
             <a:fld id="{1D8BD707-D9CF-40AE-B4C6-C98DA3205C09}" type="datetimeFigureOut">
               <a:rPr lang="en-US"/>
-              <a:t>5/11/2017</a:t>
+              <a:t>5/23/2017</a:t>
             </a:fld>
             <a:endParaRPr lang="en-US"/>
           </a:p>
@@ -1267,7 +1268,7 @@
           <a:p>
             <a:fld id="{1D8BD707-D9CF-40AE-B4C6-C98DA3205C09}" type="datetimeFigureOut">
               <a:rPr lang="en-US"/>
-              <a:t>5/11/2017</a:t>
+              <a:t>5/23/2017</a:t>
             </a:fld>
             <a:endParaRPr lang="en-US"/>
           </a:p>
@@ -1409,7 +1410,7 @@
           <a:p>
             <a:fld id="{1D8BD707-D9CF-40AE-B4C6-C98DA3205C09}" type="datetimeFigureOut">
               <a:rPr lang="en-US"/>
-              <a:t>5/11/2017</a:t>
+              <a:t>5/23/2017</a:t>
             </a:fld>
             <a:endParaRPr lang="en-US"/>
           </a:p>
@@ -1794,7 +1795,7 @@
           <a:p>
             <a:fld id="{1D8BD707-D9CF-40AE-B4C6-C98DA3205C09}" type="datetimeFigureOut">
               <a:rPr lang="en-US"/>
-              <a:t>5/11/2017</a:t>
+              <a:t>5/23/2017</a:t>
             </a:fld>
             <a:endParaRPr lang="en-US"/>
           </a:p>
@@ -2406,7 +2407,7 @@
       </p:grpSpPr>
       <p:sp>
         <p:nvSpPr>
-          <p:cNvPr id="54" name="CustomShape 1"/>
+          <p:cNvPr id="51" name="CustomShape 1"/>
           <p:cNvSpPr/>
           <p:nvPr/>
         </p:nvSpPr>
@@ -2466,7 +2467,7 @@
                 <a:latin typeface="Calibri"/>
                 <a:ea typeface="DejaVu Sans"/>
               </a:rPr>
-              <a:t>Exercise 6</a:t>
+              <a:t>Exercise 5</a:t>
             </a:r>
             <a:endParaRPr sz="1799"/>
           </a:p>
@@ -2474,14 +2475,14 @@
       </p:sp>
       <p:sp>
         <p:nvSpPr>
-          <p:cNvPr id="55" name="CustomShape 2"/>
+          <p:cNvPr id="52" name="CustomShape 2"/>
           <p:cNvSpPr/>
           <p:nvPr/>
         </p:nvSpPr>
         <p:spPr>
           <a:xfrm>
-            <a:off x="743922" y="6041142"/>
-            <a:ext cx="9217887" cy="1426801"/>
+            <a:off x="743922" y="6755082"/>
+            <a:ext cx="9217887" cy="713220"/>
           </a:xfrm>
           <a:prstGeom prst="rect">
             <a:avLst/>
@@ -2522,13 +2523,21 @@
             <a:r>
               <a:rPr lang="en-US" sz="1399">
                 <a:solidFill>
-                  <a:srgbClr val="000000"/>
+                  <a:srgbClr val="C00000"/>
                 </a:solidFill>
                 <a:latin typeface="Calibri"/>
                 <a:ea typeface="DejaVu Sans"/>
               </a:rPr>
-              <a:t>Inversion of these profiles will not be easy. Do your best! </a:t>
-            </a:r>
+              <a:t>No need for macroturbulence when high-resolution data are inverted using telescope PSF  </a:t>
+            </a:r>
+            <a:endParaRPr sz="1799"/>
+          </a:p>
+          <a:p>
+            <a:pPr>
+              <a:lnSpc>
+                <a:spcPct val="100000"/>
+              </a:lnSpc>
+            </a:pPr>
             <a:r>
               <a:rPr lang="en-US" sz="1399">
                 <a:solidFill>
@@ -2537,61 +2546,7 @@
                 <a:latin typeface="Calibri"/>
                 <a:ea typeface="DejaVu Sans"/>
               </a:rPr>
-              <a:t> </a:t>
-            </a:r>
-            <a:endParaRPr sz="1799"/>
-          </a:p>
-          <a:p>
-            <a:pPr>
-              <a:lnSpc>
-                <a:spcPct val="100000"/>
-              </a:lnSpc>
-            </a:pPr>
-            <a:r>
-              <a:rPr lang="en-US" sz="1399">
-                <a:solidFill>
-                  <a:srgbClr val="C00000"/>
-                </a:solidFill>
-                <a:latin typeface="Calibri"/>
-                <a:ea typeface="DejaVu Sans"/>
-              </a:rPr>
-              <a:t>Give more weight to Stokes V to force better fits. Increase weight with cycle.</a:t>
-            </a:r>
-            <a:endParaRPr sz="1799"/>
-          </a:p>
-          <a:p>
-            <a:pPr>
-              <a:lnSpc>
-                <a:spcPct val="100000"/>
-              </a:lnSpc>
-            </a:pPr>
-            <a:r>
-              <a:rPr lang="en-US" sz="1399">
-                <a:solidFill>
-                  <a:srgbClr val="000000"/>
-                </a:solidFill>
-                <a:latin typeface="Calibri"/>
-                <a:ea typeface="DejaVu Sans"/>
-              </a:rPr>
-              <a:t>Use instrumental PSF and macroturbulence at the same time.  </a:t>
-            </a:r>
-            <a:endParaRPr sz="1799"/>
-          </a:p>
-          <a:p>
-            <a:pPr>
-              <a:lnSpc>
-                <a:spcPct val="100000"/>
-              </a:lnSpc>
-            </a:pPr>
-            <a:r>
-              <a:rPr lang="en-US" sz="1399">
-                <a:solidFill>
-                  <a:srgbClr val="C00000"/>
-                </a:solidFill>
-                <a:latin typeface="Calibri"/>
-                <a:ea typeface="DejaVu Sans"/>
-              </a:rPr>
-              <a:t>If everything fails, use superpowers....</a:t>
+              <a:t>Use following weights: 1,4,4,4</a:t>
             </a:r>
             <a:endParaRPr sz="1799"/>
           </a:p>
@@ -2599,7 +2554,7 @@
       </p:sp>
       <p:sp>
         <p:nvSpPr>
-          <p:cNvPr id="56" name="CustomShape 3"/>
+          <p:cNvPr id="53" name="CustomShape 3"/>
           <p:cNvSpPr/>
           <p:nvPr/>
         </p:nvSpPr>
@@ -2645,7 +2600,7 @@
                 <a:latin typeface="Calibri"/>
                 <a:ea typeface="DejaVu Sans"/>
               </a:rPr>
-              <a:t>Inversion of sunspot penumbral profiles near PIL</a:t>
+              <a:t>Inversion of quiet-Sun internetwork.</a:t>
             </a:r>
             <a:endParaRPr sz="1799" dirty="0"/>
           </a:p>
@@ -2691,16 +2646,18 @@
                 <a:latin typeface="Calibri"/>
                 <a:ea typeface="DejaVu Sans"/>
               </a:rPr>
-              <a:t> observations with SNR~1000, no telluric lines, two lines Fe I 630.1 and 630.2 nm.  </a:t>
-            </a:r>
-            <a:endParaRPr sz="1799" dirty="0"/>
-          </a:p>
-          <a:p>
-            <a:pPr>
-              <a:lnSpc>
-                <a:spcPct val="100000"/>
-              </a:lnSpc>
-            </a:pPr>
+              <a:t> observations at disk center, integrated for 6 min,  SNR~10</a:t>
+            </a:r>
+            <a:r>
+              <a:rPr lang="en-US" sz="1999" baseline="30000" dirty="0">
+                <a:solidFill>
+                  <a:srgbClr val="000000"/>
+                </a:solidFill>
+                <a:latin typeface="Calibri"/>
+                <a:ea typeface="DejaVu Sans"/>
+              </a:rPr>
+              <a:t>5</a:t>
+            </a:r>
             <a:r>
               <a:rPr lang="en-US" sz="1999" dirty="0">
                 <a:solidFill>
@@ -2709,16 +2666,8 @@
                 <a:latin typeface="Calibri"/>
                 <a:ea typeface="DejaVu Sans"/>
               </a:rPr>
-              <a:t>Strong signals, but Stokes V profile with three lobes...</a:t>
-            </a:r>
-            <a:endParaRPr sz="1799" dirty="0"/>
-          </a:p>
-          <a:p>
-            <a:pPr>
-              <a:lnSpc>
-                <a:spcPct val="100000"/>
-              </a:lnSpc>
-            </a:pPr>
+              <a:t>, still high spatial resolution.  </a:t>
+            </a:r>
             <a:endParaRPr sz="1799" dirty="0"/>
           </a:p>
           <a:p>
@@ -2733,6 +2682,68 @@
                   <a:srgbClr val="000000"/>
                 </a:solidFill>
                 <a:latin typeface="Calibri"/>
+                <a:ea typeface="DejaVu Sans"/>
+              </a:rPr>
+              <a:t>Two lines Fe I 630.1 and 630.2 nm  </a:t>
+            </a:r>
+            <a:endParaRPr sz="1799" dirty="0"/>
+          </a:p>
+          <a:p>
+            <a:pPr>
+              <a:lnSpc>
+                <a:spcPct val="100000"/>
+              </a:lnSpc>
+            </a:pPr>
+            <a:r>
+              <a:rPr lang="en-US" sz="1999" dirty="0">
+                <a:solidFill>
+                  <a:srgbClr val="000000"/>
+                </a:solidFill>
+                <a:latin typeface="Calibri"/>
+                <a:ea typeface="DejaVu Sans"/>
+              </a:rPr>
+              <a:t>Extremely weak signals, but linear polarization clearly seen.       </a:t>
+            </a:r>
+            <a:endParaRPr sz="1799" dirty="0"/>
+          </a:p>
+          <a:p>
+            <a:pPr>
+              <a:lnSpc>
+                <a:spcPct val="100000"/>
+              </a:lnSpc>
+            </a:pPr>
+            <a:r>
+              <a:rPr lang="en-US" sz="1999" dirty="0">
+                <a:solidFill>
+                  <a:srgbClr val="000000"/>
+                </a:solidFill>
+                <a:latin typeface="Calibri"/>
+                <a:ea typeface="DejaVu Sans"/>
+              </a:rPr>
+              <a:t>Large asymmetries. </a:t>
+            </a:r>
+            <a:endParaRPr sz="1799" dirty="0"/>
+          </a:p>
+          <a:p>
+            <a:pPr>
+              <a:lnSpc>
+                <a:spcPct val="100000"/>
+              </a:lnSpc>
+            </a:pPr>
+            <a:endParaRPr sz="1799" dirty="0"/>
+          </a:p>
+          <a:p>
+            <a:pPr>
+              <a:lnSpc>
+                <a:spcPct val="100000"/>
+              </a:lnSpc>
+            </a:pPr>
+            <a:r>
+              <a:rPr lang="en-US" sz="1999" dirty="0">
+                <a:solidFill>
+                  <a:srgbClr val="000000"/>
+                </a:solidFill>
+                <a:latin typeface="Calibri"/>
                 <a:ea typeface="ArialMT"/>
               </a:rPr>
               <a:t> 1. What kind of model would you use to invert them? </a:t>
@@ -2753,7 +2764,7 @@
                 <a:latin typeface="Calibri"/>
                 <a:ea typeface="ArialMT"/>
               </a:rPr>
-              <a:t>         2. One-component model with opposite magnetic  along LOS? Two-component model? </a:t>
+              <a:t> 2. Use three cycles with increasing number of nodes.</a:t>
             </a:r>
             <a:endParaRPr sz="1799" dirty="0"/>
           </a:p>
@@ -2771,7 +2782,63 @@
                 <a:latin typeface="Calibri"/>
                 <a:ea typeface="ArialMT"/>
               </a:rPr>
-              <a:t>         3. Try both! </a:t>
+              <a:t> 3. Invert stray-light fraction, </a:t>
+            </a:r>
+            <a:r>
+              <a:rPr lang="en-US" sz="1999" dirty="0" err="1">
+                <a:solidFill>
+                  <a:srgbClr val="000000"/>
+                </a:solidFill>
+                <a:latin typeface="Calibri"/>
+                <a:ea typeface="ArialMT"/>
+              </a:rPr>
+              <a:t>microturbulence</a:t>
+            </a:r>
+            <a:r>
+              <a:rPr lang="en-US" sz="1999" dirty="0">
+                <a:solidFill>
+                  <a:srgbClr val="000000"/>
+                </a:solidFill>
+                <a:latin typeface="Calibri"/>
+                <a:ea typeface="ArialMT"/>
+              </a:rPr>
+              <a:t> (flat stratification).</a:t>
+            </a:r>
+            <a:endParaRPr sz="1799" dirty="0"/>
+          </a:p>
+          <a:p>
+            <a:pPr>
+              <a:lnSpc>
+                <a:spcPct val="100000"/>
+              </a:lnSpc>
+            </a:pPr>
+            <a:r>
+              <a:rPr lang="en-US" sz="1999" dirty="0">
+                <a:solidFill>
+                  <a:srgbClr val="000000"/>
+                </a:solidFill>
+                <a:latin typeface="Calibri"/>
+                <a:ea typeface="ArialMT"/>
+              </a:rPr>
+              <a:t> 4. Interpret resulting model .  </a:t>
+            </a:r>
+            <a:endParaRPr sz="1799" dirty="0"/>
+          </a:p>
+          <a:p>
+            <a:pPr>
+              <a:lnSpc>
+                <a:spcPct val="100000"/>
+              </a:lnSpc>
+            </a:pPr>
+            <a:r>
+              <a:rPr lang="en-US" sz="1999" dirty="0">
+                <a:solidFill>
+                  <a:srgbClr val="000000"/>
+                </a:solidFill>
+                <a:latin typeface="Calibri"/>
+                <a:ea typeface="ArialMT"/>
+              </a:rPr>
+              <a:t> </a:t>
             </a:r>
             <a:endParaRPr sz="1799" dirty="0"/>
           </a:p>
@@ -2804,7 +2871,7 @@
     </p:spTree>
     <p:extLst>
       <p:ext uri="{BB962C8B-B14F-4D97-AF65-F5344CB8AC3E}">
-        <p14:creationId xmlns:p14="http://schemas.microsoft.com/office/powerpoint/2010/main" val="1964941992"/>
+        <p14:creationId xmlns:p14="http://schemas.microsoft.com/office/powerpoint/2010/main" val="2711498083"/>
       </p:ext>
     </p:extLst>
   </p:cSld>
@@ -2861,7 +2928,7 @@
       </p:grpSpPr>
       <p:sp>
         <p:nvSpPr>
-          <p:cNvPr id="60" name="CustomShape 1"/>
+          <p:cNvPr id="54" name="CustomShape 1"/>
           <p:cNvSpPr/>
           <p:nvPr/>
         </p:nvSpPr>
@@ -2904,7 +2971,7 @@
               </a:lnSpc>
             </a:pPr>
             <a:r>
-              <a:rPr lang="en-US" sz="2489" dirty="0">
+              <a:rPr lang="en-US" sz="2489">
                 <a:solidFill>
                   <a:srgbClr val="000000"/>
                 </a:solidFill>
@@ -2914,39 +2981,154 @@
               <a:t>   </a:t>
             </a:r>
             <a:r>
-              <a:rPr lang="en-US" sz="2799" dirty="0">
+              <a:rPr lang="en-US" sz="2799">
                 <a:solidFill>
                   <a:srgbClr val="000000"/>
                 </a:solidFill>
                 <a:latin typeface="Calibri"/>
                 <a:ea typeface="DejaVu Sans"/>
               </a:rPr>
-              <a:t>Exercise </a:t>
-            </a:r>
-            <a:r>
-              <a:rPr lang="en-US" sz="2799" dirty="0" smtClean="0">
-                <a:solidFill>
-                  <a:srgbClr val="000000"/>
-                </a:solidFill>
-                <a:latin typeface="Calibri"/>
-                <a:ea typeface="DejaVu Sans"/>
-              </a:rPr>
-              <a:t>7</a:t>
-            </a:r>
-            <a:endParaRPr sz="1799" dirty="0"/>
+              <a:t>Exercise 6</a:t>
+            </a:r>
+            <a:endParaRPr sz="1799"/>
           </a:p>
         </p:txBody>
       </p:sp>
       <p:sp>
         <p:nvSpPr>
-          <p:cNvPr id="62" name="CustomShape 3"/>
+          <p:cNvPr id="55" name="CustomShape 2"/>
+          <p:cNvSpPr/>
+          <p:nvPr/>
+        </p:nvSpPr>
+        <p:spPr>
+          <a:xfrm>
+            <a:off x="743922" y="6041142"/>
+            <a:ext cx="9217887" cy="1426801"/>
+          </a:xfrm>
+          <a:prstGeom prst="rect">
+            <a:avLst/>
+          </a:prstGeom>
+          <a:solidFill>
+            <a:schemeClr val="accent1">
+              <a:lumMod val="40000"/>
+              <a:lumOff val="60000"/>
+            </a:schemeClr>
+          </a:solidFill>
+          <a:ln>
+            <a:round/>
+          </a:ln>
+        </p:spPr>
+        <p:style>
+          <a:lnRef idx="2">
+            <a:schemeClr val="accent1">
+              <a:shade val="50000"/>
+            </a:schemeClr>
+          </a:lnRef>
+          <a:fillRef idx="1">
+            <a:schemeClr val="accent1"/>
+          </a:fillRef>
+          <a:effectRef idx="0">
+            <a:schemeClr val="accent1"/>
+          </a:effectRef>
+          <a:fontRef idx="minor"/>
+        </p:style>
+        <p:txBody>
+          <a:bodyPr lIns="89962" tIns="44981" rIns="89962" bIns="44981" anchor="ctr"/>
+          <a:lstStyle/>
+          <a:p>
+            <a:pPr>
+              <a:lnSpc>
+                <a:spcPct val="100000"/>
+              </a:lnSpc>
+            </a:pPr>
+            <a:r>
+              <a:rPr lang="en-US" sz="1399">
+                <a:solidFill>
+                  <a:srgbClr val="000000"/>
+                </a:solidFill>
+                <a:latin typeface="Calibri"/>
+                <a:ea typeface="DejaVu Sans"/>
+              </a:rPr>
+              <a:t>Inversion of these profiles will not be easy. Do your best! </a:t>
+            </a:r>
+            <a:r>
+              <a:rPr lang="en-US" sz="1399">
+                <a:solidFill>
+                  <a:srgbClr val="C00000"/>
+                </a:solidFill>
+                <a:latin typeface="Calibri"/>
+                <a:ea typeface="DejaVu Sans"/>
+              </a:rPr>
+              <a:t> </a:t>
+            </a:r>
+            <a:endParaRPr sz="1799"/>
+          </a:p>
+          <a:p>
+            <a:pPr>
+              <a:lnSpc>
+                <a:spcPct val="100000"/>
+              </a:lnSpc>
+            </a:pPr>
+            <a:r>
+              <a:rPr lang="en-US" sz="1399">
+                <a:solidFill>
+                  <a:srgbClr val="C00000"/>
+                </a:solidFill>
+                <a:latin typeface="Calibri"/>
+                <a:ea typeface="DejaVu Sans"/>
+              </a:rPr>
+              <a:t>Give more weight to Stokes V to force better fits. Increase weight with cycle.</a:t>
+            </a:r>
+            <a:endParaRPr sz="1799"/>
+          </a:p>
+          <a:p>
+            <a:pPr>
+              <a:lnSpc>
+                <a:spcPct val="100000"/>
+              </a:lnSpc>
+            </a:pPr>
+            <a:r>
+              <a:rPr lang="en-US" sz="1399">
+                <a:solidFill>
+                  <a:srgbClr val="000000"/>
+                </a:solidFill>
+                <a:latin typeface="Calibri"/>
+                <a:ea typeface="DejaVu Sans"/>
+              </a:rPr>
+              <a:t>Use instrumental PSF and macroturbulence at the same time.  </a:t>
+            </a:r>
+            <a:endParaRPr sz="1799"/>
+          </a:p>
+          <a:p>
+            <a:pPr>
+              <a:lnSpc>
+                <a:spcPct val="100000"/>
+              </a:lnSpc>
+            </a:pPr>
+            <a:r>
+              <a:rPr lang="en-US" sz="1399">
+                <a:solidFill>
+                  <a:srgbClr val="C00000"/>
+                </a:solidFill>
+                <a:latin typeface="Calibri"/>
+                <a:ea typeface="DejaVu Sans"/>
+              </a:rPr>
+              <a:t>If everything fails, use superpowers....</a:t>
+            </a:r>
+            <a:endParaRPr sz="1799"/>
+          </a:p>
+        </p:txBody>
+      </p:sp>
+      <p:sp>
+        <p:nvSpPr>
+          <p:cNvPr id="56" name="CustomShape 3"/>
           <p:cNvSpPr/>
           <p:nvPr/>
         </p:nvSpPr>
         <p:spPr>
           <a:xfrm>
             <a:off x="812293" y="1236801"/>
-            <a:ext cx="9244876" cy="4264208"/>
+            <a:ext cx="9244876" cy="3628715"/>
           </a:xfrm>
           <a:prstGeom prst="rect">
             <a:avLst/>
@@ -2985,259 +3167,134 @@
                 <a:latin typeface="Calibri"/>
                 <a:ea typeface="DejaVu Sans"/>
               </a:rPr>
-              <a:t>Inversion of </a:t>
-            </a:r>
-            <a:r>
-              <a:rPr lang="en-US" sz="1999" u="sng" dirty="0" smtClean="0">
-                <a:solidFill>
-                  <a:srgbClr val="C00000"/>
+              <a:t>Inversion of sunspot penumbral profiles near PIL</a:t>
+            </a:r>
+            <a:endParaRPr sz="1799" dirty="0"/>
+          </a:p>
+          <a:p>
+            <a:pPr>
+              <a:lnSpc>
+                <a:spcPct val="100000"/>
+              </a:lnSpc>
+            </a:pPr>
+            <a:endParaRPr sz="1799" dirty="0"/>
+          </a:p>
+          <a:p>
+            <a:pPr>
+              <a:lnSpc>
+                <a:spcPct val="100000"/>
+              </a:lnSpc>
+            </a:pPr>
+            <a:r>
+              <a:rPr lang="en-US" sz="1999" dirty="0" err="1">
+                <a:solidFill>
+                  <a:schemeClr val="tx2"/>
                 </a:solidFill>
                 <a:latin typeface="Calibri"/>
                 <a:ea typeface="DejaVu Sans"/>
               </a:rPr>
-              <a:t>IBIS profiles</a:t>
-            </a:r>
-            <a:endParaRPr sz="1799" dirty="0"/>
-          </a:p>
-          <a:p>
-            <a:pPr>
-              <a:lnSpc>
-                <a:spcPct val="100000"/>
-              </a:lnSpc>
-            </a:pPr>
-            <a:endParaRPr lang="es-ES" sz="1799" dirty="0" smtClean="0"/>
-          </a:p>
-          <a:p>
-            <a:pPr>
-              <a:lnSpc>
-                <a:spcPct val="100000"/>
-              </a:lnSpc>
-            </a:pPr>
-            <a:r>
-              <a:rPr lang="en-US" dirty="0" smtClean="0">
+              <a:t>Hinode</a:t>
+            </a:r>
+            <a:r>
+              <a:rPr lang="en-US" sz="1999" dirty="0">
                 <a:solidFill>
                   <a:schemeClr val="tx2"/>
                 </a:solidFill>
-              </a:rPr>
-              <a:t>IBIS: </a:t>
-            </a:r>
-            <a:r>
-              <a:rPr lang="en-US" dirty="0" err="1" smtClean="0">
-                <a:solidFill>
-                  <a:schemeClr val="tx2"/>
-                </a:solidFill>
-              </a:rPr>
-              <a:t>Interferometric</a:t>
-            </a:r>
-            <a:r>
-              <a:rPr lang="en-US" dirty="0" smtClean="0">
-                <a:solidFill>
-                  <a:schemeClr val="tx2"/>
-                </a:solidFill>
-              </a:rPr>
-              <a:t> </a:t>
-            </a:r>
-            <a:r>
-              <a:rPr lang="en-US" dirty="0" err="1" smtClean="0">
-                <a:solidFill>
-                  <a:schemeClr val="tx2"/>
-                </a:solidFill>
-              </a:rPr>
-              <a:t>Bidimensional</a:t>
-            </a:r>
-            <a:r>
-              <a:rPr lang="en-US" dirty="0" smtClean="0">
-                <a:solidFill>
-                  <a:schemeClr val="tx2"/>
-                </a:solidFill>
-              </a:rPr>
-              <a:t> </a:t>
-            </a:r>
-            <a:r>
-              <a:rPr lang="en-US" dirty="0" err="1" smtClean="0">
-                <a:solidFill>
-                  <a:schemeClr val="tx2"/>
-                </a:solidFill>
-              </a:rPr>
-              <a:t>Spectropolarimeter</a:t>
-            </a:r>
-            <a:r>
-              <a:rPr lang="en-US" dirty="0" smtClean="0">
-                <a:solidFill>
-                  <a:schemeClr val="tx2"/>
-                </a:solidFill>
-              </a:rPr>
-              <a:t> (</a:t>
-            </a:r>
-            <a:r>
-              <a:rPr lang="en-US" dirty="0" err="1" smtClean="0">
-                <a:solidFill>
-                  <a:schemeClr val="tx2"/>
-                </a:solidFill>
-              </a:rPr>
-              <a:t>INAF_Arcetri</a:t>
-            </a:r>
-            <a:r>
-              <a:rPr lang="en-US" dirty="0" smtClean="0">
-                <a:solidFill>
-                  <a:schemeClr val="tx2"/>
-                </a:solidFill>
-              </a:rPr>
-              <a:t> OBS/NSO)</a:t>
-            </a:r>
-            <a:endParaRPr lang="en-US" dirty="0">
-              <a:solidFill>
-                <a:schemeClr val="tx2"/>
-              </a:solidFill>
-            </a:endParaRPr>
-          </a:p>
-          <a:p>
-            <a:pPr>
-              <a:lnSpc>
-                <a:spcPct val="100000"/>
-              </a:lnSpc>
-            </a:pPr>
-            <a:r>
-              <a:rPr lang="en-US" dirty="0">
-                <a:solidFill>
-                  <a:schemeClr val="tx2"/>
-                </a:solidFill>
-              </a:rPr>
-              <a:t>         </a:t>
-            </a:r>
-            <a:r>
-              <a:rPr lang="en-US" dirty="0" smtClean="0">
-                <a:solidFill>
-                  <a:schemeClr val="tx2"/>
-                </a:solidFill>
-              </a:rPr>
-              <a:t>@ </a:t>
-            </a:r>
-            <a:r>
-              <a:rPr lang="en-US" dirty="0">
-                <a:solidFill>
-                  <a:schemeClr val="tx2"/>
-                </a:solidFill>
-              </a:rPr>
-              <a:t>Dunn Solar Telescope on Sacramento </a:t>
-            </a:r>
-            <a:r>
-              <a:rPr lang="en-US" dirty="0" smtClean="0">
-                <a:solidFill>
-                  <a:schemeClr val="tx2"/>
-                </a:solidFill>
-              </a:rPr>
-              <a:t>Peak</a:t>
-            </a:r>
-          </a:p>
-          <a:p>
-            <a:pPr>
-              <a:lnSpc>
-                <a:spcPct val="100000"/>
-              </a:lnSpc>
-            </a:pPr>
-            <a:r>
-              <a:rPr lang="en-US" dirty="0" smtClean="0"/>
-              <a:t>Penumbra observed at Fe I 6173 A</a:t>
-            </a:r>
-            <a:endParaRPr lang="en-US" dirty="0"/>
-          </a:p>
-          <a:p>
-            <a:pPr>
-              <a:lnSpc>
-                <a:spcPct val="100000"/>
-              </a:lnSpc>
-            </a:pPr>
-            <a:endParaRPr lang="es-ES" sz="1799" dirty="0" smtClean="0"/>
-          </a:p>
-          <a:p>
-            <a:pPr>
-              <a:lnSpc>
-                <a:spcPct val="100000"/>
-              </a:lnSpc>
-            </a:pPr>
-            <a:endParaRPr lang="es-ES" sz="1799" dirty="0"/>
-          </a:p>
-          <a:p>
-            <a:pPr>
-              <a:lnSpc>
-                <a:spcPct val="100000"/>
-              </a:lnSpc>
-            </a:pPr>
-            <a:endParaRPr lang="es-ES" sz="1799" dirty="0" smtClean="0"/>
-          </a:p>
-          <a:p>
-            <a:pPr>
-              <a:lnSpc>
-                <a:spcPct val="100000"/>
-              </a:lnSpc>
-            </a:pPr>
-            <a:endParaRPr lang="es-ES" sz="1799" dirty="0"/>
-          </a:p>
-          <a:p>
-            <a:pPr>
-              <a:lnSpc>
-                <a:spcPct val="100000"/>
-              </a:lnSpc>
-            </a:pPr>
-            <a:endParaRPr lang="es-ES" sz="1799" dirty="0" smtClean="0"/>
-          </a:p>
-          <a:p>
-            <a:pPr>
-              <a:lnSpc>
-                <a:spcPct val="100000"/>
-              </a:lnSpc>
-            </a:pPr>
-            <a:endParaRPr lang="es-ES" sz="1799" dirty="0" smtClean="0"/>
-          </a:p>
-          <a:p>
-            <a:pPr>
-              <a:lnSpc>
-                <a:spcPct val="100000"/>
-              </a:lnSpc>
-            </a:pPr>
-            <a:endParaRPr lang="es-ES" sz="1799" dirty="0"/>
-          </a:p>
-          <a:p>
-            <a:pPr>
-              <a:lnSpc>
-                <a:spcPct val="100000"/>
-              </a:lnSpc>
-            </a:pPr>
-            <a:endParaRPr lang="es-ES" sz="1799" dirty="0" smtClean="0"/>
-          </a:p>
-          <a:p>
-            <a:pPr>
-              <a:lnSpc>
-                <a:spcPct val="100000"/>
-              </a:lnSpc>
-            </a:pPr>
-            <a:endParaRPr sz="1799" dirty="0"/>
-          </a:p>
-          <a:p>
-            <a:pPr>
-              <a:lnSpc>
-                <a:spcPct val="100000"/>
-              </a:lnSpc>
-            </a:pPr>
+                <a:latin typeface="Calibri"/>
+                <a:ea typeface="DejaVu Sans"/>
+              </a:rPr>
+              <a:t>/SP</a:t>
+            </a:r>
             <a:r>
               <a:rPr lang="en-US" sz="1999" dirty="0">
                 <a:solidFill>
                   <a:srgbClr val="000000"/>
                 </a:solidFill>
                 <a:latin typeface="Calibri"/>
-                <a:ea typeface="ArialMT"/>
-              </a:rPr>
-              <a:t> </a:t>
-            </a:r>
-            <a:endParaRPr sz="1799" dirty="0"/>
-          </a:p>
-          <a:p>
-            <a:pPr>
-              <a:lnSpc>
-                <a:spcPct val="100000"/>
-              </a:lnSpc>
-            </a:pPr>
+                <a:ea typeface="DejaVu Sans"/>
+              </a:rPr>
+              <a:t> observations with SNR~1000, no telluric lines, two lines Fe I 630.1 and 630.2 nm.  </a:t>
+            </a:r>
+            <a:endParaRPr sz="1799" dirty="0"/>
+          </a:p>
+          <a:p>
+            <a:pPr>
+              <a:lnSpc>
+                <a:spcPct val="100000"/>
+              </a:lnSpc>
+            </a:pPr>
+            <a:r>
+              <a:rPr lang="en-US" sz="1999" dirty="0">
+                <a:solidFill>
+                  <a:srgbClr val="000000"/>
+                </a:solidFill>
+                <a:latin typeface="Calibri"/>
+                <a:ea typeface="DejaVu Sans"/>
+              </a:rPr>
+              <a:t>Strong signals, but Stokes V profile with three lobes...</a:t>
+            </a:r>
+            <a:endParaRPr sz="1799" dirty="0"/>
+          </a:p>
+          <a:p>
+            <a:pPr>
+              <a:lnSpc>
+                <a:spcPct val="100000"/>
+              </a:lnSpc>
+            </a:pPr>
+            <a:endParaRPr sz="1799" dirty="0"/>
+          </a:p>
+          <a:p>
+            <a:pPr>
+              <a:lnSpc>
+                <a:spcPct val="100000"/>
+              </a:lnSpc>
+            </a:pPr>
+            <a:r>
+              <a:rPr lang="en-US" sz="1999" dirty="0">
+                <a:solidFill>
+                  <a:srgbClr val="000000"/>
+                </a:solidFill>
+                <a:latin typeface="Calibri"/>
+                <a:ea typeface="ArialMT"/>
+              </a:rPr>
+              <a:t> 1. What kind of model would you use to invert them? </a:t>
+            </a:r>
+            <a:endParaRPr sz="1799" dirty="0"/>
+          </a:p>
+          <a:p>
+            <a:pPr>
+              <a:lnSpc>
+                <a:spcPct val="100000"/>
+              </a:lnSpc>
+            </a:pPr>
+            <a:r>
+              <a:rPr lang="en-US" sz="1999" dirty="0">
+                <a:solidFill>
+                  <a:srgbClr val="000000"/>
+                </a:solidFill>
+                <a:latin typeface="Calibri"/>
+                <a:ea typeface="ArialMT"/>
+              </a:rPr>
+              <a:t>         2. One-component model with opposite magnetic  along LOS? Two-component model? </a:t>
+            </a:r>
+            <a:endParaRPr sz="1799" dirty="0"/>
+          </a:p>
+          <a:p>
+            <a:pPr>
+              <a:lnSpc>
+                <a:spcPct val="100000"/>
+              </a:lnSpc>
+            </a:pPr>
+            <a:r>
+              <a:rPr lang="en-US" sz="1999" dirty="0">
+                <a:solidFill>
+                  <a:srgbClr val="000000"/>
+                </a:solidFill>
+                <a:latin typeface="Calibri"/>
+                <a:ea typeface="ArialMT"/>
+              </a:rPr>
+              <a:t>         3. Try both! </a:t>
+            </a:r>
             <a:endParaRPr sz="1799" dirty="0"/>
           </a:p>
           <a:p>
@@ -3266,40 +3323,10 @@
           </a:p>
         </p:txBody>
       </p:sp>
-      <p:pic>
-        <p:nvPicPr>
-          <p:cNvPr id="2" name="Imagen 1"/>
-          <p:cNvPicPr>
-            <a:picLocks noChangeAspect="1"/>
-          </p:cNvPicPr>
-          <p:nvPr/>
-        </p:nvPicPr>
-        <p:blipFill>
-          <a:blip r:embed="rId2" cstate="print">
-            <a:extLst>
-              <a:ext uri="{28A0092B-C50C-407E-A947-70E740481C1C}">
-                <a14:useLocalDpi xmlns:a14="http://schemas.microsoft.com/office/drawing/2010/main" val="0"/>
-              </a:ext>
-            </a:extLst>
-          </a:blip>
-          <a:stretch>
-            <a:fillRect/>
-          </a:stretch>
-        </p:blipFill>
-        <p:spPr>
-          <a:xfrm>
-            <a:off x="927100" y="2940050"/>
-            <a:ext cx="6463030" cy="4616450"/>
-          </a:xfrm>
-          <a:prstGeom prst="rect">
-            <a:avLst/>
-          </a:prstGeom>
-        </p:spPr>
-      </p:pic>
     </p:spTree>
     <p:extLst>
       <p:ext uri="{BB962C8B-B14F-4D97-AF65-F5344CB8AC3E}">
-        <p14:creationId xmlns:p14="http://schemas.microsoft.com/office/powerpoint/2010/main" val="896974295"/>
+        <p14:creationId xmlns:p14="http://schemas.microsoft.com/office/powerpoint/2010/main" val="1964941992"/>
       </p:ext>
     </p:extLst>
   </p:cSld>
@@ -3614,8 +3641,28 @@
                   <a:schemeClr val="tx2"/>
                 </a:solidFill>
               </a:rPr>
-              <a:t>Dunn Solar Telescope on Sacramento Peak</a:t>
-            </a:r>
+              <a:t>Dunn Solar Telescope on Sacramento </a:t>
+            </a:r>
+            <a:r>
+              <a:rPr lang="en-US" dirty="0" smtClean="0">
+                <a:solidFill>
+                  <a:schemeClr val="tx2"/>
+                </a:solidFill>
+              </a:rPr>
+              <a:t>Peak</a:t>
+            </a:r>
+          </a:p>
+          <a:p>
+            <a:pPr>
+              <a:lnSpc>
+                <a:spcPct val="100000"/>
+              </a:lnSpc>
+            </a:pPr>
+            <a:r>
+              <a:rPr lang="en-US" dirty="0" smtClean="0"/>
+              <a:t>Penumbra observed at Fe I 6173 A</a:t>
+            </a:r>
+            <a:endParaRPr lang="en-US" dirty="0"/>
           </a:p>
           <a:p>
             <a:pPr>
@@ -3743,7 +3790,7 @@
       </p:sp>
       <p:pic>
         <p:nvPicPr>
-          <p:cNvPr id="3" name="Imagen 2"/>
+          <p:cNvPr id="2" name="Imagen 1"/>
           <p:cNvPicPr>
             <a:picLocks noChangeAspect="1"/>
           </p:cNvPicPr>
@@ -3763,8 +3810,8 @@
         </p:blipFill>
         <p:spPr>
           <a:xfrm>
-            <a:off x="1231900" y="2559050"/>
-            <a:ext cx="6996430" cy="4997450"/>
+            <a:off x="927100" y="2940050"/>
+            <a:ext cx="6463030" cy="4616450"/>
           </a:xfrm>
           <a:prstGeom prst="rect">
             <a:avLst/>
@@ -3774,7 +3821,7 @@
     </p:spTree>
     <p:extLst>
       <p:ext uri="{BB962C8B-B14F-4D97-AF65-F5344CB8AC3E}">
-        <p14:creationId xmlns:p14="http://schemas.microsoft.com/office/powerpoint/2010/main" val="4097989456"/>
+        <p14:creationId xmlns:p14="http://schemas.microsoft.com/office/powerpoint/2010/main" val="896974295"/>
       </p:ext>
     </p:extLst>
   </p:cSld>
@@ -3909,269 +3956,6 @@
       </p:sp>
       <p:sp>
         <p:nvSpPr>
-          <p:cNvPr id="61" name="CustomShape 2"/>
-          <p:cNvSpPr/>
-          <p:nvPr/>
-        </p:nvSpPr>
-        <p:spPr>
-          <a:xfrm>
-            <a:off x="734926" y="5683250"/>
-            <a:ext cx="9322243" cy="1668461"/>
-          </a:xfrm>
-          <a:prstGeom prst="rect">
-            <a:avLst/>
-          </a:prstGeom>
-          <a:solidFill>
-            <a:schemeClr val="accent1">
-              <a:lumMod val="40000"/>
-              <a:lumOff val="60000"/>
-            </a:schemeClr>
-          </a:solidFill>
-          <a:ln>
-            <a:round/>
-          </a:ln>
-        </p:spPr>
-        <p:style>
-          <a:lnRef idx="2">
-            <a:schemeClr val="accent1">
-              <a:shade val="50000"/>
-            </a:schemeClr>
-          </a:lnRef>
-          <a:fillRef idx="1">
-            <a:schemeClr val="accent1"/>
-          </a:fillRef>
-          <a:effectRef idx="0">
-            <a:schemeClr val="accent1"/>
-          </a:effectRef>
-          <a:fontRef idx="minor"/>
-        </p:style>
-        <p:txBody>
-          <a:bodyPr lIns="89962" tIns="44981" rIns="89962" bIns="44981" anchor="ctr"/>
-          <a:lstStyle/>
-          <a:p>
-            <a:pPr>
-              <a:lnSpc>
-                <a:spcPct val="100000"/>
-              </a:lnSpc>
-            </a:pPr>
-            <a:r>
-              <a:rPr lang="en-US" sz="1799" dirty="0">
-                <a:solidFill>
-                  <a:srgbClr val="FFFFFF"/>
-                </a:solidFill>
-                <a:latin typeface="Calibri"/>
-                <a:ea typeface="DejaVu Sans"/>
-              </a:rPr>
-              <a:t> </a:t>
-            </a:r>
-            <a:r>
-              <a:rPr lang="en-US" sz="1799" dirty="0">
-                <a:solidFill>
-                  <a:srgbClr val="000000"/>
-                </a:solidFill>
-                <a:latin typeface="Calibri"/>
-                <a:ea typeface="DejaVu Sans"/>
-              </a:rPr>
-              <a:t>Example of Stokes profiles observed with a </a:t>
-            </a:r>
-            <a:r>
-              <a:rPr lang="en-US" sz="1799" dirty="0" err="1">
-                <a:solidFill>
-                  <a:srgbClr val="C00000"/>
-                </a:solidFill>
-                <a:latin typeface="Calibri"/>
-                <a:ea typeface="DejaVu Sans"/>
-              </a:rPr>
-              <a:t>Fabry-Pérot</a:t>
-            </a:r>
-            <a:r>
-              <a:rPr lang="en-US" sz="1799" dirty="0">
-                <a:solidFill>
-                  <a:srgbClr val="C00000"/>
-                </a:solidFill>
-                <a:latin typeface="Calibri"/>
-                <a:ea typeface="DejaVu Sans"/>
-              </a:rPr>
-              <a:t> interferometer. </a:t>
-            </a:r>
-            <a:r>
-              <a:rPr lang="en-US" sz="1799" dirty="0">
-                <a:solidFill>
-                  <a:srgbClr val="000000"/>
-                </a:solidFill>
-                <a:latin typeface="Calibri"/>
-                <a:ea typeface="DejaVu Sans"/>
-              </a:rPr>
-              <a:t> </a:t>
-            </a:r>
-            <a:endParaRPr sz="1799" dirty="0"/>
-          </a:p>
-          <a:p>
-            <a:pPr>
-              <a:lnSpc>
-                <a:spcPct val="100000"/>
-              </a:lnSpc>
-            </a:pPr>
-            <a:r>
-              <a:rPr lang="en-US" sz="1799" dirty="0">
-                <a:solidFill>
-                  <a:srgbClr val="000000"/>
-                </a:solidFill>
-                <a:latin typeface="Calibri"/>
-                <a:ea typeface="DejaVu Sans"/>
-              </a:rPr>
-              <a:t> H</a:t>
-            </a:r>
-            <a:r>
-              <a:rPr lang="en-US" sz="1799" dirty="0" smtClean="0">
-                <a:solidFill>
-                  <a:srgbClr val="000000"/>
-                </a:solidFill>
-                <a:latin typeface="Calibri"/>
-                <a:ea typeface="DejaVu Sans"/>
-              </a:rPr>
-              <a:t>igh </a:t>
-            </a:r>
-            <a:r>
-              <a:rPr lang="en-US" sz="1799" dirty="0">
-                <a:solidFill>
-                  <a:srgbClr val="000000"/>
-                </a:solidFill>
-                <a:latin typeface="Calibri"/>
-                <a:ea typeface="DejaVu Sans"/>
-              </a:rPr>
-              <a:t>spatial resolution, but modest spectral resolution </a:t>
-            </a:r>
-            <a:r>
-              <a:rPr lang="en-US" sz="1799" dirty="0" smtClean="0">
-                <a:solidFill>
-                  <a:srgbClr val="000000"/>
-                </a:solidFill>
-                <a:latin typeface="Calibri"/>
-                <a:ea typeface="DejaVu Sans"/>
-              </a:rPr>
-              <a:t>(20-30 </a:t>
-            </a:r>
-            <a:r>
-              <a:rPr lang="en-US" sz="1799" dirty="0">
-                <a:solidFill>
-                  <a:srgbClr val="000000"/>
-                </a:solidFill>
-                <a:latin typeface="Calibri"/>
-                <a:ea typeface="DejaVu Sans"/>
-              </a:rPr>
-              <a:t>mA at 617 nm).  </a:t>
-            </a:r>
-            <a:endParaRPr sz="1799" dirty="0"/>
-          </a:p>
-          <a:p>
-            <a:pPr>
-              <a:lnSpc>
-                <a:spcPct val="100000"/>
-              </a:lnSpc>
-            </a:pPr>
-            <a:r>
-              <a:rPr lang="en-US" sz="1799" dirty="0">
-                <a:solidFill>
-                  <a:srgbClr val="000000"/>
-                </a:solidFill>
-                <a:latin typeface="Calibri"/>
-                <a:ea typeface="DejaVu Sans"/>
-              </a:rPr>
-              <a:t> </a:t>
-            </a:r>
-            <a:r>
-              <a:rPr lang="en-US" sz="1799" dirty="0" smtClean="0">
-                <a:solidFill>
-                  <a:srgbClr val="000000"/>
-                </a:solidFill>
-                <a:latin typeface="Calibri"/>
-                <a:ea typeface="DejaVu Sans"/>
-              </a:rPr>
-              <a:t>To include points in the profile you can use:</a:t>
-            </a:r>
-          </a:p>
-          <a:p>
-            <a:pPr>
-              <a:lnSpc>
-                <a:spcPct val="100000"/>
-              </a:lnSpc>
-            </a:pPr>
-            <a:r>
-              <a:rPr lang="en-US" dirty="0">
-                <a:solidFill>
-                  <a:srgbClr val="1F4E79"/>
-                </a:solidFill>
-                <a:ea typeface="ArialMT"/>
-              </a:rPr>
-              <a:t>IDL</a:t>
-            </a:r>
-            <a:r>
-              <a:rPr lang="en-US" dirty="0" smtClean="0">
-                <a:solidFill>
-                  <a:srgbClr val="1F4E79"/>
-                </a:solidFill>
-                <a:ea typeface="ArialMT"/>
-              </a:rPr>
-              <a:t>&gt; </a:t>
-            </a:r>
-            <a:r>
-              <a:rPr lang="en-US" smtClean="0">
-                <a:solidFill>
-                  <a:srgbClr val="C00000"/>
-                </a:solidFill>
-                <a:ea typeface="ArialMT"/>
-              </a:rPr>
-              <a:t>introduce_points,</a:t>
-            </a:r>
-            <a:r>
-              <a:rPr lang="en-US" smtClean="0">
-                <a:solidFill>
-                  <a:srgbClr val="000000"/>
-                </a:solidFill>
-                <a:ea typeface="ArialMT"/>
-              </a:rPr>
-              <a:t>x,si,sq,su,sv</a:t>
-            </a:r>
-            <a:r>
-              <a:rPr lang="en-US" dirty="0" smtClean="0">
-                <a:solidFill>
-                  <a:srgbClr val="000000"/>
-                </a:solidFill>
-                <a:ea typeface="ArialMT"/>
-              </a:rPr>
-              <a:t>, x1,si1, sq1,su1,sv1</a:t>
-            </a:r>
-          </a:p>
-          <a:p>
-            <a:pPr>
-              <a:lnSpc>
-                <a:spcPct val="100000"/>
-              </a:lnSpc>
-            </a:pPr>
-            <a:r>
-              <a:rPr lang="en-US" sz="1799" dirty="0" smtClean="0">
-                <a:solidFill>
-                  <a:srgbClr val="000000"/>
-                </a:solidFill>
-                <a:latin typeface="Calibri"/>
-                <a:ea typeface="DejaVu Sans"/>
-              </a:rPr>
-              <a:t>Where x is the old grid and x1 the new one</a:t>
-            </a:r>
-          </a:p>
-          <a:p>
-            <a:pPr>
-              <a:lnSpc>
-                <a:spcPct val="100000"/>
-              </a:lnSpc>
-            </a:pPr>
-            <a:endParaRPr sz="1799" dirty="0"/>
-          </a:p>
-        </p:txBody>
-      </p:sp>
-      <p:sp>
-        <p:nvSpPr>
           <p:cNvPr id="62" name="CustomShape 3"/>
           <p:cNvSpPr/>
           <p:nvPr/>
@@ -4369,12 +4153,55 @@
                 <a:spcPct val="100000"/>
               </a:lnSpc>
             </a:pPr>
-            <a:r>
-              <a:rPr lang="en-US" sz="1999" dirty="0" smtClean="0">
-                <a:latin typeface="Calibri"/>
-              </a:rPr>
-              <a:t>High spatial resolution</a:t>
-            </a:r>
+            <a:endParaRPr lang="es-ES" sz="1799" dirty="0"/>
+          </a:p>
+          <a:p>
+            <a:pPr>
+              <a:lnSpc>
+                <a:spcPct val="100000"/>
+              </a:lnSpc>
+            </a:pPr>
+            <a:endParaRPr lang="es-ES" sz="1799" dirty="0" smtClean="0"/>
+          </a:p>
+          <a:p>
+            <a:pPr>
+              <a:lnSpc>
+                <a:spcPct val="100000"/>
+              </a:lnSpc>
+            </a:pPr>
+            <a:endParaRPr lang="es-ES" sz="1799" dirty="0"/>
+          </a:p>
+          <a:p>
+            <a:pPr>
+              <a:lnSpc>
+                <a:spcPct val="100000"/>
+              </a:lnSpc>
+            </a:pPr>
+            <a:endParaRPr lang="es-ES" sz="1799" dirty="0" smtClean="0"/>
+          </a:p>
+          <a:p>
+            <a:pPr>
+              <a:lnSpc>
+                <a:spcPct val="100000"/>
+              </a:lnSpc>
+            </a:pPr>
+            <a:endParaRPr lang="es-ES" sz="1799" dirty="0" smtClean="0"/>
+          </a:p>
+          <a:p>
+            <a:pPr>
+              <a:lnSpc>
+                <a:spcPct val="100000"/>
+              </a:lnSpc>
+            </a:pPr>
+            <a:endParaRPr lang="es-ES" sz="1799" dirty="0"/>
+          </a:p>
+          <a:p>
+            <a:pPr>
+              <a:lnSpc>
+                <a:spcPct val="100000"/>
+              </a:lnSpc>
+            </a:pPr>
+            <a:endParaRPr lang="es-ES" sz="1799" dirty="0" smtClean="0"/>
           </a:p>
           <a:p>
             <a:pPr>
@@ -4398,70 +4225,8 @@
                 <a:latin typeface="Calibri"/>
                 <a:ea typeface="ArialMT"/>
               </a:rPr>
-              <a:t> 1. </a:t>
-            </a:r>
-            <a:r>
-              <a:rPr lang="en-US" sz="1999" dirty="0" smtClean="0">
-                <a:solidFill>
-                  <a:srgbClr val="000000"/>
-                </a:solidFill>
-                <a:latin typeface="Calibri"/>
-                <a:ea typeface="ArialMT"/>
-              </a:rPr>
-              <a:t> Profiles are not equally spaced  in wavelength: interpolate to a 10 mA resolution and write a “-1” over the new points</a:t>
-            </a:r>
-          </a:p>
-          <a:p>
-            <a:pPr>
-              <a:lnSpc>
-                <a:spcPct val="100000"/>
-              </a:lnSpc>
-            </a:pPr>
-            <a:r>
-              <a:rPr lang="en-US" sz="1999" dirty="0" smtClean="0">
-                <a:solidFill>
-                  <a:srgbClr val="000000"/>
-                </a:solidFill>
-                <a:latin typeface="Calibri"/>
-                <a:ea typeface="ArialMT"/>
-              </a:rPr>
-              <a:t> 2. The profiles are wider than FTS, then, as we have not the PSF, we should include a </a:t>
-            </a:r>
-            <a:r>
-              <a:rPr lang="en-US" sz="1999" dirty="0" err="1" smtClean="0">
-                <a:solidFill>
-                  <a:srgbClr val="000000"/>
-                </a:solidFill>
-                <a:latin typeface="Calibri"/>
-                <a:ea typeface="ArialMT"/>
-              </a:rPr>
-              <a:t>macroturbulence</a:t>
-            </a:r>
-            <a:r>
-              <a:rPr lang="en-US" sz="1999" dirty="0" smtClean="0">
-                <a:solidFill>
-                  <a:srgbClr val="000000"/>
-                </a:solidFill>
-                <a:latin typeface="Calibri"/>
-                <a:ea typeface="ArialMT"/>
-              </a:rPr>
-              <a:t>.</a:t>
-            </a:r>
-          </a:p>
-          <a:p>
-            <a:pPr>
-              <a:lnSpc>
-                <a:spcPct val="100000"/>
-              </a:lnSpc>
-            </a:pPr>
-            <a:endParaRPr sz="1799" dirty="0"/>
-          </a:p>
-          <a:p>
-            <a:pPr>
-              <a:lnSpc>
-                <a:spcPct val="100000"/>
-              </a:lnSpc>
-            </a:pPr>
+              <a:t> </a:t>
+            </a:r>
             <a:endParaRPr sz="1799" dirty="0"/>
           </a:p>
           <a:p>
@@ -4498,10 +4263,40 @@
           </a:p>
         </p:txBody>
       </p:sp>
+      <p:pic>
+        <p:nvPicPr>
+          <p:cNvPr id="3" name="Imagen 2"/>
+          <p:cNvPicPr>
+            <a:picLocks noChangeAspect="1"/>
+          </p:cNvPicPr>
+          <p:nvPr/>
+        </p:nvPicPr>
+        <p:blipFill>
+          <a:blip r:embed="rId2" cstate="print">
+            <a:extLst>
+              <a:ext uri="{28A0092B-C50C-407E-A947-70E740481C1C}">
+                <a14:useLocalDpi xmlns:a14="http://schemas.microsoft.com/office/drawing/2010/main" val="0"/>
+              </a:ext>
+            </a:extLst>
+          </a:blip>
+          <a:stretch>
+            <a:fillRect/>
+          </a:stretch>
+        </p:blipFill>
+        <p:spPr>
+          <a:xfrm>
+            <a:off x="1231900" y="2559050"/>
+            <a:ext cx="6996430" cy="4997450"/>
+          </a:xfrm>
+          <a:prstGeom prst="rect">
+            <a:avLst/>
+          </a:prstGeom>
+        </p:spPr>
+      </p:pic>
     </p:spTree>
     <p:extLst>
       <p:ext uri="{BB962C8B-B14F-4D97-AF65-F5344CB8AC3E}">
-        <p14:creationId xmlns:p14="http://schemas.microsoft.com/office/powerpoint/2010/main" val="3360030133"/>
+        <p14:creationId xmlns:p14="http://schemas.microsoft.com/office/powerpoint/2010/main" val="4097989456"/>
       </p:ext>
     </p:extLst>
   </p:cSld>
@@ -4628,7 +4423,7 @@
                 <a:latin typeface="Calibri"/>
                 <a:ea typeface="DejaVu Sans"/>
               </a:rPr>
-              <a:t>7bis</a:t>
+              <a:t>7</a:t>
             </a:r>
             <a:endParaRPr sz="1799" dirty="0"/>
           </a:p>
@@ -4642,8 +4437,8 @@
         </p:nvSpPr>
         <p:spPr>
           <a:xfrm>
-            <a:off x="734926" y="6302392"/>
-            <a:ext cx="9322243" cy="1049319"/>
+            <a:off x="734926" y="5683250"/>
+            <a:ext cx="9322243" cy="1668461"/>
           </a:xfrm>
           <a:prstGeom prst="rect">
             <a:avLst/>
@@ -4682,7 +4477,7 @@
               </a:lnSpc>
             </a:pPr>
             <a:r>
-              <a:rPr lang="en-US" sz="1799">
+              <a:rPr lang="en-US" sz="1799" dirty="0">
                 <a:solidFill>
                   <a:srgbClr val="FFFFFF"/>
                 </a:solidFill>
@@ -4692,7 +4487,7 @@
               <a:t> </a:t>
             </a:r>
             <a:r>
-              <a:rPr lang="en-US" sz="1799">
+              <a:rPr lang="en-US" sz="1799" dirty="0">
                 <a:solidFill>
                   <a:srgbClr val="000000"/>
                 </a:solidFill>
@@ -4702,62 +4497,198 @@
               <a:t>Example of Stokes profiles observed with a </a:t>
             </a:r>
             <a:r>
-              <a:rPr lang="en-US" sz="1799">
+              <a:rPr lang="en-US" sz="1799" dirty="0" err="1">
                 <a:solidFill>
                   <a:srgbClr val="C00000"/>
                 </a:solidFill>
                 <a:latin typeface="Calibri"/>
                 <a:ea typeface="DejaVu Sans"/>
               </a:rPr>
-              <a:t>Fabry-Pérot interferometer. </a:t>
-            </a:r>
-            <a:r>
-              <a:rPr lang="en-US" sz="1799">
-                <a:solidFill>
-                  <a:srgbClr val="000000"/>
+              <a:t>Fabry-Pérot</a:t>
+            </a:r>
+            <a:r>
+              <a:rPr lang="en-US" sz="1799" dirty="0">
+                <a:solidFill>
+                  <a:srgbClr val="C00000"/>
                 </a:solidFill>
                 <a:latin typeface="Calibri"/>
                 <a:ea typeface="DejaVu Sans"/>
               </a:rPr>
+              <a:t> interferometer. </a:t>
+            </a:r>
+            <a:r>
+              <a:rPr lang="en-US" sz="1799" dirty="0">
+                <a:solidFill>
+                  <a:srgbClr val="000000"/>
+                </a:solidFill>
+                <a:latin typeface="Calibri"/>
+                <a:ea typeface="DejaVu Sans"/>
+              </a:rPr>
               <a:t> </a:t>
             </a:r>
-            <a:endParaRPr sz="1799"/>
-          </a:p>
-          <a:p>
-            <a:pPr>
-              <a:lnSpc>
-                <a:spcPct val="100000"/>
-              </a:lnSpc>
-            </a:pPr>
-            <a:r>
-              <a:rPr lang="en-US" sz="1799">
+            <a:endParaRPr sz="1799" dirty="0"/>
+          </a:p>
+          <a:p>
+            <a:pPr>
+              <a:lnSpc>
+                <a:spcPct val="100000"/>
+              </a:lnSpc>
+            </a:pPr>
+            <a:r>
+              <a:rPr lang="en-US" sz="1799" dirty="0">
                 <a:solidFill>
                   <a:srgbClr val="000000"/>
                 </a:solidFill>
                 <a:latin typeface="Calibri"/>
                 <a:ea typeface="DejaVu Sans"/>
               </a:rPr>
-              <a:t> Extremely high spatial resolution, but modest spectral resolution (~50 mA at 617 nm).  </a:t>
-            </a:r>
-            <a:endParaRPr sz="1799"/>
-          </a:p>
-          <a:p>
-            <a:pPr>
-              <a:lnSpc>
-                <a:spcPct val="100000"/>
-              </a:lnSpc>
-            </a:pPr>
-            <a:r>
-              <a:rPr lang="en-US" sz="1799">
+              <a:t> H</a:t>
+            </a:r>
+            <a:r>
+              <a:rPr lang="en-US" sz="1799" dirty="0" smtClean="0">
                 <a:solidFill>
                   <a:srgbClr val="000000"/>
                 </a:solidFill>
                 <a:latin typeface="Calibri"/>
                 <a:ea typeface="DejaVu Sans"/>
               </a:rPr>
-              <a:t> Sequential sampling of line means first and last wavelengths are observed ~30 s apart. </a:t>
-            </a:r>
-            <a:endParaRPr sz="1799"/>
+              <a:t>igh </a:t>
+            </a:r>
+            <a:r>
+              <a:rPr lang="en-US" sz="1799" dirty="0">
+                <a:solidFill>
+                  <a:srgbClr val="000000"/>
+                </a:solidFill>
+                <a:latin typeface="Calibri"/>
+                <a:ea typeface="DejaVu Sans"/>
+              </a:rPr>
+              <a:t>spatial resolution, but modest spectral resolution </a:t>
+            </a:r>
+            <a:r>
+              <a:rPr lang="en-US" sz="1799" dirty="0" smtClean="0">
+                <a:solidFill>
+                  <a:srgbClr val="000000"/>
+                </a:solidFill>
+                <a:latin typeface="Calibri"/>
+                <a:ea typeface="DejaVu Sans"/>
+              </a:rPr>
+              <a:t>(20-30 </a:t>
+            </a:r>
+            <a:r>
+              <a:rPr lang="en-US" sz="1799" dirty="0">
+                <a:solidFill>
+                  <a:srgbClr val="000000"/>
+                </a:solidFill>
+                <a:latin typeface="Calibri"/>
+                <a:ea typeface="DejaVu Sans"/>
+              </a:rPr>
+              <a:t>mA at 617 nm).  </a:t>
+            </a:r>
+            <a:endParaRPr sz="1799" dirty="0"/>
+          </a:p>
+          <a:p>
+            <a:pPr>
+              <a:lnSpc>
+                <a:spcPct val="100000"/>
+              </a:lnSpc>
+            </a:pPr>
+            <a:r>
+              <a:rPr lang="en-US" sz="1799" dirty="0">
+                <a:solidFill>
+                  <a:srgbClr val="000000"/>
+                </a:solidFill>
+                <a:latin typeface="Calibri"/>
+                <a:ea typeface="DejaVu Sans"/>
+              </a:rPr>
+              <a:t> </a:t>
+            </a:r>
+            <a:r>
+              <a:rPr lang="en-US" sz="1799" dirty="0" smtClean="0">
+                <a:solidFill>
+                  <a:srgbClr val="000000"/>
+                </a:solidFill>
+                <a:latin typeface="Calibri"/>
+                <a:ea typeface="DejaVu Sans"/>
+              </a:rPr>
+              <a:t>To include points in the profile you can use:</a:t>
+            </a:r>
+          </a:p>
+          <a:p>
+            <a:pPr>
+              <a:lnSpc>
+                <a:spcPct val="100000"/>
+              </a:lnSpc>
+            </a:pPr>
+            <a:r>
+              <a:rPr lang="en-US" dirty="0">
+                <a:solidFill>
+                  <a:srgbClr val="1F4E79"/>
+                </a:solidFill>
+                <a:ea typeface="ArialMT"/>
+              </a:rPr>
+              <a:t>IDL</a:t>
+            </a:r>
+            <a:r>
+              <a:rPr lang="en-US" dirty="0" smtClean="0">
+                <a:solidFill>
+                  <a:srgbClr val="1F4E79"/>
+                </a:solidFill>
+                <a:ea typeface="ArialMT"/>
+              </a:rPr>
+              <a:t>&gt; </a:t>
+            </a:r>
+            <a:r>
+              <a:rPr lang="en-US" smtClean="0">
+                <a:solidFill>
+                  <a:srgbClr val="C00000"/>
+                </a:solidFill>
+                <a:ea typeface="ArialMT"/>
+              </a:rPr>
+              <a:t>introduce_points,</a:t>
+            </a:r>
+            <a:r>
+              <a:rPr lang="en-US" smtClean="0">
+                <a:solidFill>
+                  <a:srgbClr val="000000"/>
+                </a:solidFill>
+                <a:ea typeface="ArialMT"/>
+              </a:rPr>
+              <a:t>x,si,sq,su,sv</a:t>
+            </a:r>
+            <a:r>
+              <a:rPr lang="en-US" dirty="0" smtClean="0">
+                <a:solidFill>
+                  <a:srgbClr val="000000"/>
+                </a:solidFill>
+                <a:ea typeface="ArialMT"/>
+              </a:rPr>
+              <a:t>, x1,si1, sq1,su1,sv1</a:t>
+            </a:r>
+          </a:p>
+          <a:p>
+            <a:pPr>
+              <a:lnSpc>
+                <a:spcPct val="100000"/>
+              </a:lnSpc>
+            </a:pPr>
+            <a:r>
+              <a:rPr lang="en-US" sz="1799" dirty="0" smtClean="0">
+                <a:solidFill>
+                  <a:srgbClr val="000000"/>
+                </a:solidFill>
+                <a:latin typeface="Calibri"/>
+                <a:ea typeface="DejaVu Sans"/>
+              </a:rPr>
+              <a:t>Where x is the old grid and x1 the new one</a:t>
+            </a:r>
+          </a:p>
+          <a:p>
+            <a:pPr>
+              <a:lnSpc>
+                <a:spcPct val="100000"/>
+              </a:lnSpc>
+            </a:pPr>
+            <a:endParaRPr sz="1799" dirty="0"/>
           </a:p>
         </p:txBody>
       </p:sp>
@@ -4809,9 +4740,163 @@
                 <a:latin typeface="Calibri"/>
                 <a:ea typeface="DejaVu Sans"/>
               </a:rPr>
-              <a:t>Inversion of CRISP profiles from sunspot penumbrae</a:t>
-            </a:r>
-            <a:endParaRPr sz="1799" dirty="0"/>
+              <a:t>Inversion of </a:t>
+            </a:r>
+            <a:r>
+              <a:rPr lang="en-US" sz="1999" u="sng" dirty="0" smtClean="0">
+                <a:solidFill>
+                  <a:srgbClr val="C00000"/>
+                </a:solidFill>
+                <a:latin typeface="Calibri"/>
+                <a:ea typeface="DejaVu Sans"/>
+              </a:rPr>
+              <a:t>IBIS profiles</a:t>
+            </a:r>
+            <a:endParaRPr sz="1799" dirty="0"/>
+          </a:p>
+          <a:p>
+            <a:pPr>
+              <a:lnSpc>
+                <a:spcPct val="100000"/>
+              </a:lnSpc>
+            </a:pPr>
+            <a:endParaRPr lang="es-ES" sz="1799" dirty="0" smtClean="0"/>
+          </a:p>
+          <a:p>
+            <a:pPr>
+              <a:lnSpc>
+                <a:spcPct val="100000"/>
+              </a:lnSpc>
+            </a:pPr>
+            <a:r>
+              <a:rPr lang="en-US" dirty="0" smtClean="0">
+                <a:solidFill>
+                  <a:schemeClr val="tx2"/>
+                </a:solidFill>
+              </a:rPr>
+              <a:t>IBIS: </a:t>
+            </a:r>
+            <a:r>
+              <a:rPr lang="en-US" dirty="0" err="1" smtClean="0">
+                <a:solidFill>
+                  <a:schemeClr val="tx2"/>
+                </a:solidFill>
+              </a:rPr>
+              <a:t>Interferometric</a:t>
+            </a:r>
+            <a:r>
+              <a:rPr lang="en-US" dirty="0" smtClean="0">
+                <a:solidFill>
+                  <a:schemeClr val="tx2"/>
+                </a:solidFill>
+              </a:rPr>
+              <a:t> </a:t>
+            </a:r>
+            <a:r>
+              <a:rPr lang="en-US" dirty="0" err="1" smtClean="0">
+                <a:solidFill>
+                  <a:schemeClr val="tx2"/>
+                </a:solidFill>
+              </a:rPr>
+              <a:t>Bidimensional</a:t>
+            </a:r>
+            <a:r>
+              <a:rPr lang="en-US" dirty="0" smtClean="0">
+                <a:solidFill>
+                  <a:schemeClr val="tx2"/>
+                </a:solidFill>
+              </a:rPr>
+              <a:t> </a:t>
+            </a:r>
+            <a:r>
+              <a:rPr lang="en-US" dirty="0" err="1" smtClean="0">
+                <a:solidFill>
+                  <a:schemeClr val="tx2"/>
+                </a:solidFill>
+              </a:rPr>
+              <a:t>Spectropolarimeter</a:t>
+            </a:r>
+            <a:r>
+              <a:rPr lang="en-US" dirty="0" smtClean="0">
+                <a:solidFill>
+                  <a:schemeClr val="tx2"/>
+                </a:solidFill>
+              </a:rPr>
+              <a:t> (</a:t>
+            </a:r>
+            <a:r>
+              <a:rPr lang="en-US" dirty="0" err="1" smtClean="0">
+                <a:solidFill>
+                  <a:schemeClr val="tx2"/>
+                </a:solidFill>
+              </a:rPr>
+              <a:t>INAF_Arcetri</a:t>
+            </a:r>
+            <a:r>
+              <a:rPr lang="en-US" dirty="0" smtClean="0">
+                <a:solidFill>
+                  <a:schemeClr val="tx2"/>
+                </a:solidFill>
+              </a:rPr>
+              <a:t> OBS/NSO)</a:t>
+            </a:r>
+            <a:endParaRPr lang="en-US" dirty="0">
+              <a:solidFill>
+                <a:schemeClr val="tx2"/>
+              </a:solidFill>
+            </a:endParaRPr>
+          </a:p>
+          <a:p>
+            <a:pPr>
+              <a:lnSpc>
+                <a:spcPct val="100000"/>
+              </a:lnSpc>
+            </a:pPr>
+            <a:r>
+              <a:rPr lang="en-US" dirty="0">
+                <a:solidFill>
+                  <a:schemeClr val="tx2"/>
+                </a:solidFill>
+              </a:rPr>
+              <a:t>         </a:t>
+            </a:r>
+            <a:r>
+              <a:rPr lang="en-US" dirty="0" smtClean="0">
+                <a:solidFill>
+                  <a:schemeClr val="tx2"/>
+                </a:solidFill>
+              </a:rPr>
+              <a:t>@ </a:t>
+            </a:r>
+            <a:r>
+              <a:rPr lang="en-US" dirty="0">
+                <a:solidFill>
+                  <a:schemeClr val="tx2"/>
+                </a:solidFill>
+              </a:rPr>
+              <a:t>Dunn Solar Telescope on Sacramento Peak</a:t>
+            </a:r>
+          </a:p>
+          <a:p>
+            <a:pPr>
+              <a:lnSpc>
+                <a:spcPct val="100000"/>
+              </a:lnSpc>
+            </a:pPr>
+            <a:endParaRPr lang="es-ES" sz="1799" dirty="0" smtClean="0"/>
+          </a:p>
+          <a:p>
+            <a:pPr>
+              <a:lnSpc>
+                <a:spcPct val="100000"/>
+              </a:lnSpc>
+            </a:pPr>
+            <a:r>
+              <a:rPr lang="en-US" sz="1999" dirty="0" smtClean="0">
+                <a:latin typeface="Calibri"/>
+              </a:rPr>
+              <a:t>High spatial resolution</a:t>
+            </a:r>
           </a:p>
           <a:p>
             <a:pPr>
@@ -4830,122 +4915,60 @@
             <a:r>
               <a:rPr lang="en-US" sz="1999" dirty="0">
                 <a:solidFill>
-                  <a:schemeClr val="tx2"/>
-                </a:solidFill>
-                <a:latin typeface="Calibri"/>
-                <a:ea typeface="ArialMT"/>
-              </a:rPr>
-              <a:t>SST/CRISP</a:t>
-            </a:r>
-            <a:r>
-              <a:rPr lang="en-US" sz="1999" dirty="0">
-                <a:solidFill>
-                  <a:srgbClr val="000000"/>
-                </a:solidFill>
-                <a:latin typeface="Calibri"/>
-                <a:ea typeface="ArialMT"/>
-              </a:rPr>
-              <a:t> observations with SNR~500, sequential spectral sampling of Fe I 617.3 nm </a:t>
-            </a:r>
-            <a:endParaRPr sz="1799" dirty="0"/>
-          </a:p>
-          <a:p>
-            <a:pPr>
-              <a:lnSpc>
-                <a:spcPct val="100000"/>
-              </a:lnSpc>
-            </a:pPr>
-            <a:r>
-              <a:rPr lang="en-US" sz="1999" dirty="0">
-                <a:solidFill>
-                  <a:srgbClr val="000000"/>
-                </a:solidFill>
-                <a:latin typeface="Calibri"/>
-                <a:ea typeface="ArialMT"/>
-              </a:rPr>
-              <a:t>(30 wavelengths in ~30 s)  </a:t>
-            </a:r>
-            <a:endParaRPr sz="1799" dirty="0"/>
-          </a:p>
-          <a:p>
-            <a:pPr>
-              <a:lnSpc>
-                <a:spcPct val="100000"/>
-              </a:lnSpc>
-            </a:pPr>
-            <a:r>
-              <a:rPr lang="en-US" sz="1999" dirty="0">
-                <a:solidFill>
-                  <a:srgbClr val="000000"/>
-                </a:solidFill>
-                <a:latin typeface="Calibri"/>
-                <a:ea typeface="ArialMT"/>
-              </a:rPr>
-              <a:t>Strongly Doppler-shifted polarization profiles</a:t>
-            </a:r>
-            <a:endParaRPr sz="1799" dirty="0"/>
-          </a:p>
-          <a:p>
-            <a:pPr>
-              <a:lnSpc>
-                <a:spcPct val="100000"/>
-              </a:lnSpc>
-            </a:pPr>
-            <a:endParaRPr sz="1799" dirty="0"/>
-          </a:p>
-          <a:p>
-            <a:pPr>
-              <a:lnSpc>
-                <a:spcPct val="100000"/>
-              </a:lnSpc>
-            </a:pPr>
-            <a:r>
-              <a:rPr lang="en-US" sz="1999" dirty="0">
-                <a:solidFill>
-                  <a:srgbClr val="000000"/>
-                </a:solidFill>
-                <a:latin typeface="Calibri"/>
-                <a:ea typeface="ArialMT"/>
-              </a:rPr>
-              <a:t> 1. What kind of model would you use to invert them? </a:t>
-            </a:r>
-            <a:endParaRPr sz="1799" dirty="0"/>
-          </a:p>
-          <a:p>
-            <a:pPr>
-              <a:lnSpc>
-                <a:spcPct val="100000"/>
-              </a:lnSpc>
-            </a:pPr>
-            <a:r>
-              <a:rPr lang="en-US" sz="1999" dirty="0">
-                <a:solidFill>
-                  <a:srgbClr val="000000"/>
-                </a:solidFill>
-                <a:latin typeface="Calibri"/>
-                <a:ea typeface="ArialMT"/>
-              </a:rPr>
-              <a:t> 2. Include stray-light contamination, and a small weight for Q &amp; U stokes profile</a:t>
-            </a:r>
-            <a:endParaRPr sz="1799" dirty="0"/>
-          </a:p>
-          <a:p>
-            <a:pPr>
-              <a:lnSpc>
-                <a:spcPct val="100000"/>
-              </a:lnSpc>
-            </a:pPr>
-            <a:r>
-              <a:rPr lang="en-US" sz="1999" dirty="0">
-                <a:solidFill>
-                  <a:srgbClr val="000000"/>
-                </a:solidFill>
-                <a:latin typeface="Calibri"/>
-                <a:ea typeface="ArialMT"/>
-              </a:rPr>
-              <a:t>(for instance: 10, 0.1,0.1,10)</a:t>
-            </a:r>
-            <a:endParaRPr sz="1799" dirty="0"/>
+                  <a:srgbClr val="000000"/>
+                </a:solidFill>
+                <a:latin typeface="Calibri"/>
+                <a:ea typeface="ArialMT"/>
+              </a:rPr>
+              <a:t> 1. </a:t>
+            </a:r>
+            <a:r>
+              <a:rPr lang="en-US" sz="1999" dirty="0" smtClean="0">
+                <a:solidFill>
+                  <a:srgbClr val="000000"/>
+                </a:solidFill>
+                <a:latin typeface="Calibri"/>
+                <a:ea typeface="ArialMT"/>
+              </a:rPr>
+              <a:t> Profiles are not equally spaced  in wavelength: interpolate to a 10 mA resolution and write a “-1” over the new points</a:t>
+            </a:r>
+          </a:p>
+          <a:p>
+            <a:pPr>
+              <a:lnSpc>
+                <a:spcPct val="100000"/>
+              </a:lnSpc>
+            </a:pPr>
+            <a:r>
+              <a:rPr lang="en-US" sz="1999" dirty="0" smtClean="0">
+                <a:solidFill>
+                  <a:srgbClr val="000000"/>
+                </a:solidFill>
+                <a:latin typeface="Calibri"/>
+                <a:ea typeface="ArialMT"/>
+              </a:rPr>
+              <a:t> 2. The profiles are wider than FTS, then, as we have not the PSF, we should include a </a:t>
+            </a:r>
+            <a:r>
+              <a:rPr lang="en-US" sz="1999" dirty="0" err="1" smtClean="0">
+                <a:solidFill>
+                  <a:srgbClr val="000000"/>
+                </a:solidFill>
+                <a:latin typeface="Calibri"/>
+                <a:ea typeface="ArialMT"/>
+              </a:rPr>
+              <a:t>macroturbulence</a:t>
+            </a:r>
+            <a:r>
+              <a:rPr lang="en-US" sz="1999" dirty="0" smtClean="0">
+                <a:solidFill>
+                  <a:srgbClr val="000000"/>
+                </a:solidFill>
+                <a:latin typeface="Calibri"/>
+                <a:ea typeface="ArialMT"/>
+              </a:rPr>
+              <a:t>.</a:t>
+            </a:r>
           </a:p>
           <a:p>
             <a:pPr>
@@ -5000,7 +5023,7 @@
     </p:spTree>
     <p:extLst>
       <p:ext uri="{BB962C8B-B14F-4D97-AF65-F5344CB8AC3E}">
-        <p14:creationId xmlns:p14="http://schemas.microsoft.com/office/powerpoint/2010/main" val="2209520601"/>
+        <p14:creationId xmlns:p14="http://schemas.microsoft.com/office/powerpoint/2010/main" val="3360030133"/>
       </p:ext>
     </p:extLst>
   </p:cSld>
@@ -5117,9 +5140,146 @@
                 <a:latin typeface="Calibri"/>
                 <a:ea typeface="DejaVu Sans"/>
               </a:rPr>
-              <a:t>Exercise 8</a:t>
-            </a:r>
-            <a:endParaRPr sz="1799" dirty="0"/>
+              <a:t>Exercise </a:t>
+            </a:r>
+            <a:r>
+              <a:rPr lang="en-US" sz="2799" dirty="0" smtClean="0">
+                <a:solidFill>
+                  <a:srgbClr val="000000"/>
+                </a:solidFill>
+                <a:latin typeface="Calibri"/>
+                <a:ea typeface="DejaVu Sans"/>
+              </a:rPr>
+              <a:t>7bis</a:t>
+            </a:r>
+            <a:endParaRPr sz="1799" dirty="0"/>
+          </a:p>
+        </p:txBody>
+      </p:sp>
+      <p:sp>
+        <p:nvSpPr>
+          <p:cNvPr id="61" name="CustomShape 2"/>
+          <p:cNvSpPr/>
+          <p:nvPr/>
+        </p:nvSpPr>
+        <p:spPr>
+          <a:xfrm>
+            <a:off x="734926" y="6302392"/>
+            <a:ext cx="9322243" cy="1049319"/>
+          </a:xfrm>
+          <a:prstGeom prst="rect">
+            <a:avLst/>
+          </a:prstGeom>
+          <a:solidFill>
+            <a:schemeClr val="accent1">
+              <a:lumMod val="40000"/>
+              <a:lumOff val="60000"/>
+            </a:schemeClr>
+          </a:solidFill>
+          <a:ln>
+            <a:round/>
+          </a:ln>
+        </p:spPr>
+        <p:style>
+          <a:lnRef idx="2">
+            <a:schemeClr val="accent1">
+              <a:shade val="50000"/>
+            </a:schemeClr>
+          </a:lnRef>
+          <a:fillRef idx="1">
+            <a:schemeClr val="accent1"/>
+          </a:fillRef>
+          <a:effectRef idx="0">
+            <a:schemeClr val="accent1"/>
+          </a:effectRef>
+          <a:fontRef idx="minor"/>
+        </p:style>
+        <p:txBody>
+          <a:bodyPr lIns="89962" tIns="44981" rIns="89962" bIns="44981" anchor="ctr"/>
+          <a:lstStyle/>
+          <a:p>
+            <a:pPr>
+              <a:lnSpc>
+                <a:spcPct val="100000"/>
+              </a:lnSpc>
+            </a:pPr>
+            <a:r>
+              <a:rPr lang="en-US" sz="1799">
+                <a:solidFill>
+                  <a:srgbClr val="FFFFFF"/>
+                </a:solidFill>
+                <a:latin typeface="Calibri"/>
+                <a:ea typeface="DejaVu Sans"/>
+              </a:rPr>
+              <a:t> </a:t>
+            </a:r>
+            <a:r>
+              <a:rPr lang="en-US" sz="1799">
+                <a:solidFill>
+                  <a:srgbClr val="000000"/>
+                </a:solidFill>
+                <a:latin typeface="Calibri"/>
+                <a:ea typeface="DejaVu Sans"/>
+              </a:rPr>
+              <a:t>Example of Stokes profiles observed with a </a:t>
+            </a:r>
+            <a:r>
+              <a:rPr lang="en-US" sz="1799">
+                <a:solidFill>
+                  <a:srgbClr val="C00000"/>
+                </a:solidFill>
+                <a:latin typeface="Calibri"/>
+                <a:ea typeface="DejaVu Sans"/>
+              </a:rPr>
+              <a:t>Fabry-Pérot interferometer. </a:t>
+            </a:r>
+            <a:r>
+              <a:rPr lang="en-US" sz="1799">
+                <a:solidFill>
+                  <a:srgbClr val="000000"/>
+                </a:solidFill>
+                <a:latin typeface="Calibri"/>
+                <a:ea typeface="DejaVu Sans"/>
+              </a:rPr>
+              <a:t> </a:t>
+            </a:r>
+            <a:endParaRPr sz="1799"/>
+          </a:p>
+          <a:p>
+            <a:pPr>
+              <a:lnSpc>
+                <a:spcPct val="100000"/>
+              </a:lnSpc>
+            </a:pPr>
+            <a:r>
+              <a:rPr lang="en-US" sz="1799">
+                <a:solidFill>
+                  <a:srgbClr val="000000"/>
+                </a:solidFill>
+                <a:latin typeface="Calibri"/>
+                <a:ea typeface="DejaVu Sans"/>
+              </a:rPr>
+              <a:t> Extremely high spatial resolution, but modest spectral resolution (~50 mA at 617 nm).  </a:t>
+            </a:r>
+            <a:endParaRPr sz="1799"/>
+          </a:p>
+          <a:p>
+            <a:pPr>
+              <a:lnSpc>
+                <a:spcPct val="100000"/>
+              </a:lnSpc>
+            </a:pPr>
+            <a:r>
+              <a:rPr lang="en-US" sz="1799">
+                <a:solidFill>
+                  <a:srgbClr val="000000"/>
+                </a:solidFill>
+                <a:latin typeface="Calibri"/>
+                <a:ea typeface="DejaVu Sans"/>
+              </a:rPr>
+              <a:t> Sequential sampling of line means first and last wavelengths are observed ~30 s apart. </a:t>
+            </a:r>
+            <a:endParaRPr sz="1799"/>
           </a:p>
         </p:txBody>
       </p:sp>
@@ -5132,7 +5292,7 @@
         <p:spPr>
           <a:xfrm>
             <a:off x="812293" y="1236801"/>
-            <a:ext cx="9244876" cy="1093649"/>
+            <a:ext cx="9244876" cy="4264208"/>
           </a:xfrm>
           <a:prstGeom prst="rect">
             <a:avLst/>
@@ -5171,182 +5331,34 @@
                 <a:latin typeface="Calibri"/>
                 <a:ea typeface="DejaVu Sans"/>
               </a:rPr>
-              <a:t>Inversion of </a:t>
-            </a:r>
-            <a:r>
-              <a:rPr lang="en-US" sz="1999" u="sng" dirty="0" smtClean="0">
-                <a:solidFill>
-                  <a:srgbClr val="C00000"/>
-                </a:solidFill>
-                <a:latin typeface="Calibri"/>
-                <a:ea typeface="DejaVu Sans"/>
-              </a:rPr>
-              <a:t>FIRS profiles</a:t>
-            </a:r>
-            <a:endParaRPr sz="1799" dirty="0"/>
-          </a:p>
-          <a:p>
-            <a:pPr>
-              <a:lnSpc>
-                <a:spcPct val="100000"/>
-              </a:lnSpc>
-            </a:pPr>
-            <a:endParaRPr lang="es-ES" sz="1799" dirty="0" smtClean="0"/>
-          </a:p>
-          <a:p>
-            <a:pPr>
-              <a:lnSpc>
-                <a:spcPct val="100000"/>
-              </a:lnSpc>
-            </a:pPr>
-            <a:r>
-              <a:rPr lang="en-US" dirty="0" smtClean="0">
+              <a:t>Inversion of CRISP profiles from sunspot penumbrae</a:t>
+            </a:r>
+            <a:endParaRPr sz="1799" dirty="0"/>
+          </a:p>
+          <a:p>
+            <a:pPr>
+              <a:lnSpc>
+                <a:spcPct val="100000"/>
+              </a:lnSpc>
+            </a:pPr>
+            <a:endParaRPr sz="1799" dirty="0"/>
+          </a:p>
+          <a:p>
+            <a:pPr>
+              <a:lnSpc>
+                <a:spcPct val="100000"/>
+              </a:lnSpc>
+            </a:pPr>
+            <a:r>
+              <a:rPr lang="en-US" sz="1999" dirty="0">
                 <a:solidFill>
                   <a:schemeClr val="tx2"/>
                 </a:solidFill>
-              </a:rPr>
-              <a:t>FIRS: Facility Infrared </a:t>
-            </a:r>
-            <a:r>
-              <a:rPr lang="en-US" dirty="0" err="1" smtClean="0">
-                <a:solidFill>
-                  <a:schemeClr val="tx2"/>
-                </a:solidFill>
-              </a:rPr>
-              <a:t>Spectropolarimeter</a:t>
-            </a:r>
-            <a:r>
-              <a:rPr lang="en-US" dirty="0" smtClean="0">
-                <a:solidFill>
-                  <a:schemeClr val="tx2"/>
-                </a:solidFill>
-              </a:rPr>
-              <a:t> (Univ. Hawai’i/NSO)</a:t>
-            </a:r>
-            <a:endParaRPr lang="en-US" dirty="0">
-              <a:solidFill>
-                <a:schemeClr val="tx2"/>
-              </a:solidFill>
-            </a:endParaRPr>
-          </a:p>
-          <a:p>
-            <a:pPr>
-              <a:lnSpc>
-                <a:spcPct val="100000"/>
-              </a:lnSpc>
-            </a:pPr>
-            <a:r>
-              <a:rPr lang="en-US" dirty="0">
-                <a:solidFill>
-                  <a:schemeClr val="tx2"/>
-                </a:solidFill>
-              </a:rPr>
-              <a:t>         </a:t>
-            </a:r>
-            <a:r>
-              <a:rPr lang="en-US" dirty="0" smtClean="0">
-                <a:solidFill>
-                  <a:schemeClr val="tx2"/>
-                </a:solidFill>
-              </a:rPr>
-              <a:t>@ </a:t>
-            </a:r>
-            <a:r>
-              <a:rPr lang="en-US" dirty="0">
-                <a:solidFill>
-                  <a:schemeClr val="tx2"/>
-                </a:solidFill>
-              </a:rPr>
-              <a:t>Dunn Solar Telescope on Sacramento </a:t>
-            </a:r>
-            <a:r>
-              <a:rPr lang="en-US" dirty="0" smtClean="0">
-                <a:solidFill>
-                  <a:schemeClr val="tx2"/>
-                </a:solidFill>
-              </a:rPr>
-              <a:t>Peak</a:t>
-            </a:r>
-            <a:endParaRPr lang="en-US" dirty="0"/>
-          </a:p>
-          <a:p>
-            <a:pPr>
-              <a:lnSpc>
-                <a:spcPct val="100000"/>
-              </a:lnSpc>
-            </a:pPr>
-            <a:endParaRPr lang="es-ES" sz="1799" dirty="0" smtClean="0"/>
-          </a:p>
-          <a:p>
-            <a:pPr>
-              <a:lnSpc>
-                <a:spcPct val="100000"/>
-              </a:lnSpc>
-            </a:pPr>
-            <a:endParaRPr lang="es-ES" sz="1799" dirty="0"/>
-          </a:p>
-          <a:p>
-            <a:pPr>
-              <a:lnSpc>
-                <a:spcPct val="100000"/>
-              </a:lnSpc>
-            </a:pPr>
-            <a:endParaRPr lang="es-ES" sz="1799" dirty="0" smtClean="0"/>
-          </a:p>
-          <a:p>
-            <a:pPr>
-              <a:lnSpc>
-                <a:spcPct val="100000"/>
-              </a:lnSpc>
-            </a:pPr>
-            <a:endParaRPr lang="es-ES" sz="1799" dirty="0"/>
-          </a:p>
-          <a:p>
-            <a:pPr>
-              <a:lnSpc>
-                <a:spcPct val="100000"/>
-              </a:lnSpc>
-            </a:pPr>
-            <a:endParaRPr lang="es-ES" sz="1799" dirty="0" smtClean="0"/>
-          </a:p>
-          <a:p>
-            <a:pPr>
-              <a:lnSpc>
-                <a:spcPct val="100000"/>
-              </a:lnSpc>
-            </a:pPr>
-            <a:endParaRPr lang="es-ES" sz="1799" dirty="0" smtClean="0"/>
-          </a:p>
-          <a:p>
-            <a:pPr>
-              <a:lnSpc>
-                <a:spcPct val="100000"/>
-              </a:lnSpc>
-            </a:pPr>
-            <a:endParaRPr lang="es-ES" sz="1799" dirty="0"/>
-          </a:p>
-          <a:p>
-            <a:pPr>
-              <a:lnSpc>
-                <a:spcPct val="100000"/>
-              </a:lnSpc>
-            </a:pPr>
-            <a:endParaRPr lang="es-ES" sz="1799" dirty="0" smtClean="0"/>
-          </a:p>
-          <a:p>
-            <a:pPr>
-              <a:lnSpc>
-                <a:spcPct val="100000"/>
-              </a:lnSpc>
-            </a:pPr>
-            <a:endParaRPr sz="1799" dirty="0"/>
-          </a:p>
-          <a:p>
-            <a:pPr>
-              <a:lnSpc>
-                <a:spcPct val="100000"/>
-              </a:lnSpc>
-            </a:pPr>
+                <a:latin typeface="Calibri"/>
+                <a:ea typeface="ArialMT"/>
+              </a:rPr>
+              <a:t>SST/CRISP</a:t>
+            </a:r>
             <a:r>
               <a:rPr lang="en-US" sz="1999" dirty="0">
                 <a:solidFill>
@@ -5355,8 +5367,122 @@
                 <a:latin typeface="Calibri"/>
                 <a:ea typeface="ArialMT"/>
               </a:rPr>
-              <a:t> </a:t>
-            </a:r>
+              <a:t> observations with SNR~500, sequential spectral sampling of Fe I 617.3 nm </a:t>
+            </a:r>
+            <a:endParaRPr sz="1799" dirty="0"/>
+          </a:p>
+          <a:p>
+            <a:pPr>
+              <a:lnSpc>
+                <a:spcPct val="100000"/>
+              </a:lnSpc>
+            </a:pPr>
+            <a:r>
+              <a:rPr lang="en-US" sz="1999" dirty="0">
+                <a:solidFill>
+                  <a:srgbClr val="000000"/>
+                </a:solidFill>
+                <a:latin typeface="Calibri"/>
+                <a:ea typeface="ArialMT"/>
+              </a:rPr>
+              <a:t>(30 wavelengths in ~30 s)  </a:t>
+            </a:r>
+            <a:endParaRPr sz="1799" dirty="0"/>
+          </a:p>
+          <a:p>
+            <a:pPr>
+              <a:lnSpc>
+                <a:spcPct val="100000"/>
+              </a:lnSpc>
+            </a:pPr>
+            <a:r>
+              <a:rPr lang="en-US" sz="1999" dirty="0">
+                <a:solidFill>
+                  <a:srgbClr val="000000"/>
+                </a:solidFill>
+                <a:latin typeface="Calibri"/>
+                <a:ea typeface="ArialMT"/>
+              </a:rPr>
+              <a:t>Strongly Doppler-shifted polarization profiles</a:t>
+            </a:r>
+            <a:endParaRPr sz="1799" dirty="0"/>
+          </a:p>
+          <a:p>
+            <a:pPr>
+              <a:lnSpc>
+                <a:spcPct val="100000"/>
+              </a:lnSpc>
+            </a:pPr>
+            <a:endParaRPr sz="1799" dirty="0"/>
+          </a:p>
+          <a:p>
+            <a:pPr>
+              <a:lnSpc>
+                <a:spcPct val="100000"/>
+              </a:lnSpc>
+            </a:pPr>
+            <a:r>
+              <a:rPr lang="en-US" sz="1999" dirty="0">
+                <a:solidFill>
+                  <a:srgbClr val="000000"/>
+                </a:solidFill>
+                <a:latin typeface="Calibri"/>
+                <a:ea typeface="ArialMT"/>
+              </a:rPr>
+              <a:t> 1. What kind of model would you use to invert them? </a:t>
+            </a:r>
+            <a:endParaRPr sz="1799" dirty="0"/>
+          </a:p>
+          <a:p>
+            <a:pPr>
+              <a:lnSpc>
+                <a:spcPct val="100000"/>
+              </a:lnSpc>
+            </a:pPr>
+            <a:r>
+              <a:rPr lang="en-US" sz="1999" dirty="0">
+                <a:solidFill>
+                  <a:srgbClr val="000000"/>
+                </a:solidFill>
+                <a:latin typeface="Calibri"/>
+                <a:ea typeface="ArialMT"/>
+              </a:rPr>
+              <a:t> 2. Include stray-light contamination, and a small weight for Q &amp; U stokes profile</a:t>
+            </a:r>
+            <a:endParaRPr sz="1799" dirty="0"/>
+          </a:p>
+          <a:p>
+            <a:pPr>
+              <a:lnSpc>
+                <a:spcPct val="100000"/>
+              </a:lnSpc>
+            </a:pPr>
+            <a:r>
+              <a:rPr lang="en-US" sz="1999" dirty="0">
+                <a:solidFill>
+                  <a:srgbClr val="000000"/>
+                </a:solidFill>
+                <a:latin typeface="Calibri"/>
+                <a:ea typeface="ArialMT"/>
+              </a:rPr>
+              <a:t>(for instance: 10, 0.1,0.1,10)</a:t>
+            </a:r>
+            <a:endParaRPr sz="1799" dirty="0"/>
+          </a:p>
+          <a:p>
+            <a:pPr>
+              <a:lnSpc>
+                <a:spcPct val="100000"/>
+              </a:lnSpc>
+            </a:pPr>
+            <a:endParaRPr sz="1799" dirty="0"/>
+          </a:p>
+          <a:p>
+            <a:pPr>
+              <a:lnSpc>
+                <a:spcPct val="100000"/>
+              </a:lnSpc>
+            </a:pPr>
             <a:endParaRPr sz="1799" dirty="0"/>
           </a:p>
           <a:p>
@@ -5393,40 +5519,10 @@
           </a:p>
         </p:txBody>
       </p:sp>
-      <p:pic>
-        <p:nvPicPr>
-          <p:cNvPr id="2" name="Imagen 1"/>
-          <p:cNvPicPr>
-            <a:picLocks noChangeAspect="1"/>
-          </p:cNvPicPr>
-          <p:nvPr/>
-        </p:nvPicPr>
-        <p:blipFill>
-          <a:blip r:embed="rId2" cstate="print">
-            <a:extLst>
-              <a:ext uri="{28A0092B-C50C-407E-A947-70E740481C1C}">
-                <a14:useLocalDpi xmlns:a14="http://schemas.microsoft.com/office/drawing/2010/main" val="0"/>
-              </a:ext>
-            </a:extLst>
-          </a:blip>
-          <a:stretch>
-            <a:fillRect/>
-          </a:stretch>
-        </p:blipFill>
-        <p:spPr>
-          <a:xfrm>
-            <a:off x="1384300" y="2330451"/>
-            <a:ext cx="7284719" cy="5203370"/>
-          </a:xfrm>
-          <a:prstGeom prst="rect">
-            <a:avLst/>
-          </a:prstGeom>
-        </p:spPr>
-      </p:pic>
     </p:spTree>
     <p:extLst>
       <p:ext uri="{BB962C8B-B14F-4D97-AF65-F5344CB8AC3E}">
-        <p14:creationId xmlns:p14="http://schemas.microsoft.com/office/powerpoint/2010/main" val="3137529861"/>
+        <p14:creationId xmlns:p14="http://schemas.microsoft.com/office/powerpoint/2010/main" val="2209520601"/>
       </p:ext>
     </p:extLst>
   </p:cSld>
@@ -5558,7 +5654,7 @@
         <p:spPr>
           <a:xfrm>
             <a:off x="812293" y="1236801"/>
-            <a:ext cx="9244876" cy="1246049"/>
+            <a:ext cx="9244876" cy="1093649"/>
           </a:xfrm>
           <a:prstGeom prst="rect">
             <a:avLst/>
@@ -5821,7 +5917,7 @@
       </p:sp>
       <p:pic>
         <p:nvPicPr>
-          <p:cNvPr id="3" name="Imagen 2"/>
+          <p:cNvPr id="2" name="Imagen 1"/>
           <p:cNvPicPr>
             <a:picLocks noChangeAspect="1"/>
           </p:cNvPicPr>
@@ -5841,8 +5937,8 @@
         </p:blipFill>
         <p:spPr>
           <a:xfrm>
-            <a:off x="1231900" y="2418969"/>
-            <a:ext cx="7162800" cy="5116285"/>
+            <a:off x="1384300" y="2330451"/>
+            <a:ext cx="7284719" cy="5203370"/>
           </a:xfrm>
           <a:prstGeom prst="rect">
             <a:avLst/>
@@ -5852,7 +5948,7 @@
     </p:spTree>
     <p:extLst>
       <p:ext uri="{BB962C8B-B14F-4D97-AF65-F5344CB8AC3E}">
-        <p14:creationId xmlns:p14="http://schemas.microsoft.com/office/powerpoint/2010/main" val="2188384567"/>
+        <p14:creationId xmlns:p14="http://schemas.microsoft.com/office/powerpoint/2010/main" val="3137529861"/>
       </p:ext>
     </p:extLst>
   </p:cSld>
@@ -5984,7 +6080,7 @@
         <p:spPr>
           <a:xfrm>
             <a:off x="812293" y="1236801"/>
-            <a:ext cx="9244876" cy="4370249"/>
+            <a:ext cx="9244876" cy="1246049"/>
           </a:xfrm>
           <a:prstGeom prst="rect">
             <a:avLst/>
@@ -6119,47 +6215,6 @@
               </a:rPr>
               <a:t>Peak</a:t>
             </a:r>
-          </a:p>
-          <a:p>
-            <a:endParaRPr lang="en-US" dirty="0"/>
-          </a:p>
-          <a:p>
-            <a:r>
-              <a:rPr lang="en-US" dirty="0"/>
-              <a:t>1. Invert the 5 profiles of the pixels marked on the map. Try to determine gradients of B and </a:t>
-            </a:r>
-            <a:r>
-              <a:rPr lang="en-US" dirty="0" err="1"/>
-              <a:t>V_LoS</a:t>
-            </a:r>
-            <a:r>
-              <a:rPr lang="en-US" dirty="0"/>
-              <a:t> in the second cycle.</a:t>
-            </a:r>
-          </a:p>
-          <a:p>
-            <a:endParaRPr lang="en-US" dirty="0"/>
-          </a:p>
-          <a:p>
-            <a:r>
-              <a:rPr lang="en-US" dirty="0"/>
-              <a:t>2. Are these gradients reliable</a:t>
-            </a:r>
-            <a:r>
-              <a:rPr lang="en-US"/>
-              <a:t>? </a:t>
-            </a:r>
-            <a:endParaRPr lang="en-US" dirty="0"/>
-          </a:p>
-          <a:p>
-            <a:endParaRPr lang="en-US" dirty="0"/>
-          </a:p>
-          <a:p>
-            <a:pPr>
-              <a:lnSpc>
-                <a:spcPct val="100000"/>
-              </a:lnSpc>
-            </a:pPr>
             <a:endParaRPr lang="en-US" dirty="0"/>
           </a:p>
           <a:p>
@@ -6286,10 +6341,40 @@
           </a:p>
         </p:txBody>
       </p:sp>
+      <p:pic>
+        <p:nvPicPr>
+          <p:cNvPr id="3" name="Imagen 2"/>
+          <p:cNvPicPr>
+            <a:picLocks noChangeAspect="1"/>
+          </p:cNvPicPr>
+          <p:nvPr/>
+        </p:nvPicPr>
+        <p:blipFill>
+          <a:blip r:embed="rId2" cstate="print">
+            <a:extLst>
+              <a:ext uri="{28A0092B-C50C-407E-A947-70E740481C1C}">
+                <a14:useLocalDpi xmlns:a14="http://schemas.microsoft.com/office/drawing/2010/main" val="0"/>
+              </a:ext>
+            </a:extLst>
+          </a:blip>
+          <a:stretch>
+            <a:fillRect/>
+          </a:stretch>
+        </p:blipFill>
+        <p:spPr>
+          <a:xfrm>
+            <a:off x="1231900" y="2418969"/>
+            <a:ext cx="7162800" cy="5116285"/>
+          </a:xfrm>
+          <a:prstGeom prst="rect">
+            <a:avLst/>
+          </a:prstGeom>
+        </p:spPr>
+      </p:pic>
     </p:spTree>
     <p:extLst>
       <p:ext uri="{BB962C8B-B14F-4D97-AF65-F5344CB8AC3E}">
-        <p14:creationId xmlns:p14="http://schemas.microsoft.com/office/powerpoint/2010/main" val="3476362294"/>
+        <p14:creationId xmlns:p14="http://schemas.microsoft.com/office/powerpoint/2010/main" val="2188384567"/>
       </p:ext>
     </p:extLst>
   </p:cSld>
@@ -6406,6 +6491,441 @@
                 <a:latin typeface="Calibri"/>
                 <a:ea typeface="DejaVu Sans"/>
               </a:rPr>
+              <a:t>Exercise 8</a:t>
+            </a:r>
+            <a:endParaRPr sz="1799" dirty="0"/>
+          </a:p>
+        </p:txBody>
+      </p:sp>
+      <p:sp>
+        <p:nvSpPr>
+          <p:cNvPr id="62" name="CustomShape 3"/>
+          <p:cNvSpPr/>
+          <p:nvPr/>
+        </p:nvSpPr>
+        <p:spPr>
+          <a:xfrm>
+            <a:off x="812293" y="1236801"/>
+            <a:ext cx="9244876" cy="4370249"/>
+          </a:xfrm>
+          <a:prstGeom prst="rect">
+            <a:avLst/>
+          </a:prstGeom>
+          <a:noFill/>
+          <a:ln>
+            <a:noFill/>
+          </a:ln>
+        </p:spPr>
+        <p:style>
+          <a:lnRef idx="0">
+            <a:scrgbClr r="0" g="0" b="0"/>
+          </a:lnRef>
+          <a:fillRef idx="0">
+            <a:scrgbClr r="0" g="0" b="0"/>
+          </a:fillRef>
+          <a:effectRef idx="0">
+            <a:scrgbClr r="0" g="0" b="0"/>
+          </a:effectRef>
+          <a:fontRef idx="minor"/>
+        </p:style>
+        <p:txBody>
+          <a:bodyPr lIns="0" tIns="0" rIns="0" bIns="0"/>
+          <a:lstStyle/>
+          <a:p>
+            <a:pPr>
+              <a:lnSpc>
+                <a:spcPct val="100000"/>
+              </a:lnSpc>
+            </a:pPr>
+            <a:r>
+              <a:rPr lang="en-US" sz="1999" u="sng" dirty="0">
+                <a:solidFill>
+                  <a:srgbClr val="C00000"/>
+                </a:solidFill>
+                <a:latin typeface="Calibri"/>
+                <a:ea typeface="DejaVu Sans"/>
+              </a:rPr>
+              <a:t>Inversion of </a:t>
+            </a:r>
+            <a:r>
+              <a:rPr lang="en-US" sz="1999" u="sng" dirty="0" smtClean="0">
+                <a:solidFill>
+                  <a:srgbClr val="C00000"/>
+                </a:solidFill>
+                <a:latin typeface="Calibri"/>
+                <a:ea typeface="DejaVu Sans"/>
+              </a:rPr>
+              <a:t>FIRS profiles</a:t>
+            </a:r>
+            <a:endParaRPr sz="1799" dirty="0"/>
+          </a:p>
+          <a:p>
+            <a:pPr>
+              <a:lnSpc>
+                <a:spcPct val="100000"/>
+              </a:lnSpc>
+            </a:pPr>
+            <a:endParaRPr lang="es-ES" sz="1799" dirty="0" smtClean="0"/>
+          </a:p>
+          <a:p>
+            <a:pPr>
+              <a:lnSpc>
+                <a:spcPct val="100000"/>
+              </a:lnSpc>
+            </a:pPr>
+            <a:r>
+              <a:rPr lang="en-US" dirty="0" smtClean="0">
+                <a:solidFill>
+                  <a:schemeClr val="tx2"/>
+                </a:solidFill>
+              </a:rPr>
+              <a:t>FIRS: Facility Infrared </a:t>
+            </a:r>
+            <a:r>
+              <a:rPr lang="en-US" dirty="0" err="1" smtClean="0">
+                <a:solidFill>
+                  <a:schemeClr val="tx2"/>
+                </a:solidFill>
+              </a:rPr>
+              <a:t>Spectropolarimeter</a:t>
+            </a:r>
+            <a:r>
+              <a:rPr lang="en-US" dirty="0" smtClean="0">
+                <a:solidFill>
+                  <a:schemeClr val="tx2"/>
+                </a:solidFill>
+              </a:rPr>
+              <a:t> (Univ. Hawai’i/NSO)</a:t>
+            </a:r>
+            <a:endParaRPr lang="en-US" dirty="0">
+              <a:solidFill>
+                <a:schemeClr val="tx2"/>
+              </a:solidFill>
+            </a:endParaRPr>
+          </a:p>
+          <a:p>
+            <a:pPr>
+              <a:lnSpc>
+                <a:spcPct val="100000"/>
+              </a:lnSpc>
+            </a:pPr>
+            <a:r>
+              <a:rPr lang="en-US" dirty="0">
+                <a:solidFill>
+                  <a:schemeClr val="tx2"/>
+                </a:solidFill>
+              </a:rPr>
+              <a:t>         </a:t>
+            </a:r>
+            <a:r>
+              <a:rPr lang="en-US" dirty="0" smtClean="0">
+                <a:solidFill>
+                  <a:schemeClr val="tx2"/>
+                </a:solidFill>
+              </a:rPr>
+              <a:t>@ </a:t>
+            </a:r>
+            <a:r>
+              <a:rPr lang="en-US" dirty="0">
+                <a:solidFill>
+                  <a:schemeClr val="tx2"/>
+                </a:solidFill>
+              </a:rPr>
+              <a:t>Dunn Solar Telescope on Sacramento </a:t>
+            </a:r>
+            <a:r>
+              <a:rPr lang="en-US" dirty="0" smtClean="0">
+                <a:solidFill>
+                  <a:schemeClr val="tx2"/>
+                </a:solidFill>
+              </a:rPr>
+              <a:t>Peak</a:t>
+            </a:r>
+          </a:p>
+          <a:p>
+            <a:endParaRPr lang="en-US" dirty="0"/>
+          </a:p>
+          <a:p>
+            <a:r>
+              <a:rPr lang="en-US" dirty="0" smtClean="0"/>
+              <a:t>1. Invert the 5 profiles of the pixels marked on the map. Try to determine gradients of B and </a:t>
+            </a:r>
+            <a:r>
+              <a:rPr lang="en-US" dirty="0" err="1" smtClean="0"/>
+              <a:t>V_LoS</a:t>
+            </a:r>
+            <a:r>
+              <a:rPr lang="en-US" dirty="0" smtClean="0"/>
+              <a:t> in the second cycle.</a:t>
+            </a:r>
+          </a:p>
+          <a:p>
+            <a:endParaRPr lang="en-US" dirty="0" smtClean="0"/>
+          </a:p>
+          <a:p>
+            <a:r>
+              <a:rPr lang="en-US" dirty="0" smtClean="0"/>
+              <a:t>2. Are these gradients reliable? </a:t>
+            </a:r>
+          </a:p>
+          <a:p>
+            <a:endParaRPr lang="en-US" dirty="0"/>
+          </a:p>
+          <a:p>
+            <a:endParaRPr lang="en-US" dirty="0"/>
+          </a:p>
+          <a:p>
+            <a:pPr>
+              <a:lnSpc>
+                <a:spcPct val="100000"/>
+              </a:lnSpc>
+            </a:pPr>
+            <a:endParaRPr lang="en-US" dirty="0"/>
+          </a:p>
+          <a:p>
+            <a:pPr>
+              <a:lnSpc>
+                <a:spcPct val="100000"/>
+              </a:lnSpc>
+            </a:pPr>
+            <a:endParaRPr lang="es-ES" sz="1799" dirty="0" smtClean="0"/>
+          </a:p>
+          <a:p>
+            <a:pPr>
+              <a:lnSpc>
+                <a:spcPct val="100000"/>
+              </a:lnSpc>
+            </a:pPr>
+            <a:endParaRPr lang="es-ES" sz="1799" dirty="0"/>
+          </a:p>
+          <a:p>
+            <a:pPr>
+              <a:lnSpc>
+                <a:spcPct val="100000"/>
+              </a:lnSpc>
+            </a:pPr>
+            <a:endParaRPr lang="es-ES" sz="1799" dirty="0" smtClean="0"/>
+          </a:p>
+          <a:p>
+            <a:pPr>
+              <a:lnSpc>
+                <a:spcPct val="100000"/>
+              </a:lnSpc>
+            </a:pPr>
+            <a:endParaRPr lang="es-ES" sz="1799" dirty="0"/>
+          </a:p>
+          <a:p>
+            <a:pPr>
+              <a:lnSpc>
+                <a:spcPct val="100000"/>
+              </a:lnSpc>
+            </a:pPr>
+            <a:endParaRPr lang="es-ES" sz="1799" dirty="0" smtClean="0"/>
+          </a:p>
+          <a:p>
+            <a:pPr>
+              <a:lnSpc>
+                <a:spcPct val="100000"/>
+              </a:lnSpc>
+            </a:pPr>
+            <a:endParaRPr lang="es-ES" sz="1799" dirty="0" smtClean="0"/>
+          </a:p>
+          <a:p>
+            <a:pPr>
+              <a:lnSpc>
+                <a:spcPct val="100000"/>
+              </a:lnSpc>
+            </a:pPr>
+            <a:endParaRPr lang="es-ES" sz="1799" dirty="0"/>
+          </a:p>
+          <a:p>
+            <a:pPr>
+              <a:lnSpc>
+                <a:spcPct val="100000"/>
+              </a:lnSpc>
+            </a:pPr>
+            <a:endParaRPr lang="es-ES" sz="1799" dirty="0" smtClean="0"/>
+          </a:p>
+          <a:p>
+            <a:pPr>
+              <a:lnSpc>
+                <a:spcPct val="100000"/>
+              </a:lnSpc>
+            </a:pPr>
+            <a:endParaRPr sz="1799" dirty="0"/>
+          </a:p>
+          <a:p>
+            <a:pPr>
+              <a:lnSpc>
+                <a:spcPct val="100000"/>
+              </a:lnSpc>
+            </a:pPr>
+            <a:r>
+              <a:rPr lang="en-US" sz="1999" dirty="0">
+                <a:solidFill>
+                  <a:srgbClr val="000000"/>
+                </a:solidFill>
+                <a:latin typeface="Calibri"/>
+                <a:ea typeface="ArialMT"/>
+              </a:rPr>
+              <a:t> </a:t>
+            </a:r>
+            <a:endParaRPr sz="1799" dirty="0"/>
+          </a:p>
+          <a:p>
+            <a:pPr>
+              <a:lnSpc>
+                <a:spcPct val="100000"/>
+              </a:lnSpc>
+            </a:pPr>
+            <a:endParaRPr sz="1799" dirty="0"/>
+          </a:p>
+          <a:p>
+            <a:pPr>
+              <a:lnSpc>
+                <a:spcPct val="100000"/>
+              </a:lnSpc>
+            </a:pPr>
+            <a:endParaRPr sz="1799" dirty="0"/>
+          </a:p>
+          <a:p>
+            <a:pPr>
+              <a:lnSpc>
+                <a:spcPct val="100000"/>
+              </a:lnSpc>
+            </a:pPr>
+            <a:endParaRPr sz="1799" dirty="0"/>
+          </a:p>
+          <a:p>
+            <a:pPr>
+              <a:lnSpc>
+                <a:spcPct val="100000"/>
+              </a:lnSpc>
+            </a:pPr>
+            <a:endParaRPr sz="1799" dirty="0"/>
+          </a:p>
+        </p:txBody>
+      </p:sp>
+    </p:spTree>
+    <p:extLst>
+      <p:ext uri="{BB962C8B-B14F-4D97-AF65-F5344CB8AC3E}">
+        <p14:creationId xmlns:p14="http://schemas.microsoft.com/office/powerpoint/2010/main" val="3476362294"/>
+      </p:ext>
+    </p:extLst>
+  </p:cSld>
+  <p:clrMapOvr>
+    <a:masterClrMapping/>
+  </p:clrMapOvr>
+  <p:transition/>
+  <p:timing>
+    <p:tnLst>
+      <p:par>
+        <p:cTn id="1" dur="indefinite" restart="never" nodeType="tmRoot">
+          <p:childTnLst>
+            <p:seq>
+              <p:cTn id="2" nodeType="mainSeq"/>
+              <p:prevCondLst>
+                <p:cond evt="onPrev" delay="0">
+                  <p:tgtEl>
+                    <p:sldTgt/>
+                  </p:tgtEl>
+                </p:cond>
+              </p:prevCondLst>
+              <p:nextCondLst>
+                <p:cond evt="onNext" delay="0">
+                  <p:tgtEl>
+                    <p:sldTgt/>
+                  </p:tgtEl>
+                </p:cond>
+              </p:nextCondLst>
+            </p:seq>
+          </p:childTnLst>
+        </p:cTn>
+      </p:par>
+    </p:tnLst>
+  </p:timing>
+</p:sld>
+</file>
+
+<file path=ppt/slides/slide19.xml><?xml version="1.0" encoding="utf-8"?>
+<p:sld xmlns:a="http://schemas.openxmlformats.org/drawingml/2006/main" xmlns:r="http://schemas.openxmlformats.org/officeDocument/2006/relationships" xmlns:p="http://schemas.openxmlformats.org/presentationml/2006/main">
+  <p:cSld>
+    <p:spTree>
+      <p:nvGrpSpPr>
+        <p:cNvPr id="1" name=""/>
+        <p:cNvGrpSpPr/>
+        <p:nvPr/>
+      </p:nvGrpSpPr>
+      <p:grpSpPr>
+        <a:xfrm>
+          <a:off x="0" y="0"/>
+          <a:ext cx="0" cy="0"/>
+          <a:chOff x="0" y="0"/>
+          <a:chExt cx="0" cy="0"/>
+        </a:xfrm>
+      </p:grpSpPr>
+      <p:sp>
+        <p:nvSpPr>
+          <p:cNvPr id="60" name="CustomShape 1"/>
+          <p:cNvSpPr/>
+          <p:nvPr/>
+        </p:nvSpPr>
+        <p:spPr>
+          <a:xfrm>
+            <a:off x="812293" y="287879"/>
+            <a:ext cx="9244876" cy="686232"/>
+          </a:xfrm>
+          <a:prstGeom prst="rect">
+            <a:avLst/>
+          </a:prstGeom>
+          <a:solidFill>
+            <a:schemeClr val="accent1">
+              <a:lumMod val="75000"/>
+            </a:schemeClr>
+          </a:solidFill>
+          <a:ln>
+            <a:noFill/>
+          </a:ln>
+        </p:spPr>
+        <p:style>
+          <a:lnRef idx="0">
+            <a:scrgbClr r="0" g="0" b="0"/>
+          </a:lnRef>
+          <a:fillRef idx="0">
+            <a:scrgbClr r="0" g="0" b="0"/>
+          </a:fillRef>
+          <a:effectRef idx="0">
+            <a:scrgbClr r="0" g="0" b="0"/>
+          </a:effectRef>
+          <a:fontRef idx="minor"/>
+        </p:style>
+        <p:txBody>
+          <a:bodyPr lIns="0" tIns="0" rIns="0" bIns="0" anchor="ctr"/>
+          <a:lstStyle/>
+          <a:p>
+            <a:pPr>
+              <a:lnSpc>
+                <a:spcPct val="100000"/>
+              </a:lnSpc>
+            </a:pPr>
+            <a:r>
+              <a:rPr lang="en-US" sz="2489" dirty="0">
+                <a:solidFill>
+                  <a:srgbClr val="000000"/>
+                </a:solidFill>
+                <a:latin typeface="Arial"/>
+                <a:ea typeface="DejaVu Sans"/>
+              </a:rPr>
+              <a:t>   </a:t>
+            </a:r>
+            <a:r>
+              <a:rPr lang="en-US" sz="2799" dirty="0">
+                <a:solidFill>
+                  <a:srgbClr val="000000"/>
+                </a:solidFill>
+                <a:latin typeface="Calibri"/>
+                <a:ea typeface="DejaVu Sans"/>
+              </a:rPr>
               <a:t>Exercise </a:t>
             </a:r>
             <a:r>
@@ -7439,7 +7959,75 @@
       </p:grpSpPr>
       <p:sp>
         <p:nvSpPr>
-          <p:cNvPr id="39" name="CustomShape 1"/>
+          <p:cNvPr id="38" name="CustomShape 3"/>
+          <p:cNvSpPr/>
+          <p:nvPr/>
+        </p:nvSpPr>
+        <p:spPr>
+          <a:xfrm>
+            <a:off x="812293" y="2193639"/>
+            <a:ext cx="8466882" cy="1583695"/>
+          </a:xfrm>
+          <a:prstGeom prst="rect">
+            <a:avLst/>
+          </a:prstGeom>
+          <a:noFill/>
+          <a:ln>
+            <a:noFill/>
+          </a:ln>
+        </p:spPr>
+        <p:style>
+          <a:lnRef idx="0">
+            <a:scrgbClr r="0" g="0" b="0"/>
+          </a:lnRef>
+          <a:fillRef idx="0">
+            <a:scrgbClr r="0" g="0" b="0"/>
+          </a:fillRef>
+          <a:effectRef idx="0">
+            <a:scrgbClr r="0" g="0" b="0"/>
+          </a:effectRef>
+          <a:fontRef idx="minor"/>
+        </p:style>
+        <p:txBody>
+          <a:bodyPr lIns="0" tIns="0" rIns="0" bIns="0"/>
+          <a:lstStyle/>
+          <a:p>
+            <a:pPr>
+              <a:lnSpc>
+                <a:spcPct val="100000"/>
+              </a:lnSpc>
+            </a:pPr>
+            <a:endParaRPr sz="1799"/>
+          </a:p>
+          <a:p>
+            <a:pPr>
+              <a:lnSpc>
+                <a:spcPct val="100000"/>
+              </a:lnSpc>
+            </a:pPr>
+            <a:endParaRPr sz="1799"/>
+          </a:p>
+          <a:p>
+            <a:pPr>
+              <a:lnSpc>
+                <a:spcPct val="100000"/>
+              </a:lnSpc>
+            </a:pPr>
+            <a:endParaRPr sz="1799"/>
+          </a:p>
+          <a:p>
+            <a:pPr>
+              <a:lnSpc>
+                <a:spcPct val="100000"/>
+              </a:lnSpc>
+            </a:pPr>
+            <a:endParaRPr sz="1799"/>
+          </a:p>
+        </p:txBody>
+      </p:sp>
+      <p:sp>
+        <p:nvSpPr>
+          <p:cNvPr id="6" name="CustomShape 1"/>
           <p:cNvSpPr/>
           <p:nvPr/>
         </p:nvSpPr>
@@ -7482,7 +8070,7 @@
               </a:lnSpc>
             </a:pPr>
             <a:r>
-              <a:rPr lang="en-US" sz="2489">
+              <a:rPr lang="en-US" sz="2489" dirty="0">
                 <a:solidFill>
                   <a:srgbClr val="000000"/>
                 </a:solidFill>
@@ -7492,812 +8080,419 @@
               <a:t>   </a:t>
             </a:r>
             <a:r>
-              <a:rPr lang="en-US" sz="2799">
-                <a:solidFill>
-                  <a:srgbClr val="000000"/>
-                </a:solidFill>
-                <a:latin typeface="Calibri"/>
+              <a:rPr lang="en-US" sz="2489" dirty="0" smtClean="0">
+                <a:solidFill>
+                  <a:srgbClr val="000000"/>
+                </a:solidFill>
+                <a:latin typeface="Arial"/>
                 <a:ea typeface="DejaVu Sans"/>
               </a:rPr>
-              <a:t>Exercise 1</a:t>
-            </a:r>
-            <a:endParaRPr sz="1799"/>
+              <a:t>SIR </a:t>
+            </a:r>
+            <a:r>
+              <a:rPr lang="en-US" sz="2799" dirty="0" smtClean="0">
+                <a:solidFill>
+                  <a:srgbClr val="000000"/>
+                </a:solidFill>
+                <a:latin typeface="Calibri"/>
+                <a:ea typeface="DejaVu Sans"/>
+              </a:rPr>
+              <a:t>Exercises: Goals</a:t>
+            </a:r>
+            <a:endParaRPr sz="1799" dirty="0"/>
           </a:p>
         </p:txBody>
       </p:sp>
       <p:sp>
         <p:nvSpPr>
-          <p:cNvPr id="40" name="CustomShape 2"/>
-          <p:cNvSpPr/>
+          <p:cNvPr id="3" name="CuadroTexto 2"/>
+          <p:cNvSpPr txBox="1"/>
           <p:nvPr/>
         </p:nvSpPr>
         <p:spPr>
           <a:xfrm>
-            <a:off x="726290" y="6389476"/>
-            <a:ext cx="9330879" cy="1078827"/>
-          </a:xfrm>
-          <a:prstGeom prst="rect">
-            <a:avLst/>
-          </a:prstGeom>
-          <a:solidFill>
-            <a:schemeClr val="accent1">
-              <a:lumMod val="40000"/>
-              <a:lumOff val="60000"/>
-            </a:schemeClr>
-          </a:solidFill>
-          <a:ln>
-            <a:round/>
-          </a:ln>
-        </p:spPr>
-        <p:style>
-          <a:lnRef idx="2">
-            <a:schemeClr val="accent1">
-              <a:shade val="50000"/>
-            </a:schemeClr>
-          </a:lnRef>
-          <a:fillRef idx="1">
-            <a:schemeClr val="accent1"/>
-          </a:fillRef>
-          <a:effectRef idx="0">
-            <a:schemeClr val="accent1"/>
-          </a:effectRef>
-          <a:fontRef idx="minor"/>
-        </p:style>
-        <p:txBody>
-          <a:bodyPr lIns="89962" tIns="44981" rIns="89962" bIns="44981" anchor="ctr"/>
-          <a:lstStyle/>
-          <a:p>
-            <a:pPr>
-              <a:lnSpc>
-                <a:spcPct val="100000"/>
-              </a:lnSpc>
-            </a:pPr>
-            <a:endParaRPr sz="1799"/>
-          </a:p>
-          <a:p>
-            <a:pPr>
-              <a:lnSpc>
-                <a:spcPct val="100000"/>
-              </a:lnSpc>
-            </a:pPr>
-            <a:r>
-              <a:rPr lang="en-US" sz="1399">
-                <a:solidFill>
-                  <a:srgbClr val="1F4E79"/>
-                </a:solidFill>
-                <a:latin typeface="Arial"/>
-                <a:ea typeface="ArialMT"/>
-              </a:rPr>
-              <a:t>IDL&gt; </a:t>
-            </a:r>
-            <a:r>
-              <a:rPr lang="en-US" sz="1399">
-                <a:solidFill>
-                  <a:srgbClr val="C00000"/>
-                </a:solidFill>
-                <a:latin typeface="Arial"/>
-                <a:ea typeface="ArialMT"/>
-              </a:rPr>
-              <a:t>read_model</a:t>
-            </a:r>
-            <a:r>
-              <a:rPr lang="en-US" sz="1399">
-                <a:solidFill>
-                  <a:srgbClr val="000000"/>
-                </a:solidFill>
-                <a:latin typeface="Arial"/>
-                <a:ea typeface="ArialMT"/>
-              </a:rPr>
-              <a:t>,'hsra11.mod',logtau,T,pe,mic,B,V_LOS,gamma,phi,mac,filling,stray</a:t>
-            </a:r>
-            <a:endParaRPr sz="1799"/>
-          </a:p>
-          <a:p>
-            <a:pPr>
-              <a:lnSpc>
-                <a:spcPct val="100000"/>
-              </a:lnSpc>
-            </a:pPr>
-            <a:r>
-              <a:rPr lang="en-US" sz="1399">
-                <a:solidFill>
-                  <a:srgbClr val="1F4E79"/>
-                </a:solidFill>
-                <a:latin typeface="Arial"/>
-                <a:ea typeface="ArialMT"/>
-              </a:rPr>
-              <a:t>IDL&gt; </a:t>
-            </a:r>
-            <a:r>
-              <a:rPr lang="en-US" sz="1399">
-                <a:solidFill>
-                  <a:srgbClr val="000000"/>
-                </a:solidFill>
-                <a:latin typeface="Arial"/>
-                <a:ea typeface="ArialMT"/>
-              </a:rPr>
-              <a:t>B=1000+400.*logtau           &amp;   v=2.e5+0.*logtau       &amp; gamma=60.+  0.*logtau  </a:t>
-            </a:r>
-            <a:endParaRPr sz="1799"/>
-          </a:p>
-          <a:p>
-            <a:pPr>
-              <a:lnSpc>
-                <a:spcPct val="100000"/>
-              </a:lnSpc>
-            </a:pPr>
-            <a:endParaRPr sz="1799"/>
-          </a:p>
-          <a:p>
-            <a:pPr>
-              <a:lnSpc>
-                <a:spcPct val="100000"/>
-              </a:lnSpc>
-            </a:pPr>
-            <a:r>
-              <a:rPr lang="en-US" sz="1399">
-                <a:solidFill>
-                  <a:srgbClr val="1F4E79"/>
-                </a:solidFill>
-                <a:latin typeface="Arial"/>
-                <a:ea typeface="ArialMT"/>
-              </a:rPr>
-              <a:t>IDL&gt; </a:t>
-            </a:r>
-            <a:r>
-              <a:rPr lang="en-US" sz="1399">
-                <a:solidFill>
-                  <a:srgbClr val="C00000"/>
-                </a:solidFill>
-                <a:latin typeface="Arial"/>
-                <a:ea typeface="ArialMT"/>
-              </a:rPr>
-              <a:t>write_model</a:t>
-            </a:r>
-            <a:r>
-              <a:rPr lang="en-US" sz="1399">
-                <a:solidFill>
-                  <a:srgbClr val="000000"/>
-                </a:solidFill>
-                <a:latin typeface="Arial"/>
-                <a:ea typeface="ArialMT"/>
-              </a:rPr>
-              <a:t>,'model1.mod',logtau,T,pe,mic,B,V_LOS,gamma,phi,mac,filling,stray</a:t>
-            </a:r>
-            <a:endParaRPr sz="1799"/>
-          </a:p>
-          <a:p>
-            <a:pPr algn="ctr">
-              <a:lnSpc>
-                <a:spcPct val="100000"/>
-              </a:lnSpc>
-            </a:pPr>
-            <a:endParaRPr sz="1799"/>
-          </a:p>
-        </p:txBody>
-      </p:sp>
-      <p:sp>
-        <p:nvSpPr>
-          <p:cNvPr id="41" name="CustomShape 3"/>
-          <p:cNvSpPr/>
-          <p:nvPr/>
-        </p:nvSpPr>
-        <p:spPr>
-          <a:xfrm>
-            <a:off x="812293" y="1236801"/>
-            <a:ext cx="9244876" cy="5029967"/>
+            <a:off x="812293" y="1048742"/>
+            <a:ext cx="9244876" cy="5355312"/>
           </a:xfrm>
           <a:prstGeom prst="rect">
             <a:avLst/>
           </a:prstGeom>
           <a:noFill/>
-          <a:ln>
-            <a:noFill/>
-          </a:ln>
         </p:spPr>
-        <p:style>
-          <a:lnRef idx="0">
-            <a:scrgbClr r="0" g="0" b="0"/>
-          </a:lnRef>
-          <a:fillRef idx="0">
-            <a:scrgbClr r="0" g="0" b="0"/>
-          </a:fillRef>
-          <a:effectRef idx="0">
-            <a:scrgbClr r="0" g="0" b="0"/>
-          </a:effectRef>
-          <a:fontRef idx="minor"/>
-        </p:style>
         <p:txBody>
-          <a:bodyPr lIns="0" tIns="0" rIns="0" bIns="0"/>
+          <a:bodyPr wrap="square" rtlCol="0">
+            <a:spAutoFit/>
+          </a:bodyPr>
           <a:lstStyle/>
           <a:p>
-            <a:pPr>
-              <a:lnSpc>
-                <a:spcPct val="100000"/>
-              </a:lnSpc>
-            </a:pPr>
-            <a:r>
-              <a:rPr lang="en-US" sz="1999" u="sng" dirty="0">
-                <a:solidFill>
-                  <a:srgbClr val="C00000"/>
-                </a:solidFill>
-                <a:latin typeface="Calibri"/>
-                <a:ea typeface="ArialMT"/>
-              </a:rPr>
-              <a:t>Spectral synthesis and inversion of synthetic profiles</a:t>
-            </a:r>
-            <a:endParaRPr sz="1799" dirty="0"/>
-          </a:p>
-          <a:p>
-            <a:pPr>
-              <a:lnSpc>
-                <a:spcPct val="100000"/>
-              </a:lnSpc>
-            </a:pPr>
-            <a:endParaRPr sz="1799" dirty="0"/>
-          </a:p>
-          <a:p>
-            <a:pPr>
-              <a:lnSpc>
-                <a:spcPct val="100000"/>
-              </a:lnSpc>
-            </a:pPr>
-            <a:endParaRPr sz="1799" dirty="0"/>
-          </a:p>
-          <a:p>
-            <a:pPr>
-              <a:lnSpc>
-                <a:spcPct val="100000"/>
-              </a:lnSpc>
-              <a:buFont typeface="Arial"/>
-              <a:buChar char="•"/>
-            </a:pPr>
-            <a:r>
-              <a:rPr lang="en-US" sz="1999" dirty="0" smtClean="0">
-                <a:solidFill>
-                  <a:srgbClr val="000000"/>
-                </a:solidFill>
-                <a:latin typeface="Calibri"/>
-                <a:ea typeface="ArialMT"/>
-              </a:rPr>
-              <a:t> Use </a:t>
-            </a:r>
-            <a:r>
-              <a:rPr lang="en-US" sz="1999" dirty="0">
-                <a:solidFill>
-                  <a:srgbClr val="000000"/>
-                </a:solidFill>
-                <a:latin typeface="Calibri"/>
-                <a:ea typeface="ArialMT"/>
-              </a:rPr>
-              <a:t>HSRA model to </a:t>
-            </a:r>
-            <a:r>
-              <a:rPr lang="en-US" sz="1999" dirty="0">
-                <a:solidFill>
-                  <a:srgbClr val="C00000"/>
-                </a:solidFill>
-                <a:latin typeface="Calibri"/>
-                <a:ea typeface="ArialMT"/>
-              </a:rPr>
-              <a:t>synthesize Stokes profiles </a:t>
-            </a:r>
-            <a:r>
-              <a:rPr lang="en-US" sz="1999" dirty="0">
-                <a:solidFill>
-                  <a:srgbClr val="000000"/>
-                </a:solidFill>
-                <a:latin typeface="Calibri"/>
-                <a:ea typeface="ArialMT"/>
-              </a:rPr>
-              <a:t>with </a:t>
-            </a:r>
-            <a:endParaRPr sz="1799" dirty="0"/>
-          </a:p>
-          <a:p>
-            <a:pPr>
-              <a:lnSpc>
-                <a:spcPct val="100000"/>
-              </a:lnSpc>
-            </a:pPr>
-            <a:r>
-              <a:rPr lang="en-US" sz="1999" dirty="0">
-                <a:solidFill>
-                  <a:srgbClr val="000000"/>
-                </a:solidFill>
-                <a:latin typeface="Calibri"/>
-                <a:ea typeface="ArialMT"/>
-              </a:rPr>
-              <a:t>            1.</a:t>
-            </a:r>
-            <a:r>
-              <a:rPr lang="en-US" sz="1999" dirty="0">
-                <a:solidFill>
-                  <a:srgbClr val="000000"/>
-                </a:solidFill>
-                <a:latin typeface="Calibri"/>
-                <a:ea typeface="Helvetica;Arial"/>
-              </a:rPr>
-              <a:t> </a:t>
-            </a:r>
-            <a:r>
-              <a:rPr lang="en-US" sz="1999" dirty="0">
-                <a:solidFill>
-                  <a:srgbClr val="000000"/>
-                </a:solidFill>
-                <a:latin typeface="Calibri"/>
-                <a:ea typeface="ArialMT"/>
-              </a:rPr>
-              <a:t> constant B, inclination and </a:t>
-            </a:r>
-            <a:r>
-              <a:rPr lang="en-US" sz="1999" dirty="0" err="1">
-                <a:solidFill>
-                  <a:srgbClr val="000000"/>
-                </a:solidFill>
-                <a:latin typeface="Calibri"/>
-                <a:ea typeface="ArialMT"/>
-              </a:rPr>
-              <a:t>v</a:t>
-            </a:r>
-            <a:r>
-              <a:rPr lang="en-US" sz="1999" baseline="-25000" dirty="0" err="1">
-                <a:solidFill>
-                  <a:srgbClr val="000000"/>
-                </a:solidFill>
-                <a:latin typeface="Calibri"/>
-                <a:ea typeface="ArialMT"/>
-              </a:rPr>
-              <a:t>LOS</a:t>
-            </a:r>
-            <a:r>
-              <a:rPr lang="en-US" sz="1999" dirty="0">
-                <a:solidFill>
-                  <a:srgbClr val="000000"/>
-                </a:solidFill>
-                <a:latin typeface="Calibri"/>
-                <a:ea typeface="ArialMT"/>
-              </a:rPr>
-              <a:t> (e.g., 1 </a:t>
-            </a:r>
-            <a:r>
-              <a:rPr lang="en-US" sz="1999" dirty="0" err="1">
-                <a:solidFill>
-                  <a:srgbClr val="000000"/>
-                </a:solidFill>
-                <a:latin typeface="Calibri"/>
-                <a:ea typeface="ArialMT"/>
-              </a:rPr>
-              <a:t>kG</a:t>
-            </a:r>
-            <a:r>
-              <a:rPr lang="en-US" sz="1999" dirty="0">
-                <a:solidFill>
-                  <a:srgbClr val="000000"/>
-                </a:solidFill>
-                <a:latin typeface="Calibri"/>
-                <a:ea typeface="ArialMT"/>
-              </a:rPr>
-              <a:t>, 60º, 2 km/s) </a:t>
-            </a:r>
-            <a:endParaRPr sz="1799" dirty="0"/>
-          </a:p>
-          <a:p>
-            <a:pPr>
-              <a:lnSpc>
-                <a:spcPct val="100000"/>
-              </a:lnSpc>
-            </a:pPr>
-            <a:r>
-              <a:rPr lang="en-US" sz="1999" dirty="0">
-                <a:solidFill>
-                  <a:srgbClr val="000000"/>
-                </a:solidFill>
-                <a:latin typeface="Calibri"/>
-                <a:ea typeface="ArialMT"/>
-              </a:rPr>
-              <a:t>            2.</a:t>
-            </a:r>
-            <a:r>
-              <a:rPr lang="en-US" sz="1999" dirty="0">
-                <a:solidFill>
-                  <a:srgbClr val="000000"/>
-                </a:solidFill>
-                <a:latin typeface="Calibri"/>
-                <a:ea typeface="Helvetica;Arial"/>
-              </a:rPr>
-              <a:t> </a:t>
-            </a:r>
-            <a:r>
-              <a:rPr lang="en-US" sz="1999" dirty="0">
-                <a:solidFill>
-                  <a:srgbClr val="000000"/>
-                </a:solidFill>
-                <a:latin typeface="Calibri"/>
-                <a:ea typeface="ArialMT"/>
-              </a:rPr>
-              <a:t> constant </a:t>
-            </a:r>
-            <a:r>
-              <a:rPr lang="en-US" sz="1999" dirty="0" err="1">
-                <a:solidFill>
-                  <a:srgbClr val="000000"/>
-                </a:solidFill>
-                <a:latin typeface="Calibri"/>
-                <a:ea typeface="ArialMT"/>
-              </a:rPr>
-              <a:t>v</a:t>
-            </a:r>
-            <a:r>
-              <a:rPr lang="en-US" sz="1999" baseline="-25000" dirty="0" err="1">
-                <a:solidFill>
-                  <a:srgbClr val="000000"/>
-                </a:solidFill>
-                <a:latin typeface="Calibri"/>
-                <a:ea typeface="ArialMT"/>
-              </a:rPr>
-              <a:t>LOS</a:t>
-            </a:r>
-            <a:r>
-              <a:rPr lang="en-US" sz="1999" dirty="0">
-                <a:solidFill>
-                  <a:srgbClr val="000000"/>
-                </a:solidFill>
-                <a:latin typeface="Calibri"/>
-                <a:ea typeface="ArialMT"/>
-              </a:rPr>
-              <a:t>, gradients of B and inclination </a:t>
-            </a:r>
-            <a:endParaRPr sz="1799" dirty="0"/>
-          </a:p>
-          <a:p>
-            <a:pPr>
-              <a:lnSpc>
-                <a:spcPct val="100000"/>
-              </a:lnSpc>
-            </a:pPr>
-            <a:r>
-              <a:rPr lang="en-US" sz="1999" dirty="0">
-                <a:solidFill>
-                  <a:srgbClr val="000000"/>
-                </a:solidFill>
-                <a:latin typeface="Calibri"/>
-                <a:ea typeface="ArialMT"/>
-              </a:rPr>
-              <a:t>            3.</a:t>
-            </a:r>
-            <a:r>
-              <a:rPr lang="en-US" sz="1999" dirty="0">
-                <a:solidFill>
-                  <a:srgbClr val="000000"/>
-                </a:solidFill>
-                <a:latin typeface="Calibri"/>
-                <a:ea typeface="Helvetica;Arial"/>
-              </a:rPr>
-              <a:t> </a:t>
-            </a:r>
-            <a:r>
-              <a:rPr lang="en-US" sz="1999" dirty="0">
-                <a:solidFill>
-                  <a:srgbClr val="000000"/>
-                </a:solidFill>
-                <a:latin typeface="Calibri"/>
-                <a:ea typeface="ArialMT"/>
-              </a:rPr>
-              <a:t> gradients of B, inclination and </a:t>
-            </a:r>
-            <a:r>
-              <a:rPr lang="en-US" sz="1999" dirty="0" err="1">
-                <a:solidFill>
-                  <a:srgbClr val="000000"/>
-                </a:solidFill>
-                <a:latin typeface="Calibri"/>
-                <a:ea typeface="ArialMT"/>
-              </a:rPr>
-              <a:t>v</a:t>
-            </a:r>
-            <a:r>
-              <a:rPr lang="en-US" sz="1999" baseline="-25000" dirty="0" err="1">
-                <a:solidFill>
-                  <a:srgbClr val="000000"/>
-                </a:solidFill>
-                <a:latin typeface="Calibri"/>
-                <a:ea typeface="ArialMT"/>
-              </a:rPr>
-              <a:t>LOS</a:t>
-            </a:r>
-            <a:r>
-              <a:rPr lang="en-US" sz="1999" baseline="-25000" dirty="0">
-                <a:solidFill>
-                  <a:srgbClr val="000000"/>
-                </a:solidFill>
-                <a:latin typeface="Calibri"/>
-                <a:ea typeface="ArialMT"/>
-              </a:rPr>
+            <a:r>
+              <a:rPr lang="en-US" dirty="0" smtClean="0"/>
+              <a:t>The </a:t>
+            </a:r>
+            <a:r>
+              <a:rPr lang="en-US" dirty="0"/>
+              <a:t>main goals </a:t>
+            </a:r>
+            <a:r>
+              <a:rPr lang="en-US" dirty="0" smtClean="0"/>
+              <a:t>are:</a:t>
+            </a:r>
+          </a:p>
+          <a:p>
+            <a:r>
+              <a:rPr lang="en-US" dirty="0"/>
+              <a:t/>
+            </a:r>
+            <a:br>
+              <a:rPr lang="en-US" dirty="0"/>
+            </a:br>
+            <a:r>
+              <a:rPr lang="en-US" dirty="0" smtClean="0"/>
+              <a:t>Ex </a:t>
+            </a:r>
+            <a:r>
+              <a:rPr lang="en-US" dirty="0"/>
+              <a:t>1: Testing and first contact with synthesis, inversion and </a:t>
+            </a:r>
+            <a:r>
+              <a:rPr lang="en-US" dirty="0" smtClean="0"/>
+              <a:t>result visualization</a:t>
+            </a:r>
+            <a:r>
+              <a:rPr lang="en-US" dirty="0"/>
+              <a:t/>
+            </a:r>
+            <a:br>
+              <a:rPr lang="en-US" dirty="0"/>
+            </a:br>
+            <a:r>
+              <a:rPr lang="en-US" dirty="0" smtClean="0"/>
+              <a:t>Ex </a:t>
+            </a:r>
+            <a:r>
+              <a:rPr lang="en-US" dirty="0"/>
+              <a:t>2: HINODE data. Analysis of strong and symmetric signals. How many </a:t>
+            </a:r>
+            <a:r>
+              <a:rPr lang="en-US" dirty="0" smtClean="0"/>
+              <a:t>nodes should </a:t>
+            </a:r>
+            <a:r>
+              <a:rPr lang="en-US" dirty="0"/>
+              <a:t>be used? </a:t>
+            </a:r>
+            <a:r>
+              <a:rPr lang="en-US" dirty="0" smtClean="0"/>
+              <a:t>      </a:t>
+            </a:r>
+          </a:p>
+          <a:p>
+            <a:r>
+              <a:rPr lang="en-US" dirty="0"/>
               <a:t> </a:t>
             </a:r>
             <a:r>
-              <a:rPr lang="en-US" sz="1999" dirty="0">
-                <a:solidFill>
-                  <a:srgbClr val="000000"/>
-                </a:solidFill>
-                <a:latin typeface="Calibri"/>
-                <a:ea typeface="ArialMT"/>
-              </a:rPr>
-              <a:t>  </a:t>
-            </a:r>
-            <a:endParaRPr sz="1799" dirty="0"/>
-          </a:p>
-          <a:p>
-            <a:pPr>
-              <a:lnSpc>
-                <a:spcPct val="100000"/>
-              </a:lnSpc>
-            </a:pPr>
-            <a:endParaRPr sz="1799" dirty="0"/>
-          </a:p>
-          <a:p>
-            <a:pPr>
-              <a:lnSpc>
-                <a:spcPct val="100000"/>
-              </a:lnSpc>
-            </a:pPr>
-            <a:endParaRPr sz="1799" dirty="0"/>
-          </a:p>
-          <a:p>
-            <a:pPr>
-              <a:lnSpc>
-                <a:spcPct val="100000"/>
-              </a:lnSpc>
-              <a:buFont typeface="Arial"/>
-              <a:buChar char="•"/>
-            </a:pPr>
-            <a:r>
-              <a:rPr lang="en-US" sz="1999" dirty="0" smtClean="0">
-                <a:solidFill>
-                  <a:srgbClr val="000000"/>
-                </a:solidFill>
-                <a:latin typeface="Calibri"/>
-                <a:ea typeface="ArialMT"/>
-              </a:rPr>
-              <a:t> Invert </a:t>
-            </a:r>
-            <a:r>
-              <a:rPr lang="en-US" sz="1999" dirty="0">
-                <a:solidFill>
-                  <a:srgbClr val="000000"/>
-                </a:solidFill>
-                <a:latin typeface="Calibri"/>
-                <a:ea typeface="ArialMT"/>
-              </a:rPr>
-              <a:t>profiles from (3.), starting from initial guess model with flat stratifications of B, </a:t>
-            </a:r>
-            <a:r>
-              <a:rPr lang="en-US" sz="1999" dirty="0" err="1">
-                <a:solidFill>
-                  <a:srgbClr val="000000"/>
-                </a:solidFill>
-                <a:latin typeface="Calibri"/>
-                <a:ea typeface="ArialMT"/>
-              </a:rPr>
-              <a:t>v</a:t>
-            </a:r>
-            <a:r>
-              <a:rPr lang="en-US" sz="1999" baseline="-25000" dirty="0" err="1">
-                <a:solidFill>
-                  <a:srgbClr val="000000"/>
-                </a:solidFill>
-                <a:latin typeface="Calibri"/>
-                <a:ea typeface="ArialMT"/>
-              </a:rPr>
-              <a:t>LOS</a:t>
-            </a:r>
-            <a:r>
-              <a:rPr lang="en-US" sz="1999" baseline="-25000" dirty="0">
-                <a:solidFill>
-                  <a:srgbClr val="000000"/>
-                </a:solidFill>
-                <a:latin typeface="Calibri"/>
-                <a:ea typeface="ArialMT"/>
-              </a:rPr>
+              <a:rPr lang="en-US" dirty="0" smtClean="0"/>
+              <a:t>         Is </a:t>
+            </a:r>
+            <a:r>
+              <a:rPr lang="en-US" dirty="0"/>
+              <a:t>it always better to use many nodes? Weights </a:t>
+            </a:r>
+            <a:r>
+              <a:rPr lang="en-US" dirty="0" smtClean="0"/>
+              <a:t>of Q</a:t>
+            </a:r>
+            <a:r>
+              <a:rPr lang="en-US" dirty="0"/>
+              <a:t>, U &amp; V</a:t>
+            </a:r>
+            <a:r>
+              <a:rPr lang="en-US" dirty="0"/>
+              <a:t/>
+            </a:r>
+            <a:br>
+              <a:rPr lang="en-US" dirty="0"/>
+            </a:br>
+            <a:r>
+              <a:rPr lang="en-US" dirty="0" smtClean="0"/>
+              <a:t>Ex </a:t>
+            </a:r>
+            <a:r>
+              <a:rPr lang="en-US" dirty="0"/>
+              <a:t>3: Error bars and uncertainties determination</a:t>
+            </a:r>
+            <a:r>
+              <a:rPr lang="en-US" dirty="0"/>
+              <a:t/>
+            </a:r>
+            <a:br>
+              <a:rPr lang="en-US" dirty="0"/>
+            </a:br>
+            <a:r>
+              <a:rPr lang="en-US" dirty="0" smtClean="0"/>
+              <a:t>Ex </a:t>
+            </a:r>
+            <a:r>
+              <a:rPr lang="en-US" dirty="0"/>
+              <a:t>4: SPINOR data. How to select lines in a large spectral </a:t>
+            </a:r>
+            <a:r>
+              <a:rPr lang="en-US" dirty="0" smtClean="0"/>
+              <a:t>region. Using </a:t>
+            </a:r>
+            <a:r>
+              <a:rPr lang="en-US" dirty="0"/>
+              <a:t>macro- and </a:t>
+            </a:r>
+            <a:r>
+              <a:rPr lang="en-US" dirty="0" smtClean="0"/>
+              <a:t>micro-  </a:t>
+            </a:r>
+          </a:p>
+          <a:p>
+            <a:r>
+              <a:rPr lang="en-US" dirty="0"/>
               <a:t> </a:t>
             </a:r>
             <a:r>
-              <a:rPr lang="en-US" sz="1999" dirty="0">
-                <a:solidFill>
-                  <a:srgbClr val="000000"/>
-                </a:solidFill>
-                <a:latin typeface="Calibri"/>
-                <a:ea typeface="ArialMT"/>
-              </a:rPr>
-              <a:t>, and inclination (modify hsra11.mod) </a:t>
-            </a:r>
-            <a:endParaRPr sz="1799" dirty="0"/>
-          </a:p>
-          <a:p>
-            <a:pPr>
-              <a:lnSpc>
-                <a:spcPct val="100000"/>
-              </a:lnSpc>
-            </a:pPr>
-            <a:r>
-              <a:rPr lang="en-US" sz="1999" dirty="0">
-                <a:solidFill>
-                  <a:srgbClr val="000000"/>
-                </a:solidFill>
-                <a:latin typeface="Calibri"/>
-                <a:ea typeface="ArialMT"/>
-              </a:rPr>
-              <a:t>           •</a:t>
-            </a:r>
-            <a:r>
-              <a:rPr lang="en-US" sz="1999" dirty="0">
-                <a:solidFill>
-                  <a:srgbClr val="000000"/>
-                </a:solidFill>
-                <a:latin typeface="Calibri"/>
-                <a:ea typeface="Helvetica;Arial"/>
-              </a:rPr>
-              <a:t> </a:t>
-            </a:r>
-            <a:r>
-              <a:rPr lang="en-US" sz="1999" dirty="0">
-                <a:solidFill>
-                  <a:srgbClr val="000000"/>
-                </a:solidFill>
-                <a:latin typeface="Calibri"/>
-                <a:ea typeface="ArialMT"/>
-              </a:rPr>
-              <a:t>1 node in B, </a:t>
-            </a:r>
-            <a:r>
-              <a:rPr lang="en-US" sz="1999" dirty="0" err="1">
-                <a:solidFill>
-                  <a:srgbClr val="000000"/>
-                </a:solidFill>
-                <a:latin typeface="Calibri"/>
-                <a:ea typeface="ArialMT"/>
-              </a:rPr>
-              <a:t>v</a:t>
-            </a:r>
-            <a:r>
-              <a:rPr lang="en-US" sz="1999" baseline="-25000" dirty="0" err="1">
-                <a:solidFill>
-                  <a:srgbClr val="000000"/>
-                </a:solidFill>
-                <a:latin typeface="Calibri"/>
-                <a:ea typeface="ArialMT"/>
-              </a:rPr>
-              <a:t>LOS</a:t>
-            </a:r>
-            <a:r>
-              <a:rPr lang="en-US" sz="1999" dirty="0">
-                <a:solidFill>
-                  <a:srgbClr val="000000"/>
-                </a:solidFill>
-                <a:latin typeface="Calibri"/>
-                <a:ea typeface="ArialMT"/>
-              </a:rPr>
-              <a:t>, inclination </a:t>
-            </a:r>
-            <a:endParaRPr sz="1799" dirty="0"/>
-          </a:p>
-          <a:p>
-            <a:pPr>
-              <a:lnSpc>
-                <a:spcPct val="100000"/>
-              </a:lnSpc>
-            </a:pPr>
-            <a:r>
-              <a:rPr lang="en-US" sz="1999" dirty="0">
-                <a:solidFill>
-                  <a:srgbClr val="000000"/>
-                </a:solidFill>
-                <a:latin typeface="Calibri"/>
-                <a:ea typeface="ArialMT"/>
-              </a:rPr>
-              <a:t>           •</a:t>
-            </a:r>
-            <a:r>
-              <a:rPr lang="en-US" sz="1999" dirty="0">
-                <a:solidFill>
-                  <a:srgbClr val="000000"/>
-                </a:solidFill>
-                <a:latin typeface="Calibri"/>
-                <a:ea typeface="Helvetica;Arial"/>
-              </a:rPr>
-              <a:t> </a:t>
-            </a:r>
-            <a:r>
-              <a:rPr lang="en-US" sz="1999" dirty="0">
-                <a:solidFill>
-                  <a:srgbClr val="000000"/>
-                </a:solidFill>
-                <a:latin typeface="Calibri"/>
-                <a:ea typeface="ArialMT"/>
-              </a:rPr>
-              <a:t>2 nodes in B, and </a:t>
-            </a:r>
-            <a:r>
-              <a:rPr lang="en-US" sz="1999" dirty="0" err="1">
-                <a:solidFill>
-                  <a:srgbClr val="000000"/>
-                </a:solidFill>
-                <a:latin typeface="Calibri"/>
-                <a:ea typeface="ArialMT"/>
-              </a:rPr>
-              <a:t>v</a:t>
-            </a:r>
-            <a:r>
-              <a:rPr lang="en-US" sz="1999" baseline="-25000" dirty="0" err="1">
-                <a:solidFill>
-                  <a:srgbClr val="000000"/>
-                </a:solidFill>
-                <a:latin typeface="Calibri"/>
-                <a:ea typeface="ArialMT"/>
-              </a:rPr>
-              <a:t>LOS</a:t>
-            </a:r>
-            <a:r>
-              <a:rPr lang="en-US" sz="1999" baseline="-25000" dirty="0">
-                <a:solidFill>
-                  <a:srgbClr val="000000"/>
-                </a:solidFill>
-                <a:latin typeface="Calibri"/>
-                <a:ea typeface="ArialMT"/>
-              </a:rPr>
+              <a:rPr lang="en-US" dirty="0" smtClean="0"/>
+              <a:t>         turbulence</a:t>
+            </a:r>
+            <a:r>
+              <a:rPr lang="en-US" dirty="0"/>
+              <a:t>. Gradients determination.</a:t>
+            </a:r>
+            <a:r>
+              <a:rPr lang="en-US" dirty="0"/>
+              <a:t/>
+            </a:r>
+            <a:br>
+              <a:rPr lang="en-US" dirty="0"/>
+            </a:br>
+            <a:r>
+              <a:rPr lang="en-US" dirty="0" smtClean="0"/>
+              <a:t>Ex </a:t>
+            </a:r>
+            <a:r>
+              <a:rPr lang="en-US" dirty="0"/>
+              <a:t>4 </a:t>
+            </a:r>
+            <a:r>
+              <a:rPr lang="en-US" dirty="0" err="1"/>
+              <a:t>bis</a:t>
+            </a:r>
+            <a:r>
+              <a:rPr lang="en-US" dirty="0"/>
+              <a:t>: Optional. Strong asymmetries and use of stray-light.</a:t>
+            </a:r>
+            <a:r>
+              <a:rPr lang="en-US" dirty="0"/>
+              <a:t/>
+            </a:r>
+            <a:br>
+              <a:rPr lang="en-US" dirty="0"/>
+            </a:br>
+            <a:r>
+              <a:rPr lang="en-US" dirty="0" smtClean="0"/>
+              <a:t>Ex </a:t>
+            </a:r>
+            <a:r>
+              <a:rPr lang="en-US" dirty="0"/>
+              <a:t>5: HINODE data.  High signal to noise profiles. Extremely weak linear polarization signal</a:t>
+            </a:r>
+            <a:r>
+              <a:rPr lang="en-US" dirty="0"/>
+              <a:t/>
+            </a:r>
+            <a:br>
+              <a:rPr lang="en-US" dirty="0"/>
+            </a:br>
+            <a:r>
+              <a:rPr lang="en-US" dirty="0"/>
+              <a:t>         </a:t>
+            </a:r>
+            <a:r>
+              <a:rPr lang="en-US" dirty="0" smtClean="0"/>
+              <a:t> but </a:t>
+            </a:r>
+            <a:r>
+              <a:rPr lang="en-US" dirty="0"/>
+              <a:t>large asymmetries.</a:t>
+            </a:r>
+            <a:r>
+              <a:rPr lang="en-US" dirty="0"/>
+              <a:t/>
+            </a:r>
+            <a:br>
+              <a:rPr lang="en-US" dirty="0"/>
+            </a:br>
+            <a:r>
+              <a:rPr lang="en-US" dirty="0" smtClean="0"/>
+              <a:t>Ex </a:t>
+            </a:r>
+            <a:r>
+              <a:rPr lang="en-US" dirty="0"/>
+              <a:t>6: Stokes V with 3 lobes. One versus 2 components </a:t>
+            </a:r>
+            <a:r>
+              <a:rPr lang="en-US" dirty="0" smtClean="0"/>
+              <a:t>inversions.</a:t>
+            </a:r>
+            <a:r>
+              <a:rPr lang="en-US" dirty="0"/>
+              <a:t/>
+            </a:r>
+            <a:br>
+              <a:rPr lang="en-US" dirty="0"/>
+            </a:br>
+            <a:r>
+              <a:rPr lang="en-US" dirty="0" smtClean="0"/>
+              <a:t>Ex </a:t>
+            </a:r>
+            <a:r>
+              <a:rPr lang="en-US" dirty="0"/>
+              <a:t>7: IBIS profiles: high spatial resolution bad modest spectral </a:t>
+            </a:r>
+            <a:r>
+              <a:rPr lang="en-US" dirty="0" smtClean="0"/>
+              <a:t>sampling. Introducing </a:t>
+            </a:r>
+            <a:r>
+              <a:rPr lang="en-US" dirty="0"/>
+              <a:t>points in </a:t>
+            </a:r>
+            <a:endParaRPr lang="en-US" dirty="0" smtClean="0"/>
+          </a:p>
+          <a:p>
+            <a:r>
+              <a:rPr lang="en-US" dirty="0"/>
               <a:t> </a:t>
             </a:r>
             <a:r>
-              <a:rPr lang="en-US" sz="1999" dirty="0">
-                <a:solidFill>
-                  <a:srgbClr val="000000"/>
-                </a:solidFill>
-                <a:latin typeface="Calibri"/>
-                <a:ea typeface="ArialMT"/>
-              </a:rPr>
-              <a:t>inclination </a:t>
-            </a:r>
-            <a:endParaRPr sz="1799" dirty="0"/>
-          </a:p>
-          <a:p>
-            <a:pPr>
-              <a:lnSpc>
-                <a:spcPct val="100000"/>
-              </a:lnSpc>
-            </a:pPr>
-            <a:endParaRPr sz="1799" dirty="0"/>
-          </a:p>
-          <a:p>
-            <a:pPr>
-              <a:lnSpc>
-                <a:spcPct val="100000"/>
-              </a:lnSpc>
-            </a:pPr>
-            <a:endParaRPr sz="1799" dirty="0"/>
-          </a:p>
-          <a:p>
-            <a:pPr>
-              <a:lnSpc>
-                <a:spcPct val="100000"/>
-              </a:lnSpc>
-            </a:pPr>
-            <a:endParaRPr sz="1799" dirty="0"/>
-          </a:p>
-          <a:p>
-            <a:pPr>
-              <a:lnSpc>
-                <a:spcPct val="100000"/>
-              </a:lnSpc>
-            </a:pPr>
-            <a:endParaRPr sz="1799" dirty="0"/>
+              <a:rPr lang="en-US" dirty="0" smtClean="0"/>
+              <a:t>         the </a:t>
+            </a:r>
+            <a:r>
+              <a:rPr lang="en-US" dirty="0"/>
+              <a:t>spectra that will not be consider in the </a:t>
+            </a:r>
+            <a:r>
+              <a:rPr lang="en-US" dirty="0" smtClean="0"/>
+              <a:t>chi^2</a:t>
+            </a:r>
+          </a:p>
+          <a:p>
+            <a:r>
+              <a:rPr lang="en-US" dirty="0" smtClean="0"/>
+              <a:t>Ex </a:t>
+            </a:r>
+            <a:r>
+              <a:rPr lang="en-US" dirty="0"/>
+              <a:t>7bis: Optional, because the topic was covered by ex 7 but with CRISP </a:t>
+            </a:r>
+            <a:r>
+              <a:rPr lang="en-US" dirty="0" smtClean="0"/>
+              <a:t>data. Strong asymmetric </a:t>
+            </a:r>
+          </a:p>
+          <a:p>
+            <a:r>
+              <a:rPr lang="en-US" dirty="0"/>
+              <a:t> </a:t>
+            </a:r>
+            <a:r>
+              <a:rPr lang="en-US" dirty="0" smtClean="0"/>
+              <a:t>         profiles </a:t>
+            </a:r>
+            <a:r>
+              <a:rPr lang="en-US" dirty="0"/>
+              <a:t>and use of stray </a:t>
+            </a:r>
+            <a:r>
+              <a:rPr lang="en-US" dirty="0" smtClean="0"/>
+              <a:t>light. Very </a:t>
+            </a:r>
+            <a:r>
+              <a:rPr lang="en-US" dirty="0"/>
+              <a:t>high spatial resolution bad poor </a:t>
+            </a:r>
+            <a:r>
+              <a:rPr lang="en-US" dirty="0" smtClean="0"/>
+              <a:t>spectral resolution.</a:t>
+            </a:r>
+            <a:r>
+              <a:rPr lang="en-US" dirty="0"/>
+              <a:t/>
+            </a:r>
+            <a:br>
+              <a:rPr lang="en-US" dirty="0"/>
+            </a:br>
+            <a:r>
+              <a:rPr lang="en-US" dirty="0" smtClean="0"/>
+              <a:t>Ex </a:t>
+            </a:r>
+            <a:r>
+              <a:rPr lang="en-US" dirty="0"/>
+              <a:t>8: FIRS profiles. How reliable are the obtained gradients in </a:t>
+            </a:r>
+            <a:r>
+              <a:rPr lang="en-US" dirty="0" smtClean="0"/>
+              <a:t>different solar scenarios?</a:t>
+            </a:r>
+          </a:p>
+          <a:p>
+            <a:r>
+              <a:rPr lang="en-US" dirty="0" smtClean="0"/>
+              <a:t>Ex </a:t>
+            </a:r>
+            <a:r>
+              <a:rPr lang="en-US" dirty="0"/>
+              <a:t>9: Inversion of gas pressures. Sensitivity to gas pressure. How to </a:t>
+            </a:r>
+            <a:r>
+              <a:rPr lang="en-US" dirty="0" smtClean="0"/>
+              <a:t>evaluate the </a:t>
+            </a:r>
+            <a:r>
+              <a:rPr lang="en-US" dirty="0"/>
+              <a:t>Response </a:t>
+            </a:r>
+            <a:endParaRPr lang="en-US" dirty="0" smtClean="0"/>
+          </a:p>
+          <a:p>
+            <a:r>
+              <a:rPr lang="en-US" dirty="0"/>
+              <a:t> </a:t>
+            </a:r>
+            <a:r>
+              <a:rPr lang="en-US" dirty="0" smtClean="0"/>
+              <a:t>        functions </a:t>
+            </a:r>
+            <a:r>
+              <a:rPr lang="en-US" dirty="0"/>
+              <a:t>(RF) </a:t>
+            </a:r>
+            <a:r>
+              <a:rPr lang="en-US" dirty="0" smtClean="0"/>
+              <a:t>to </a:t>
+            </a:r>
+            <a:r>
+              <a:rPr lang="en-US" smtClean="0"/>
+              <a:t>gas pressure </a:t>
+            </a:r>
+            <a:r>
+              <a:rPr lang="en-US" dirty="0"/>
+              <a:t>from the RF to temperature and electronic pressure.</a:t>
+            </a:r>
+            <a:endParaRPr lang="en-US" dirty="0"/>
           </a:p>
         </p:txBody>
       </p:sp>
     </p:spTree>
     <p:extLst>
       <p:ext uri="{BB962C8B-B14F-4D97-AF65-F5344CB8AC3E}">
-        <p14:creationId xmlns:p14="http://schemas.microsoft.com/office/powerpoint/2010/main" val="2232906733"/>
+        <p14:creationId xmlns:p14="http://schemas.microsoft.com/office/powerpoint/2010/main" val="3453341345"/>
       </p:ext>
     </p:extLst>
   </p:cSld>
@@ -8354,7 +8549,7 @@
       </p:grpSpPr>
       <p:sp>
         <p:nvSpPr>
-          <p:cNvPr id="42" name="CustomShape 1"/>
+          <p:cNvPr id="39" name="CustomShape 1"/>
           <p:cNvSpPr/>
           <p:nvPr/>
         </p:nvSpPr>
@@ -8414,7 +8609,7 @@
                 <a:latin typeface="Calibri"/>
                 <a:ea typeface="DejaVu Sans"/>
               </a:rPr>
-              <a:t>Exercise 2</a:t>
+              <a:t>Exercise 1</a:t>
             </a:r>
             <a:endParaRPr sz="1799"/>
           </a:p>
@@ -8422,14 +8617,14 @@
       </p:sp>
       <p:sp>
         <p:nvSpPr>
-          <p:cNvPr id="43" name="CustomShape 2"/>
+          <p:cNvPr id="40" name="CustomShape 2"/>
           <p:cNvSpPr/>
           <p:nvPr/>
         </p:nvSpPr>
         <p:spPr>
           <a:xfrm>
-            <a:off x="743922" y="6659363"/>
-            <a:ext cx="9217887" cy="808940"/>
+            <a:off x="726290" y="6389476"/>
+            <a:ext cx="9330879" cy="1078827"/>
           </a:xfrm>
           <a:prstGeom prst="rect">
             <a:avLst/>
@@ -8467,93 +8662,199 @@
                 <a:spcPct val="100000"/>
               </a:lnSpc>
             </a:pPr>
-            <a:endParaRPr sz="1799"/>
-          </a:p>
-          <a:p>
-            <a:pPr>
-              <a:lnSpc>
-                <a:spcPct val="150000"/>
-              </a:lnSpc>
-            </a:pPr>
-            <a:r>
-              <a:rPr lang="en-US" sz="1399">
-                <a:solidFill>
-                  <a:srgbClr val="000000"/>
-                </a:solidFill>
-                <a:latin typeface="Calibri"/>
-                <a:ea typeface="ArialMT"/>
-              </a:rPr>
-              <a:t>If no instrumental PSF is available, </a:t>
-            </a:r>
-            <a:r>
-              <a:rPr lang="en-US" sz="1399">
+            <a:endParaRPr sz="1799" dirty="0"/>
+          </a:p>
+          <a:p>
+            <a:pPr>
+              <a:lnSpc>
+                <a:spcPct val="100000"/>
+              </a:lnSpc>
+            </a:pPr>
+            <a:r>
+              <a:rPr lang="en-US" sz="1399" dirty="0">
+                <a:solidFill>
+                  <a:srgbClr val="1F4E79"/>
+                </a:solidFill>
+                <a:latin typeface="Arial"/>
+                <a:ea typeface="ArialMT"/>
+              </a:rPr>
+              <a:t>IDL&gt; </a:t>
+            </a:r>
+            <a:r>
+              <a:rPr lang="en-US" sz="1399" dirty="0">
                 <a:solidFill>
                   <a:srgbClr val="C00000"/>
                 </a:solidFill>
-                <a:latin typeface="Calibri"/>
-                <a:ea typeface="ArialMT"/>
-              </a:rPr>
-              <a:t>use macroturbulence </a:t>
-            </a:r>
-            <a:r>
-              <a:rPr lang="en-US" sz="1399">
-                <a:solidFill>
-                  <a:srgbClr val="000000"/>
-                </a:solidFill>
-                <a:latin typeface="Calibri"/>
-                <a:ea typeface="ArialMT"/>
-              </a:rPr>
-              <a:t>to mimic its effect (i.e, invert v</a:t>
-            </a:r>
-            <a:r>
-              <a:rPr lang="en-US" sz="1399" baseline="-25000">
-                <a:solidFill>
-                  <a:srgbClr val="000000"/>
-                </a:solidFill>
-                <a:latin typeface="Calibri"/>
-                <a:ea typeface="ArialMT"/>
-              </a:rPr>
-              <a:t>mac</a:t>
-            </a:r>
-            <a:r>
-              <a:rPr lang="en-US" sz="1399">
-                <a:solidFill>
-                  <a:srgbClr val="000000"/>
-                </a:solidFill>
-                <a:latin typeface="Calibri"/>
-                <a:ea typeface="ArialMT"/>
-              </a:rPr>
-              <a:t>)</a:t>
-            </a:r>
-            <a:endParaRPr sz="1799"/>
-          </a:p>
-          <a:p>
-            <a:pPr>
-              <a:lnSpc>
-                <a:spcPct val="150000"/>
-              </a:lnSpc>
-            </a:pPr>
-            <a:r>
-              <a:rPr lang="en-US" sz="1399">
+                <a:latin typeface="Arial"/>
+                <a:ea typeface="ArialMT"/>
+              </a:rPr>
+              <a:t>read_model</a:t>
+            </a:r>
+            <a:r>
+              <a:rPr lang="en-US" sz="1399" dirty="0">
+                <a:solidFill>
+                  <a:srgbClr val="000000"/>
+                </a:solidFill>
+                <a:latin typeface="Arial"/>
+                <a:ea typeface="ArialMT"/>
+              </a:rPr>
+              <a:t>,'hsra11.mod',</a:t>
+            </a:r>
+            <a:r>
+              <a:rPr lang="en-US" sz="1399" dirty="0" smtClean="0">
+                <a:solidFill>
+                  <a:srgbClr val="000000"/>
+                </a:solidFill>
+                <a:latin typeface="Arial"/>
+                <a:ea typeface="ArialMT"/>
+              </a:rPr>
+              <a:t>logtau,T,pe,mic,B,V_LOS,gamma,phi,z,pg,rho,mac,filling,stray</a:t>
+            </a:r>
+            <a:endParaRPr sz="1799" dirty="0"/>
+          </a:p>
+          <a:p>
+            <a:pPr>
+              <a:lnSpc>
+                <a:spcPct val="100000"/>
+              </a:lnSpc>
+            </a:pPr>
+            <a:r>
+              <a:rPr lang="en-US" sz="1399" dirty="0">
+                <a:solidFill>
+                  <a:srgbClr val="1F4E79"/>
+                </a:solidFill>
+                <a:latin typeface="Arial"/>
+                <a:ea typeface="ArialMT"/>
+              </a:rPr>
+              <a:t>IDL&gt; </a:t>
+            </a:r>
+            <a:r>
+              <a:rPr lang="en-US" sz="1399" dirty="0">
+                <a:solidFill>
+                  <a:srgbClr val="000000"/>
+                </a:solidFill>
+                <a:latin typeface="Arial"/>
+                <a:ea typeface="ArialMT"/>
+              </a:rPr>
+              <a:t>B=1000+400.*</a:t>
+            </a:r>
+            <a:r>
+              <a:rPr lang="en-US" sz="1399" dirty="0" err="1">
+                <a:solidFill>
+                  <a:srgbClr val="000000"/>
+                </a:solidFill>
+                <a:latin typeface="Arial"/>
+                <a:ea typeface="ArialMT"/>
+              </a:rPr>
+              <a:t>logtau</a:t>
+            </a:r>
+            <a:r>
+              <a:rPr lang="en-US" sz="1399" dirty="0">
+                <a:solidFill>
+                  <a:srgbClr val="000000"/>
+                </a:solidFill>
+                <a:latin typeface="Arial"/>
+                <a:ea typeface="ArialMT"/>
+              </a:rPr>
+              <a:t>           &amp;   v=2.e5+0.*</a:t>
+            </a:r>
+            <a:r>
+              <a:rPr lang="en-US" sz="1399" dirty="0" err="1">
+                <a:solidFill>
+                  <a:srgbClr val="000000"/>
+                </a:solidFill>
+                <a:latin typeface="Arial"/>
+                <a:ea typeface="ArialMT"/>
+              </a:rPr>
+              <a:t>logtau</a:t>
+            </a:r>
+            <a:r>
+              <a:rPr lang="en-US" sz="1399" dirty="0">
+                <a:solidFill>
+                  <a:srgbClr val="000000"/>
+                </a:solidFill>
+                <a:latin typeface="Arial"/>
+                <a:ea typeface="ArialMT"/>
+              </a:rPr>
+              <a:t>       &amp; gamma=60.+  0.*</a:t>
+            </a:r>
+            <a:r>
+              <a:rPr lang="en-US" sz="1399" dirty="0" err="1">
+                <a:solidFill>
+                  <a:srgbClr val="000000"/>
+                </a:solidFill>
+                <a:latin typeface="Arial"/>
+                <a:ea typeface="ArialMT"/>
+              </a:rPr>
+              <a:t>logtau</a:t>
+            </a:r>
+            <a:r>
+              <a:rPr lang="en-US" sz="1399" dirty="0">
+                <a:solidFill>
+                  <a:srgbClr val="000000"/>
+                </a:solidFill>
+                <a:latin typeface="Arial"/>
+                <a:ea typeface="ArialMT"/>
+              </a:rPr>
+              <a:t>  </a:t>
+            </a:r>
+            <a:endParaRPr sz="1799" dirty="0"/>
+          </a:p>
+          <a:p>
+            <a:pPr>
+              <a:lnSpc>
+                <a:spcPct val="100000"/>
+              </a:lnSpc>
+            </a:pPr>
+            <a:endParaRPr sz="1799" dirty="0"/>
+          </a:p>
+          <a:p>
+            <a:pPr>
+              <a:lnSpc>
+                <a:spcPct val="100000"/>
+              </a:lnSpc>
+            </a:pPr>
+            <a:r>
+              <a:rPr lang="en-US" sz="1399" dirty="0">
+                <a:solidFill>
+                  <a:srgbClr val="1F4E79"/>
+                </a:solidFill>
+                <a:latin typeface="Arial"/>
+                <a:ea typeface="ArialMT"/>
+              </a:rPr>
+              <a:t>IDL&gt; </a:t>
+            </a:r>
+            <a:r>
+              <a:rPr lang="en-US" sz="1399" dirty="0">
                 <a:solidFill>
                   <a:srgbClr val="C00000"/>
                 </a:solidFill>
-                <a:latin typeface="Calibri"/>
-                <a:ea typeface="ArialMT"/>
-              </a:rPr>
-              <a:t>Use more weight for Q, U and V </a:t>
-            </a:r>
-            <a:r>
-              <a:rPr lang="en-US" sz="1399">
-                <a:solidFill>
-                  <a:srgbClr val="000000"/>
-                </a:solidFill>
-                <a:latin typeface="Calibri"/>
-                <a:ea typeface="ArialMT"/>
-              </a:rPr>
-              <a:t>to force better fits to those parameters</a:t>
-            </a:r>
-            <a:endParaRPr sz="1799"/>
+                <a:latin typeface="Arial"/>
+                <a:ea typeface="ArialMT"/>
+              </a:rPr>
+              <a:t>write_model</a:t>
+            </a:r>
+            <a:r>
+              <a:rPr lang="en-US" sz="1399" dirty="0">
+                <a:solidFill>
+                  <a:srgbClr val="000000"/>
+                </a:solidFill>
+                <a:latin typeface="Arial"/>
+                <a:ea typeface="ArialMT"/>
+              </a:rPr>
+              <a:t>,'model1.mod',</a:t>
+            </a:r>
+            <a:r>
+              <a:rPr lang="en-US" sz="1399" dirty="0" smtClean="0">
+                <a:solidFill>
+                  <a:srgbClr val="000000"/>
+                </a:solidFill>
+                <a:latin typeface="Arial"/>
+                <a:ea typeface="ArialMT"/>
+              </a:rPr>
+              <a:t>logtau,T,pe,mic,B,V_LOS,gamma,phi,z,pg,rho,mac,filling,stray</a:t>
+            </a:r>
+            <a:endParaRPr sz="1799" dirty="0"/>
           </a:p>
           <a:p>
             <a:pPr algn="ctr">
@@ -8561,13 +8862,13 @@
                 <a:spcPct val="100000"/>
               </a:lnSpc>
             </a:pPr>
-            <a:endParaRPr sz="1799"/>
+            <a:endParaRPr sz="1799" dirty="0"/>
           </a:p>
         </p:txBody>
       </p:sp>
       <p:sp>
         <p:nvSpPr>
-          <p:cNvPr id="44" name="CustomShape 3"/>
+          <p:cNvPr id="41" name="CustomShape 3"/>
           <p:cNvSpPr/>
           <p:nvPr/>
         </p:nvSpPr>
@@ -8613,28 +8914,28 @@
                 <a:latin typeface="Calibri"/>
                 <a:ea typeface="ArialMT"/>
               </a:rPr>
-              <a:t>Inversion of profiles from dark-cored penumbral filament.</a:t>
-            </a:r>
-            <a:endParaRPr sz="1799" dirty="0"/>
-          </a:p>
-          <a:p>
-            <a:pPr>
-              <a:lnSpc>
-                <a:spcPct val="100000"/>
-              </a:lnSpc>
-            </a:pPr>
-            <a:endParaRPr sz="1799" dirty="0"/>
-          </a:p>
-          <a:p>
-            <a:pPr>
-              <a:lnSpc>
-                <a:spcPct val="100000"/>
-              </a:lnSpc>
-            </a:pPr>
-            <a:endParaRPr sz="1799" dirty="0"/>
-          </a:p>
-          <a:p>
-            <a:pPr algn="just">
+              <a:t>Spectral synthesis and inversion of synthetic profiles</a:t>
+            </a:r>
+            <a:endParaRPr sz="1799" dirty="0"/>
+          </a:p>
+          <a:p>
+            <a:pPr>
+              <a:lnSpc>
+                <a:spcPct val="100000"/>
+              </a:lnSpc>
+            </a:pPr>
+            <a:endParaRPr sz="1799" dirty="0"/>
+          </a:p>
+          <a:p>
+            <a:pPr>
+              <a:lnSpc>
+                <a:spcPct val="100000"/>
+              </a:lnSpc>
+            </a:pPr>
+            <a:endParaRPr sz="1799" dirty="0"/>
+          </a:p>
+          <a:p>
+            <a:pPr>
               <a:lnSpc>
                 <a:spcPct val="100000"/>
               </a:lnSpc>
@@ -8649,192 +8950,292 @@
                 <a:latin typeface="Calibri"/>
                 <a:ea typeface="ArialMT"/>
               </a:rPr>
+              <a:t> Use </a:t>
+            </a:r>
+            <a:r>
+              <a:rPr lang="en-US" sz="1999" dirty="0">
+                <a:solidFill>
+                  <a:srgbClr val="000000"/>
+                </a:solidFill>
+                <a:latin typeface="Calibri"/>
+                <a:ea typeface="ArialMT"/>
+              </a:rPr>
+              <a:t>HSRA model to </a:t>
+            </a:r>
+            <a:r>
+              <a:rPr lang="en-US" sz="1999" dirty="0">
+                <a:solidFill>
+                  <a:srgbClr val="C00000"/>
+                </a:solidFill>
+                <a:latin typeface="Calibri"/>
+                <a:ea typeface="ArialMT"/>
+              </a:rPr>
+              <a:t>synthesize Stokes profiles </a:t>
+            </a:r>
+            <a:r>
+              <a:rPr lang="en-US" sz="1999" dirty="0">
+                <a:solidFill>
+                  <a:srgbClr val="000000"/>
+                </a:solidFill>
+                <a:latin typeface="Calibri"/>
+                <a:ea typeface="ArialMT"/>
+              </a:rPr>
+              <a:t>with </a:t>
+            </a:r>
+            <a:endParaRPr sz="1799" dirty="0"/>
+          </a:p>
+          <a:p>
+            <a:pPr>
+              <a:lnSpc>
+                <a:spcPct val="100000"/>
+              </a:lnSpc>
+            </a:pPr>
+            <a:r>
+              <a:rPr lang="en-US" sz="1999" dirty="0">
+                <a:solidFill>
+                  <a:srgbClr val="000000"/>
+                </a:solidFill>
+                <a:latin typeface="Calibri"/>
+                <a:ea typeface="ArialMT"/>
+              </a:rPr>
+              <a:t>            1.</a:t>
+            </a:r>
+            <a:r>
+              <a:rPr lang="en-US" sz="1999" dirty="0">
+                <a:solidFill>
+                  <a:srgbClr val="000000"/>
+                </a:solidFill>
+                <a:latin typeface="Calibri"/>
+                <a:ea typeface="Helvetica;Arial"/>
+              </a:rPr>
+              <a:t> </a:t>
+            </a:r>
+            <a:r>
+              <a:rPr lang="en-US" sz="1999" dirty="0">
+                <a:solidFill>
+                  <a:srgbClr val="000000"/>
+                </a:solidFill>
+                <a:latin typeface="Calibri"/>
+                <a:ea typeface="ArialMT"/>
+              </a:rPr>
+              <a:t> constant B, inclination and </a:t>
+            </a:r>
+            <a:r>
+              <a:rPr lang="en-US" sz="1999" dirty="0" err="1">
+                <a:solidFill>
+                  <a:srgbClr val="000000"/>
+                </a:solidFill>
+                <a:latin typeface="Calibri"/>
+                <a:ea typeface="ArialMT"/>
+              </a:rPr>
+              <a:t>v</a:t>
+            </a:r>
+            <a:r>
+              <a:rPr lang="en-US" sz="1999" baseline="-25000" dirty="0" err="1">
+                <a:solidFill>
+                  <a:srgbClr val="000000"/>
+                </a:solidFill>
+                <a:latin typeface="Calibri"/>
+                <a:ea typeface="ArialMT"/>
+              </a:rPr>
+              <a:t>LOS</a:t>
+            </a:r>
+            <a:r>
+              <a:rPr lang="en-US" sz="1999" dirty="0">
+                <a:solidFill>
+                  <a:srgbClr val="000000"/>
+                </a:solidFill>
+                <a:latin typeface="Calibri"/>
+                <a:ea typeface="ArialMT"/>
+              </a:rPr>
+              <a:t> (e.g., 1 </a:t>
+            </a:r>
+            <a:r>
+              <a:rPr lang="en-US" sz="1999" dirty="0" err="1">
+                <a:solidFill>
+                  <a:srgbClr val="000000"/>
+                </a:solidFill>
+                <a:latin typeface="Calibri"/>
+                <a:ea typeface="ArialMT"/>
+              </a:rPr>
+              <a:t>kG</a:t>
+            </a:r>
+            <a:r>
+              <a:rPr lang="en-US" sz="1999" dirty="0">
+                <a:solidFill>
+                  <a:srgbClr val="000000"/>
+                </a:solidFill>
+                <a:latin typeface="Calibri"/>
+                <a:ea typeface="ArialMT"/>
+              </a:rPr>
+              <a:t>, 60º, 2 km/s) </a:t>
+            </a:r>
+            <a:endParaRPr sz="1799" dirty="0"/>
+          </a:p>
+          <a:p>
+            <a:pPr>
+              <a:lnSpc>
+                <a:spcPct val="100000"/>
+              </a:lnSpc>
+            </a:pPr>
+            <a:r>
+              <a:rPr lang="en-US" sz="1999" dirty="0">
+                <a:solidFill>
+                  <a:srgbClr val="000000"/>
+                </a:solidFill>
+                <a:latin typeface="Calibri"/>
+                <a:ea typeface="ArialMT"/>
+              </a:rPr>
+              <a:t>            2.</a:t>
+            </a:r>
+            <a:r>
+              <a:rPr lang="en-US" sz="1999" dirty="0">
+                <a:solidFill>
+                  <a:srgbClr val="000000"/>
+                </a:solidFill>
+                <a:latin typeface="Calibri"/>
+                <a:ea typeface="Helvetica;Arial"/>
+              </a:rPr>
+              <a:t> </a:t>
+            </a:r>
+            <a:r>
+              <a:rPr lang="en-US" sz="1999" dirty="0">
+                <a:solidFill>
+                  <a:srgbClr val="000000"/>
+                </a:solidFill>
+                <a:latin typeface="Calibri"/>
+                <a:ea typeface="ArialMT"/>
+              </a:rPr>
+              <a:t> constant </a:t>
+            </a:r>
+            <a:r>
+              <a:rPr lang="en-US" sz="1999" dirty="0" err="1">
+                <a:solidFill>
+                  <a:srgbClr val="000000"/>
+                </a:solidFill>
+                <a:latin typeface="Calibri"/>
+                <a:ea typeface="ArialMT"/>
+              </a:rPr>
+              <a:t>v</a:t>
+            </a:r>
+            <a:r>
+              <a:rPr lang="en-US" sz="1999" baseline="-25000" dirty="0" err="1">
+                <a:solidFill>
+                  <a:srgbClr val="000000"/>
+                </a:solidFill>
+                <a:latin typeface="Calibri"/>
+                <a:ea typeface="ArialMT"/>
+              </a:rPr>
+              <a:t>LOS</a:t>
+            </a:r>
+            <a:r>
+              <a:rPr lang="en-US" sz="1999" dirty="0">
+                <a:solidFill>
+                  <a:srgbClr val="000000"/>
+                </a:solidFill>
+                <a:latin typeface="Calibri"/>
+                <a:ea typeface="ArialMT"/>
+              </a:rPr>
+              <a:t>, gradients of B and inclination </a:t>
+            </a:r>
+            <a:endParaRPr sz="1799" dirty="0"/>
+          </a:p>
+          <a:p>
+            <a:pPr>
+              <a:lnSpc>
+                <a:spcPct val="100000"/>
+              </a:lnSpc>
+            </a:pPr>
+            <a:r>
+              <a:rPr lang="en-US" sz="1999" dirty="0">
+                <a:solidFill>
+                  <a:srgbClr val="000000"/>
+                </a:solidFill>
+                <a:latin typeface="Calibri"/>
+                <a:ea typeface="ArialMT"/>
+              </a:rPr>
+              <a:t>            3.</a:t>
+            </a:r>
+            <a:r>
+              <a:rPr lang="en-US" sz="1999" dirty="0">
+                <a:solidFill>
+                  <a:srgbClr val="000000"/>
+                </a:solidFill>
+                <a:latin typeface="Calibri"/>
+                <a:ea typeface="Helvetica;Arial"/>
+              </a:rPr>
+              <a:t> </a:t>
+            </a:r>
+            <a:r>
+              <a:rPr lang="en-US" sz="1999" dirty="0">
+                <a:solidFill>
+                  <a:srgbClr val="000000"/>
+                </a:solidFill>
+                <a:latin typeface="Calibri"/>
+                <a:ea typeface="ArialMT"/>
+              </a:rPr>
+              <a:t> gradients of B, inclination and </a:t>
+            </a:r>
+            <a:r>
+              <a:rPr lang="en-US" sz="1999" dirty="0" err="1">
+                <a:solidFill>
+                  <a:srgbClr val="000000"/>
+                </a:solidFill>
+                <a:latin typeface="Calibri"/>
+                <a:ea typeface="ArialMT"/>
+              </a:rPr>
+              <a:t>v</a:t>
+            </a:r>
+            <a:r>
+              <a:rPr lang="en-US" sz="1999" baseline="-25000" dirty="0" err="1">
+                <a:solidFill>
+                  <a:srgbClr val="000000"/>
+                </a:solidFill>
+                <a:latin typeface="Calibri"/>
+                <a:ea typeface="ArialMT"/>
+              </a:rPr>
+              <a:t>LOS</a:t>
+            </a:r>
+            <a:r>
+              <a:rPr lang="en-US" sz="1999" baseline="-25000" dirty="0">
+                <a:solidFill>
+                  <a:srgbClr val="000000"/>
+                </a:solidFill>
+                <a:latin typeface="Calibri"/>
+                <a:ea typeface="ArialMT"/>
+              </a:rPr>
               <a:t> </a:t>
             </a:r>
             <a:r>
-              <a:rPr lang="en-US" sz="1999" dirty="0" err="1" smtClean="0">
-                <a:solidFill>
-                  <a:schemeClr val="tx2"/>
-                </a:solidFill>
-                <a:latin typeface="Calibri"/>
-                <a:ea typeface="ArialMT"/>
-              </a:rPr>
-              <a:t>Hinode</a:t>
-            </a:r>
-            <a:r>
-              <a:rPr lang="en-US" sz="1999" dirty="0" smtClean="0">
-                <a:solidFill>
-                  <a:schemeClr val="tx2"/>
-                </a:solidFill>
-                <a:latin typeface="Calibri"/>
-                <a:ea typeface="ArialMT"/>
-              </a:rPr>
-              <a:t>/SO </a:t>
-            </a:r>
-            <a:r>
               <a:rPr lang="en-US" sz="1999" dirty="0">
                 <a:solidFill>
-                  <a:schemeClr val="tx2"/>
-                </a:solidFill>
-                <a:latin typeface="Calibri"/>
-                <a:ea typeface="ArialMT"/>
-              </a:rPr>
-              <a:t>observations </a:t>
-            </a:r>
-            <a:r>
-              <a:rPr lang="en-US" sz="1999" dirty="0">
-                <a:solidFill>
-                  <a:srgbClr val="000000"/>
-                </a:solidFill>
-                <a:latin typeface="Calibri"/>
-                <a:ea typeface="ArialMT"/>
-              </a:rPr>
-              <a:t>with SNR~1000, no telluric lines, 2 lines Fe I 630.1 &amp; 630.2 nm. Strong, symmetric signals. </a:t>
-            </a:r>
-            <a:endParaRPr sz="1799" dirty="0"/>
-          </a:p>
-          <a:p>
-            <a:pPr algn="just">
-              <a:lnSpc>
-                <a:spcPct val="100000"/>
-              </a:lnSpc>
-            </a:pPr>
-            <a:r>
-              <a:rPr lang="en-US" sz="1999" dirty="0">
-                <a:solidFill>
-                  <a:srgbClr val="000000"/>
-                </a:solidFill>
-                <a:latin typeface="Calibri"/>
-                <a:ea typeface="ArialMT"/>
-              </a:rPr>
-              <a:t>1. What kind of model would you use to invert them? </a:t>
-            </a:r>
-            <a:endParaRPr sz="1799" dirty="0"/>
-          </a:p>
-          <a:p>
-            <a:pPr algn="just">
-              <a:lnSpc>
-                <a:spcPct val="100000"/>
-              </a:lnSpc>
-            </a:pPr>
-            <a:r>
-              <a:rPr lang="en-US" sz="1999" dirty="0">
-                <a:solidFill>
-                  <a:srgbClr val="000000"/>
-                </a:solidFill>
-                <a:latin typeface="Calibri"/>
-                <a:ea typeface="ArialMT"/>
-              </a:rPr>
-              <a:t>2. Can the fit be improved with more nodes in T? (use 2 cycles!) </a:t>
-            </a:r>
-            <a:endParaRPr sz="1799" dirty="0"/>
-          </a:p>
-          <a:p>
-            <a:pPr algn="just">
-              <a:lnSpc>
-                <a:spcPct val="100000"/>
-              </a:lnSpc>
-            </a:pPr>
-            <a:r>
-              <a:rPr lang="en-US" sz="1999" dirty="0">
-                <a:solidFill>
-                  <a:srgbClr val="000000"/>
-                </a:solidFill>
-                <a:latin typeface="Calibri"/>
-                <a:ea typeface="ArialMT"/>
-              </a:rPr>
-              <a:t>3. What happens with 2 nodes in B and </a:t>
-            </a:r>
-            <a:r>
-              <a:rPr lang="en-US" sz="1999" dirty="0" err="1">
-                <a:solidFill>
-                  <a:srgbClr val="000000"/>
-                </a:solidFill>
-                <a:latin typeface="Calibri"/>
-                <a:ea typeface="ArialMT"/>
-              </a:rPr>
-              <a:t>v</a:t>
-            </a:r>
-            <a:r>
-              <a:rPr lang="en-US" sz="1999" baseline="-25000" dirty="0" err="1">
-                <a:solidFill>
-                  <a:srgbClr val="000000"/>
-                </a:solidFill>
-                <a:latin typeface="Calibri"/>
-                <a:ea typeface="ArialMT"/>
-              </a:rPr>
-              <a:t>LOS</a:t>
-            </a:r>
-            <a:r>
-              <a:rPr lang="en-US" sz="1999" dirty="0">
-                <a:solidFill>
-                  <a:srgbClr val="000000"/>
-                </a:solidFill>
-                <a:latin typeface="Calibri"/>
-                <a:ea typeface="ArialMT"/>
-              </a:rPr>
-              <a:t>? </a:t>
-            </a:r>
-            <a:endParaRPr sz="1799" dirty="0"/>
-          </a:p>
-          <a:p>
-            <a:pPr algn="just">
-              <a:lnSpc>
-                <a:spcPct val="100000"/>
-              </a:lnSpc>
-            </a:pPr>
-            <a:r>
-              <a:rPr lang="en-US" sz="1999" dirty="0">
-                <a:solidFill>
-                  <a:srgbClr val="000000"/>
-                </a:solidFill>
-                <a:latin typeface="Calibri"/>
-                <a:ea typeface="ArialMT"/>
-              </a:rPr>
-              <a:t>4. What happens with 10 nodes in B and </a:t>
-            </a:r>
-            <a:r>
-              <a:rPr lang="en-US" sz="1999" dirty="0" err="1">
-                <a:solidFill>
-                  <a:srgbClr val="000000"/>
-                </a:solidFill>
-                <a:latin typeface="Calibri"/>
-                <a:ea typeface="ArialMT"/>
-              </a:rPr>
-              <a:t>v</a:t>
-            </a:r>
-            <a:r>
-              <a:rPr lang="en-US" sz="1999" baseline="-25000" dirty="0" err="1">
-                <a:solidFill>
-                  <a:srgbClr val="000000"/>
-                </a:solidFill>
-                <a:latin typeface="Calibri"/>
-                <a:ea typeface="ArialMT"/>
-              </a:rPr>
-              <a:t>LOS</a:t>
-            </a:r>
-            <a:r>
-              <a:rPr lang="en-US" sz="1999" dirty="0">
-                <a:solidFill>
-                  <a:srgbClr val="000000"/>
-                </a:solidFill>
-                <a:latin typeface="Calibri"/>
-                <a:ea typeface="ArialMT"/>
-              </a:rPr>
-              <a:t>? </a:t>
-            </a:r>
-            <a:endParaRPr sz="1799" dirty="0"/>
-          </a:p>
-          <a:p>
-            <a:pPr algn="just">
-              <a:lnSpc>
-                <a:spcPct val="100000"/>
-              </a:lnSpc>
-            </a:pPr>
-            <a:endParaRPr sz="1799" dirty="0"/>
-          </a:p>
-          <a:p>
-            <a:pPr algn="just">
+                  <a:srgbClr val="000000"/>
+                </a:solidFill>
+                <a:latin typeface="Calibri"/>
+                <a:ea typeface="ArialMT"/>
+              </a:rPr>
+              <a:t>  </a:t>
+            </a:r>
+            <a:endParaRPr sz="1799" dirty="0"/>
+          </a:p>
+          <a:p>
+            <a:pPr>
+              <a:lnSpc>
+                <a:spcPct val="100000"/>
+              </a:lnSpc>
+            </a:pPr>
+            <a:endParaRPr sz="1799" dirty="0"/>
+          </a:p>
+          <a:p>
+            <a:pPr>
+              <a:lnSpc>
+                <a:spcPct val="100000"/>
+              </a:lnSpc>
+            </a:pPr>
+            <a:endParaRPr sz="1799" dirty="0"/>
+          </a:p>
+          <a:p>
+            <a:pPr>
               <a:lnSpc>
                 <a:spcPct val="100000"/>
               </a:lnSpc>
@@ -8882,6 +9283,16 @@
               <a:t>LOS</a:t>
             </a:r>
             <a:r>
+              <a:rPr lang="en-US" sz="1999" baseline="-25000" dirty="0">
+                <a:solidFill>
+                  <a:srgbClr val="000000"/>
+                </a:solidFill>
+                <a:latin typeface="Calibri"/>
+                <a:ea typeface="ArialMT"/>
+              </a:rPr>
+              <a:t> </a:t>
+            </a:r>
+            <a:r>
               <a:rPr lang="en-US" sz="1999" dirty="0">
                 <a:solidFill>
                   <a:srgbClr val="000000"/>
@@ -8889,12 +9300,12 @@
                 <a:latin typeface="Calibri"/>
                 <a:ea typeface="ArialMT"/>
               </a:rPr>
-              <a:t>, and inclination (modify hsra.mod) </a:t>
-            </a:r>
-            <a:endParaRPr sz="1799" dirty="0"/>
-          </a:p>
-          <a:p>
-            <a:pPr algn="just">
+              <a:t>, and inclination (modify hsra11.mod) </a:t>
+            </a:r>
+            <a:endParaRPr sz="1799" dirty="0"/>
+          </a:p>
+          <a:p>
+            <a:pPr>
               <a:lnSpc>
                 <a:spcPct val="100000"/>
               </a:lnSpc>
@@ -8907,7 +9318,27 @@
                 <a:latin typeface="Calibri"/>
                 <a:ea typeface="ArialMT"/>
               </a:rPr>
-              <a:t>        1. One node in B, </a:t>
+              <a:t>           •</a:t>
+            </a:r>
+            <a:r>
+              <a:rPr lang="en-US" sz="1999" dirty="0">
+                <a:solidFill>
+                  <a:srgbClr val="000000"/>
+                </a:solidFill>
+                <a:latin typeface="Calibri"/>
+                <a:ea typeface="Helvetica;Arial"/>
+              </a:rPr>
+              <a:t> </a:t>
+            </a:r>
+            <a:r>
+              <a:rPr lang="en-US" sz="1999" dirty="0">
+                <a:solidFill>
+                  <a:srgbClr val="000000"/>
+                </a:solidFill>
+                <a:latin typeface="Calibri"/>
+                <a:ea typeface="ArialMT"/>
+              </a:rPr>
+              <a:t>1 node in B, </a:t>
             </a:r>
             <a:r>
               <a:rPr lang="en-US" sz="1999" dirty="0" err="1">
@@ -8937,12 +9368,12 @@
                 <a:latin typeface="Calibri"/>
                 <a:ea typeface="ArialMT"/>
               </a:rPr>
-              <a:t>, inclination.</a:t>
-            </a:r>
-            <a:endParaRPr sz="1799" dirty="0"/>
-          </a:p>
-          <a:p>
-            <a:pPr algn="just">
+              <a:t>, inclination </a:t>
+            </a:r>
+            <a:endParaRPr sz="1799" dirty="0"/>
+          </a:p>
+          <a:p>
+            <a:pPr>
               <a:lnSpc>
                 <a:spcPct val="100000"/>
               </a:lnSpc>
@@ -8955,7 +9386,27 @@
                 <a:latin typeface="Calibri"/>
                 <a:ea typeface="ArialMT"/>
               </a:rPr>
-              <a:t>        2. Two nodes in B, </a:t>
+              <a:t>           •</a:t>
+            </a:r>
+            <a:r>
+              <a:rPr lang="en-US" sz="1999" dirty="0">
+                <a:solidFill>
+                  <a:srgbClr val="000000"/>
+                </a:solidFill>
+                <a:latin typeface="Calibri"/>
+                <a:ea typeface="Helvetica;Arial"/>
+              </a:rPr>
+              <a:t> </a:t>
+            </a:r>
+            <a:r>
+              <a:rPr lang="en-US" sz="1999" dirty="0">
+                <a:solidFill>
+                  <a:srgbClr val="000000"/>
+                </a:solidFill>
+                <a:latin typeface="Calibri"/>
+                <a:ea typeface="ArialMT"/>
+              </a:rPr>
+              <a:t>2 nodes in B, and </a:t>
             </a:r>
             <a:r>
               <a:rPr lang="en-US" sz="1999" dirty="0" err="1">
@@ -8978,6 +9429,16 @@
               <a:t>LOS</a:t>
             </a:r>
             <a:r>
+              <a:rPr lang="en-US" sz="1999" baseline="-25000" dirty="0">
+                <a:solidFill>
+                  <a:srgbClr val="000000"/>
+                </a:solidFill>
+                <a:latin typeface="Calibri"/>
+                <a:ea typeface="ArialMT"/>
+              </a:rPr>
+              <a:t> </a:t>
+            </a:r>
+            <a:r>
               <a:rPr lang="en-US" sz="1999" dirty="0">
                 <a:solidFill>
                   <a:srgbClr val="000000"/>
@@ -8985,8 +9446,16 @@
                 <a:latin typeface="Calibri"/>
                 <a:ea typeface="ArialMT"/>
               </a:rPr>
-              <a:t>, inclination. </a:t>
-            </a:r>
+              <a:t>inclination </a:t>
+            </a:r>
+            <a:endParaRPr sz="1799" dirty="0"/>
+          </a:p>
+          <a:p>
+            <a:pPr>
+              <a:lnSpc>
+                <a:spcPct val="100000"/>
+              </a:lnSpc>
+            </a:pPr>
             <a:endParaRPr sz="1799" dirty="0"/>
           </a:p>
           <a:p>
@@ -9018,7 +9487,7 @@
     </p:spTree>
     <p:extLst>
       <p:ext uri="{BB962C8B-B14F-4D97-AF65-F5344CB8AC3E}">
-        <p14:creationId xmlns:p14="http://schemas.microsoft.com/office/powerpoint/2010/main" val="3369688222"/>
+        <p14:creationId xmlns:p14="http://schemas.microsoft.com/office/powerpoint/2010/main" val="2232906733"/>
       </p:ext>
     </p:extLst>
   </p:cSld>
@@ -9075,7 +9544,7 @@
       </p:grpSpPr>
       <p:sp>
         <p:nvSpPr>
-          <p:cNvPr id="45" name="CustomShape 1"/>
+          <p:cNvPr id="42" name="CustomShape 1"/>
           <p:cNvSpPr/>
           <p:nvPr/>
         </p:nvSpPr>
@@ -9118,7 +9587,7 @@
               </a:lnSpc>
             </a:pPr>
             <a:r>
-              <a:rPr lang="en-US" sz="2489">
+              <a:rPr lang="en-US" sz="2489" dirty="0">
                 <a:solidFill>
                   <a:srgbClr val="000000"/>
                 </a:solidFill>
@@ -9128,29 +9597,29 @@
               <a:t>   </a:t>
             </a:r>
             <a:r>
-              <a:rPr lang="en-US" sz="2799">
+              <a:rPr lang="en-US" sz="2799" dirty="0">
                 <a:solidFill>
                   <a:srgbClr val="000000"/>
                 </a:solidFill>
                 <a:latin typeface="Calibri"/>
                 <a:ea typeface="DejaVu Sans"/>
               </a:rPr>
-              <a:t>Exercise 3</a:t>
-            </a:r>
-            <a:endParaRPr sz="1799"/>
+              <a:t>Exercise 2</a:t>
+            </a:r>
+            <a:endParaRPr sz="1799" dirty="0"/>
           </a:p>
         </p:txBody>
       </p:sp>
       <p:sp>
         <p:nvSpPr>
-          <p:cNvPr id="46" name="CustomShape 2"/>
+          <p:cNvPr id="43" name="CustomShape 2"/>
           <p:cNvSpPr/>
           <p:nvPr/>
         </p:nvSpPr>
         <p:spPr>
           <a:xfrm>
-            <a:off x="812293" y="6119589"/>
-            <a:ext cx="9244876" cy="1339717"/>
+            <a:off x="743922" y="6659363"/>
+            <a:ext cx="9217887" cy="808940"/>
           </a:xfrm>
           <a:prstGeom prst="rect">
             <a:avLst/>
@@ -9185,20 +9654,68 @@
           <a:p>
             <a:pPr>
               <a:lnSpc>
+                <a:spcPct val="100000"/>
+              </a:lnSpc>
+            </a:pPr>
+            <a:endParaRPr sz="1799"/>
+          </a:p>
+          <a:p>
+            <a:pPr>
+              <a:lnSpc>
                 <a:spcPct val="150000"/>
               </a:lnSpc>
             </a:pPr>
             <a:r>
-              <a:rPr lang="en-US" sz="1399" dirty="0">
-                <a:solidFill>
-                  <a:srgbClr val="000000"/>
-                </a:solidFill>
-                <a:latin typeface="Calibri"/>
-                <a:ea typeface="ArialMT"/>
-              </a:rPr>
-              <a:t>SIR writes the error bars in a .err file that you can read using:  </a:t>
-            </a:r>
-            <a:endParaRPr sz="1799" dirty="0"/>
+              <a:rPr lang="en-US" sz="1399">
+                <a:solidFill>
+                  <a:srgbClr val="000000"/>
+                </a:solidFill>
+                <a:latin typeface="Calibri"/>
+                <a:ea typeface="ArialMT"/>
+              </a:rPr>
+              <a:t>If no instrumental PSF is available, </a:t>
+            </a:r>
+            <a:r>
+              <a:rPr lang="en-US" sz="1399">
+                <a:solidFill>
+                  <a:srgbClr val="C00000"/>
+                </a:solidFill>
+                <a:latin typeface="Calibri"/>
+                <a:ea typeface="ArialMT"/>
+              </a:rPr>
+              <a:t>use macroturbulence </a:t>
+            </a:r>
+            <a:r>
+              <a:rPr lang="en-US" sz="1399">
+                <a:solidFill>
+                  <a:srgbClr val="000000"/>
+                </a:solidFill>
+                <a:latin typeface="Calibri"/>
+                <a:ea typeface="ArialMT"/>
+              </a:rPr>
+              <a:t>to mimic its effect (i.e, invert v</a:t>
+            </a:r>
+            <a:r>
+              <a:rPr lang="en-US" sz="1399" baseline="-25000">
+                <a:solidFill>
+                  <a:srgbClr val="000000"/>
+                </a:solidFill>
+                <a:latin typeface="Calibri"/>
+                <a:ea typeface="ArialMT"/>
+              </a:rPr>
+              <a:t>mac</a:t>
+            </a:r>
+            <a:r>
+              <a:rPr lang="en-US" sz="1399">
+                <a:solidFill>
+                  <a:srgbClr val="000000"/>
+                </a:solidFill>
+                <a:latin typeface="Calibri"/>
+                <a:ea typeface="ArialMT"/>
+              </a:rPr>
+              <a:t>)</a:t>
+            </a:r>
+            <a:endParaRPr sz="1799"/>
           </a:p>
           <a:p>
             <a:pPr>
@@ -9207,142 +9724,46 @@
               </a:lnSpc>
             </a:pPr>
             <a:r>
-              <a:rPr lang="en-US" sz="1399" dirty="0">
-                <a:solidFill>
-                  <a:srgbClr val="1F4E79"/>
-                </a:solidFill>
-                <a:latin typeface="Calibri"/>
-                <a:ea typeface="ArialMT"/>
-              </a:rPr>
-              <a:t>IDL&gt; </a:t>
-            </a:r>
-            <a:r>
-              <a:rPr lang="en-US" sz="1399" dirty="0" err="1">
+              <a:rPr lang="en-US" sz="1399">
                 <a:solidFill>
                   <a:srgbClr val="C00000"/>
                 </a:solidFill>
                 <a:latin typeface="Calibri"/>
                 <a:ea typeface="ArialMT"/>
               </a:rPr>
-              <a:t>read_model</a:t>
-            </a:r>
-            <a:r>
-              <a:rPr lang="en-US" sz="1399" dirty="0">
-                <a:solidFill>
-                  <a:srgbClr val="C00000"/>
-                </a:solidFill>
-                <a:latin typeface="Calibri"/>
-                <a:ea typeface="ArialMT"/>
-              </a:rPr>
-              <a:t>,</a:t>
-            </a:r>
-            <a:r>
-              <a:rPr lang="en-US" sz="1399" dirty="0">
-                <a:solidFill>
-                  <a:srgbClr val="000000"/>
-                </a:solidFill>
-                <a:latin typeface="Calibri"/>
-                <a:ea typeface="ArialMT"/>
-              </a:rPr>
-              <a:t>' [   ].err',logtau,T_err,p_err,mic_err,B_err,V_LOS,gamma,phi,mac,filling,stray</a:t>
-            </a:r>
-            <a:endParaRPr sz="1799" dirty="0"/>
-          </a:p>
-          <a:p>
-            <a:pPr>
-              <a:lnSpc>
-                <a:spcPct val="150000"/>
-              </a:lnSpc>
-            </a:pPr>
-            <a:r>
-              <a:rPr lang="en-US" sz="1399" dirty="0">
-                <a:solidFill>
-                  <a:srgbClr val="000000"/>
-                </a:solidFill>
-                <a:latin typeface="Calibri"/>
-                <a:ea typeface="ArialMT"/>
-              </a:rPr>
-              <a:t>And the region of sensitivity by:</a:t>
-            </a:r>
-            <a:endParaRPr sz="1799" dirty="0"/>
-          </a:p>
-          <a:p>
-            <a:pPr>
-              <a:lnSpc>
-                <a:spcPct val="150000"/>
-              </a:lnSpc>
-            </a:pPr>
-            <a:r>
-              <a:rPr lang="en-US" sz="1399" dirty="0">
-                <a:solidFill>
-                  <a:srgbClr val="1F4E79"/>
-                </a:solidFill>
-                <a:latin typeface="Calibri"/>
-                <a:ea typeface="ArialMT"/>
-              </a:rPr>
-              <a:t>IDL&gt; </a:t>
-            </a:r>
-            <a:r>
-              <a:rPr lang="en-US" sz="1399" dirty="0">
-                <a:solidFill>
-                  <a:srgbClr val="C00000"/>
-                </a:solidFill>
-                <a:latin typeface="Calibri"/>
-                <a:ea typeface="ArialMT"/>
-              </a:rPr>
-              <a:t>sensitivity</a:t>
-            </a:r>
-            <a:r>
-              <a:rPr lang="en-US" sz="1399" dirty="0">
-                <a:solidFill>
-                  <a:srgbClr val="000000"/>
-                </a:solidFill>
-                <a:latin typeface="Calibri"/>
-                <a:ea typeface="ArialMT"/>
-              </a:rPr>
-              <a:t>, </a:t>
-            </a:r>
-            <a:r>
-              <a:rPr lang="en-US" sz="1399" dirty="0" err="1">
-                <a:solidFill>
-                  <a:srgbClr val="000000"/>
-                </a:solidFill>
-                <a:latin typeface="Calibri"/>
-                <a:ea typeface="ArialMT"/>
-              </a:rPr>
-              <a:t>Stokes_obs,Stokes_syn,model,RF,logtau,uncertainties</a:t>
-            </a:r>
-            <a:endParaRPr sz="1799" dirty="0"/>
-          </a:p>
-          <a:p>
-            <a:pPr>
-              <a:lnSpc>
-                <a:spcPct val="100000"/>
-              </a:lnSpc>
-            </a:pPr>
-            <a:r>
-              <a:rPr lang="en-US" sz="1399" dirty="0">
-                <a:solidFill>
-                  <a:srgbClr val="000000"/>
-                </a:solidFill>
-                <a:latin typeface="Arial"/>
-                <a:ea typeface="ArialMT"/>
-              </a:rPr>
-              <a:t>	</a:t>
-            </a:r>
-            <a:endParaRPr sz="1799" dirty="0"/>
+              <a:t>Use more weight for Q, U and V </a:t>
+            </a:r>
+            <a:r>
+              <a:rPr lang="en-US" sz="1399">
+                <a:solidFill>
+                  <a:srgbClr val="000000"/>
+                </a:solidFill>
+                <a:latin typeface="Calibri"/>
+                <a:ea typeface="ArialMT"/>
+              </a:rPr>
+              <a:t>to force better fits to those parameters</a:t>
+            </a:r>
+            <a:endParaRPr sz="1799"/>
+          </a:p>
+          <a:p>
+            <a:pPr algn="ctr">
+              <a:lnSpc>
+                <a:spcPct val="100000"/>
+              </a:lnSpc>
+            </a:pPr>
+            <a:endParaRPr sz="1799"/>
           </a:p>
         </p:txBody>
       </p:sp>
       <p:sp>
         <p:nvSpPr>
-          <p:cNvPr id="47" name="CustomShape 3"/>
+          <p:cNvPr id="44" name="CustomShape 3"/>
           <p:cNvSpPr/>
           <p:nvPr/>
         </p:nvSpPr>
         <p:spPr>
           <a:xfrm>
-            <a:off x="812293" y="1219168"/>
+            <a:off x="812293" y="1236801"/>
             <a:ext cx="9244876" cy="5029967"/>
           </a:xfrm>
           <a:prstGeom prst="rect">
@@ -9382,20 +9803,28 @@
                 <a:latin typeface="Calibri"/>
                 <a:ea typeface="ArialMT"/>
               </a:rPr>
-              <a:t>Error estimation and Region of sensitivity. </a:t>
-            </a:r>
-            <a:endParaRPr sz="1799" dirty="0"/>
-          </a:p>
-          <a:p>
-            <a:pPr>
-              <a:lnSpc>
-                <a:spcPct val="100000"/>
-              </a:lnSpc>
-            </a:pPr>
-            <a:endParaRPr sz="1799" dirty="0"/>
-          </a:p>
-          <a:p>
-            <a:pPr>
+              <a:t>Inversion of profiles from dark-cored penumbral filament.</a:t>
+            </a:r>
+            <a:endParaRPr sz="1799" dirty="0"/>
+          </a:p>
+          <a:p>
+            <a:pPr>
+              <a:lnSpc>
+                <a:spcPct val="100000"/>
+              </a:lnSpc>
+            </a:pPr>
+            <a:endParaRPr sz="1799" dirty="0"/>
+          </a:p>
+          <a:p>
+            <a:pPr>
+              <a:lnSpc>
+                <a:spcPct val="100000"/>
+              </a:lnSpc>
+            </a:pPr>
+            <a:endParaRPr sz="1799" dirty="0"/>
+          </a:p>
+          <a:p>
+            <a:pPr algn="just">
               <a:lnSpc>
                 <a:spcPct val="100000"/>
               </a:lnSpc>
@@ -9410,35 +9839,38 @@
                 <a:latin typeface="Calibri"/>
                 <a:ea typeface="ArialMT"/>
               </a:rPr>
-              <a:t> Evaluate </a:t>
+              <a:t> </a:t>
+            </a:r>
+            <a:r>
+              <a:rPr lang="en-US" sz="1999" dirty="0" err="1" smtClean="0">
+                <a:solidFill>
+                  <a:schemeClr val="tx2"/>
+                </a:solidFill>
+                <a:latin typeface="Calibri"/>
+                <a:ea typeface="ArialMT"/>
+              </a:rPr>
+              <a:t>Hinode</a:t>
+            </a:r>
+            <a:r>
+              <a:rPr lang="en-US" sz="1999" dirty="0" smtClean="0">
+                <a:solidFill>
+                  <a:schemeClr val="tx2"/>
+                </a:solidFill>
+                <a:latin typeface="Calibri"/>
+                <a:ea typeface="ArialMT"/>
+              </a:rPr>
+              <a:t>/SO </a:t>
             </a:r>
             <a:r>
               <a:rPr lang="en-US" sz="1999" dirty="0">
                 <a:solidFill>
-                  <a:srgbClr val="000000"/>
-                </a:solidFill>
-                <a:latin typeface="Calibri"/>
-                <a:ea typeface="ArialMT"/>
-              </a:rPr>
-              <a:t>the error bars for magnetic field strength, inclination and azimuth for the last </a:t>
-            </a:r>
-            <a:r>
-              <a:rPr lang="en-US" sz="1999" dirty="0" smtClean="0">
-                <a:solidFill>
-                  <a:srgbClr val="000000"/>
-                </a:solidFill>
-                <a:latin typeface="Calibri"/>
-                <a:ea typeface="ArialMT"/>
-              </a:rPr>
-              <a:t> </a:t>
-            </a:r>
-          </a:p>
-          <a:p>
-            <a:pPr>
-              <a:lnSpc>
-                <a:spcPct val="100000"/>
-              </a:lnSpc>
-            </a:pPr>
+                  <a:schemeClr val="tx2"/>
+                </a:solidFill>
+                <a:latin typeface="Calibri"/>
+                <a:ea typeface="ArialMT"/>
+              </a:rPr>
+              <a:t>observations </a:t>
+            </a:r>
             <a:r>
               <a:rPr lang="en-US" sz="1999" dirty="0">
                 <a:solidFill>
@@ -9447,18 +9879,16 @@
                 <a:latin typeface="Calibri"/>
                 <a:ea typeface="ArialMT"/>
               </a:rPr>
-              <a:t> </a:t>
-            </a:r>
-            <a:r>
-              <a:rPr lang="en-US" sz="1999" dirty="0" smtClean="0">
-                <a:solidFill>
-                  <a:srgbClr val="000000"/>
-                </a:solidFill>
-                <a:latin typeface="Calibri"/>
-                <a:ea typeface="ArialMT"/>
-              </a:rPr>
-              <a:t>  inversion </a:t>
-            </a:r>
+              <a:t>with SNR~1000, no telluric lines, 2 lines Fe I 630.1 &amp; 630.2 nm. Strong, symmetric signals. </a:t>
+            </a:r>
+            <a:endParaRPr sz="1799" dirty="0"/>
+          </a:p>
+          <a:p>
+            <a:pPr algn="just">
+              <a:lnSpc>
+                <a:spcPct val="100000"/>
+              </a:lnSpc>
+            </a:pPr>
             <a:r>
               <a:rPr lang="en-US" sz="1999" dirty="0">
                 <a:solidFill>
@@ -9467,36 +9897,16 @@
                 <a:latin typeface="Calibri"/>
                 <a:ea typeface="ArialMT"/>
               </a:rPr>
-              <a:t>of Exercise 2</a:t>
-            </a:r>
-            <a:endParaRPr sz="1799" dirty="0"/>
-          </a:p>
-          <a:p>
-            <a:pPr>
-              <a:lnSpc>
-                <a:spcPct val="100000"/>
-              </a:lnSpc>
-            </a:pPr>
-            <a:endParaRPr sz="1799" dirty="0"/>
-          </a:p>
-          <a:p>
-            <a:pPr>
-              <a:lnSpc>
-                <a:spcPct val="100000"/>
-              </a:lnSpc>
-              <a:buFont typeface="Arial"/>
-              <a:buChar char="•"/>
-            </a:pPr>
-            <a:r>
-              <a:rPr lang="en-US" sz="1999" dirty="0" smtClean="0">
-                <a:solidFill>
-                  <a:srgbClr val="000000"/>
-                </a:solidFill>
-                <a:latin typeface="Calibri"/>
-                <a:ea typeface="ArialMT"/>
-              </a:rPr>
-              <a:t> Evaluate </a:t>
-            </a:r>
+              <a:t>1. What kind of model would you use to invert them? </a:t>
+            </a:r>
+            <a:endParaRPr sz="1799" dirty="0"/>
+          </a:p>
+          <a:p>
+            <a:pPr algn="just">
+              <a:lnSpc>
+                <a:spcPct val="100000"/>
+              </a:lnSpc>
+            </a:pPr>
             <a:r>
               <a:rPr lang="en-US" sz="1999" dirty="0">
                 <a:solidFill>
@@ -9505,8 +9915,112 @@
                 <a:latin typeface="Calibri"/>
                 <a:ea typeface="ArialMT"/>
               </a:rPr>
-              <a:t>the region of sensitivity of the azimuth.</a:t>
-            </a:r>
+              <a:t>2. Can the fit be improved with more nodes in T? (use 2 cycles!) </a:t>
+            </a:r>
+            <a:endParaRPr sz="1799" dirty="0"/>
+          </a:p>
+          <a:p>
+            <a:pPr algn="just">
+              <a:lnSpc>
+                <a:spcPct val="100000"/>
+              </a:lnSpc>
+            </a:pPr>
+            <a:r>
+              <a:rPr lang="en-US" sz="1999" dirty="0">
+                <a:solidFill>
+                  <a:srgbClr val="000000"/>
+                </a:solidFill>
+                <a:latin typeface="Calibri"/>
+                <a:ea typeface="ArialMT"/>
+              </a:rPr>
+              <a:t>3. What happens with 2 nodes in B and </a:t>
+            </a:r>
+            <a:r>
+              <a:rPr lang="en-US" sz="1999" dirty="0" err="1">
+                <a:solidFill>
+                  <a:srgbClr val="000000"/>
+                </a:solidFill>
+                <a:latin typeface="Calibri"/>
+                <a:ea typeface="ArialMT"/>
+              </a:rPr>
+              <a:t>v</a:t>
+            </a:r>
+            <a:r>
+              <a:rPr lang="en-US" sz="1999" baseline="-25000" dirty="0" err="1">
+                <a:solidFill>
+                  <a:srgbClr val="000000"/>
+                </a:solidFill>
+                <a:latin typeface="Calibri"/>
+                <a:ea typeface="ArialMT"/>
+              </a:rPr>
+              <a:t>LOS</a:t>
+            </a:r>
+            <a:r>
+              <a:rPr lang="en-US" sz="1999" dirty="0">
+                <a:solidFill>
+                  <a:srgbClr val="000000"/>
+                </a:solidFill>
+                <a:latin typeface="Calibri"/>
+                <a:ea typeface="ArialMT"/>
+              </a:rPr>
+              <a:t>? </a:t>
+            </a:r>
+            <a:endParaRPr sz="1799" dirty="0"/>
+          </a:p>
+          <a:p>
+            <a:pPr algn="just">
+              <a:lnSpc>
+                <a:spcPct val="100000"/>
+              </a:lnSpc>
+            </a:pPr>
+            <a:r>
+              <a:rPr lang="en-US" sz="1999" dirty="0">
+                <a:solidFill>
+                  <a:srgbClr val="000000"/>
+                </a:solidFill>
+                <a:latin typeface="Calibri"/>
+                <a:ea typeface="ArialMT"/>
+              </a:rPr>
+              <a:t>4. What happens with 10 nodes in B and </a:t>
+            </a:r>
+            <a:r>
+              <a:rPr lang="en-US" sz="1999" dirty="0" err="1">
+                <a:solidFill>
+                  <a:srgbClr val="000000"/>
+                </a:solidFill>
+                <a:latin typeface="Calibri"/>
+                <a:ea typeface="ArialMT"/>
+              </a:rPr>
+              <a:t>v</a:t>
+            </a:r>
+            <a:r>
+              <a:rPr lang="en-US" sz="1999" baseline="-25000" dirty="0" err="1">
+                <a:solidFill>
+                  <a:srgbClr val="000000"/>
+                </a:solidFill>
+                <a:latin typeface="Calibri"/>
+                <a:ea typeface="ArialMT"/>
+              </a:rPr>
+              <a:t>LOS</a:t>
+            </a:r>
+            <a:r>
+              <a:rPr lang="en-US" sz="1999" dirty="0">
+                <a:solidFill>
+                  <a:srgbClr val="000000"/>
+                </a:solidFill>
+                <a:latin typeface="Calibri"/>
+                <a:ea typeface="ArialMT"/>
+              </a:rPr>
+              <a:t>? </a:t>
+            </a:r>
+            <a:endParaRPr sz="1799" dirty="0"/>
+          </a:p>
+          <a:p>
+            <a:pPr algn="just">
+              <a:lnSpc>
+                <a:spcPct val="100000"/>
+              </a:lnSpc>
+            </a:pPr>
             <a:endParaRPr sz="1799" dirty="0"/>
           </a:p>
           <a:p>
@@ -9538,7 +10052,7 @@
     </p:spTree>
     <p:extLst>
       <p:ext uri="{BB962C8B-B14F-4D97-AF65-F5344CB8AC3E}">
-        <p14:creationId xmlns:p14="http://schemas.microsoft.com/office/powerpoint/2010/main" val="4171591084"/>
+        <p14:creationId xmlns:p14="http://schemas.microsoft.com/office/powerpoint/2010/main" val="3369688222"/>
       </p:ext>
     </p:extLst>
   </p:cSld>
@@ -9638,7 +10152,7 @@
               </a:lnSpc>
             </a:pPr>
             <a:r>
-              <a:rPr lang="en-US" sz="2489" dirty="0">
+              <a:rPr lang="en-US" sz="2489">
                 <a:solidFill>
                   <a:srgbClr val="000000"/>
                 </a:solidFill>
@@ -9648,24 +10162,217 @@
               <a:t>   </a:t>
             </a:r>
             <a:r>
-              <a:rPr lang="en-US" sz="2799" dirty="0">
+              <a:rPr lang="en-US" sz="2799">
                 <a:solidFill>
                   <a:srgbClr val="000000"/>
                 </a:solidFill>
                 <a:latin typeface="Calibri"/>
                 <a:ea typeface="DejaVu Sans"/>
               </a:rPr>
-              <a:t>Exercise </a:t>
-            </a:r>
-            <a:r>
-              <a:rPr lang="en-US" sz="2799" dirty="0" smtClean="0">
-                <a:solidFill>
-                  <a:srgbClr val="000000"/>
-                </a:solidFill>
-                <a:latin typeface="Calibri"/>
-                <a:ea typeface="DejaVu Sans"/>
-              </a:rPr>
-              <a:t>4</a:t>
+              <a:t>Exercise 3</a:t>
+            </a:r>
+            <a:endParaRPr sz="1799"/>
+          </a:p>
+        </p:txBody>
+      </p:sp>
+      <p:sp>
+        <p:nvSpPr>
+          <p:cNvPr id="46" name="CustomShape 2"/>
+          <p:cNvSpPr/>
+          <p:nvPr/>
+        </p:nvSpPr>
+        <p:spPr>
+          <a:xfrm>
+            <a:off x="812293" y="6119589"/>
+            <a:ext cx="9244876" cy="1339717"/>
+          </a:xfrm>
+          <a:prstGeom prst="rect">
+            <a:avLst/>
+          </a:prstGeom>
+          <a:solidFill>
+            <a:schemeClr val="accent1">
+              <a:lumMod val="40000"/>
+              <a:lumOff val="60000"/>
+            </a:schemeClr>
+          </a:solidFill>
+          <a:ln>
+            <a:round/>
+          </a:ln>
+        </p:spPr>
+        <p:style>
+          <a:lnRef idx="2">
+            <a:schemeClr val="accent1">
+              <a:shade val="50000"/>
+            </a:schemeClr>
+          </a:lnRef>
+          <a:fillRef idx="1">
+            <a:schemeClr val="accent1"/>
+          </a:fillRef>
+          <a:effectRef idx="0">
+            <a:schemeClr val="accent1"/>
+          </a:effectRef>
+          <a:fontRef idx="minor"/>
+        </p:style>
+        <p:txBody>
+          <a:bodyPr lIns="89962" tIns="44981" rIns="89962" bIns="44981" anchor="ctr"/>
+          <a:lstStyle/>
+          <a:p>
+            <a:pPr>
+              <a:lnSpc>
+                <a:spcPct val="150000"/>
+              </a:lnSpc>
+            </a:pPr>
+            <a:r>
+              <a:rPr lang="en-US" sz="1399" dirty="0">
+                <a:solidFill>
+                  <a:srgbClr val="000000"/>
+                </a:solidFill>
+                <a:latin typeface="Calibri"/>
+                <a:ea typeface="ArialMT"/>
+              </a:rPr>
+              <a:t>SIR writes the error bars in a .err file that you can read using:  </a:t>
+            </a:r>
+            <a:endParaRPr sz="1799" dirty="0"/>
+          </a:p>
+          <a:p>
+            <a:pPr>
+              <a:lnSpc>
+                <a:spcPct val="150000"/>
+              </a:lnSpc>
+            </a:pPr>
+            <a:r>
+              <a:rPr lang="en-US" sz="1399" dirty="0">
+                <a:solidFill>
+                  <a:srgbClr val="1F4E79"/>
+                </a:solidFill>
+                <a:latin typeface="Calibri"/>
+                <a:ea typeface="ArialMT"/>
+              </a:rPr>
+              <a:t>IDL&gt; </a:t>
+            </a:r>
+            <a:r>
+              <a:rPr lang="en-US" sz="1399" dirty="0" err="1">
+                <a:solidFill>
+                  <a:srgbClr val="C00000"/>
+                </a:solidFill>
+                <a:latin typeface="Calibri"/>
+                <a:ea typeface="ArialMT"/>
+              </a:rPr>
+              <a:t>read_model</a:t>
+            </a:r>
+            <a:r>
+              <a:rPr lang="en-US" sz="1399" dirty="0">
+                <a:solidFill>
+                  <a:srgbClr val="C00000"/>
+                </a:solidFill>
+                <a:latin typeface="Calibri"/>
+                <a:ea typeface="ArialMT"/>
+              </a:rPr>
+              <a:t>,</a:t>
+            </a:r>
+            <a:r>
+              <a:rPr lang="en-US" sz="1399" dirty="0">
+                <a:solidFill>
+                  <a:srgbClr val="000000"/>
+                </a:solidFill>
+                <a:latin typeface="Calibri"/>
+                <a:ea typeface="ArialMT"/>
+              </a:rPr>
+              <a:t>' [   ].err',</a:t>
+            </a:r>
+            <a:r>
+              <a:rPr lang="en-US" sz="1399" dirty="0" smtClean="0">
+                <a:solidFill>
+                  <a:srgbClr val="000000"/>
+                </a:solidFill>
+                <a:latin typeface="Calibri"/>
+                <a:ea typeface="ArialMT"/>
+              </a:rPr>
+              <a:t>logtau,T_err,p_err,mic_err,B_err,V_LOS,gamma,phi,z,pg,rho,mac,filling,stray</a:t>
+            </a:r>
+            <a:endParaRPr sz="1799" dirty="0"/>
+          </a:p>
+          <a:p>
+            <a:pPr>
+              <a:lnSpc>
+                <a:spcPct val="150000"/>
+              </a:lnSpc>
+            </a:pPr>
+            <a:r>
+              <a:rPr lang="en-US" sz="1399" dirty="0">
+                <a:solidFill>
+                  <a:srgbClr val="000000"/>
+                </a:solidFill>
+                <a:latin typeface="Calibri"/>
+                <a:ea typeface="ArialMT"/>
+              </a:rPr>
+              <a:t>And the region of sensitivity by:</a:t>
+            </a:r>
+            <a:endParaRPr sz="1799" dirty="0"/>
+          </a:p>
+          <a:p>
+            <a:pPr>
+              <a:lnSpc>
+                <a:spcPct val="150000"/>
+              </a:lnSpc>
+            </a:pPr>
+            <a:r>
+              <a:rPr lang="en-US" sz="1399" dirty="0">
+                <a:solidFill>
+                  <a:srgbClr val="1F4E79"/>
+                </a:solidFill>
+                <a:latin typeface="Calibri"/>
+                <a:ea typeface="ArialMT"/>
+              </a:rPr>
+              <a:t>IDL&gt; </a:t>
+            </a:r>
+            <a:r>
+              <a:rPr lang="en-US" sz="1399" dirty="0">
+                <a:solidFill>
+                  <a:srgbClr val="C00000"/>
+                </a:solidFill>
+                <a:latin typeface="Calibri"/>
+                <a:ea typeface="ArialMT"/>
+              </a:rPr>
+              <a:t>sensitivity</a:t>
+            </a:r>
+            <a:r>
+              <a:rPr lang="en-US" sz="1399" dirty="0">
+                <a:solidFill>
+                  <a:srgbClr val="000000"/>
+                </a:solidFill>
+                <a:latin typeface="Calibri"/>
+                <a:ea typeface="ArialMT"/>
+              </a:rPr>
+              <a:t>, </a:t>
+            </a:r>
+            <a:r>
+              <a:rPr lang="en-US" sz="1399" dirty="0" err="1">
+                <a:solidFill>
+                  <a:srgbClr val="000000"/>
+                </a:solidFill>
+                <a:latin typeface="Calibri"/>
+                <a:ea typeface="ArialMT"/>
+              </a:rPr>
+              <a:t>Stokes_obs,Stokes_syn,model,RF,logtau,uncertainties</a:t>
+            </a:r>
+            <a:endParaRPr sz="1799" dirty="0"/>
+          </a:p>
+          <a:p>
+            <a:pPr>
+              <a:lnSpc>
+                <a:spcPct val="100000"/>
+              </a:lnSpc>
+            </a:pPr>
+            <a:r>
+              <a:rPr lang="en-US" sz="1399" dirty="0">
+                <a:solidFill>
+                  <a:srgbClr val="000000"/>
+                </a:solidFill>
+                <a:latin typeface="Arial"/>
+                <a:ea typeface="ArialMT"/>
+              </a:rPr>
+              <a:t>	</a:t>
             </a:r>
             <a:endParaRPr sz="1799" dirty="0"/>
           </a:p>
@@ -9680,7 +10387,7 @@
         <p:spPr>
           <a:xfrm>
             <a:off x="812293" y="1219168"/>
-            <a:ext cx="9244876" cy="4900421"/>
+            <a:ext cx="9244876" cy="5029967"/>
           </a:xfrm>
           <a:prstGeom prst="rect">
             <a:avLst/>
@@ -9712,202 +10419,139 @@
               </a:lnSpc>
             </a:pPr>
             <a:r>
-              <a:rPr lang="en-US" sz="1999" u="sng" dirty="0" smtClean="0">
+              <a:rPr lang="en-US" sz="1999" u="sng" dirty="0">
                 <a:solidFill>
                   <a:srgbClr val="C00000"/>
                 </a:solidFill>
                 <a:latin typeface="Calibri"/>
                 <a:ea typeface="ArialMT"/>
               </a:rPr>
-              <a:t>Inversion of SPINOR data</a:t>
-            </a:r>
-          </a:p>
-          <a:p>
-            <a:pPr>
-              <a:lnSpc>
-                <a:spcPct val="100000"/>
-              </a:lnSpc>
+              <a:t>Error estimation and Region of sensitivity. </a:t>
+            </a:r>
+            <a:endParaRPr sz="1799" dirty="0"/>
+          </a:p>
+          <a:p>
+            <a:pPr>
+              <a:lnSpc>
+                <a:spcPct val="100000"/>
+              </a:lnSpc>
+            </a:pPr>
+            <a:endParaRPr sz="1799" dirty="0"/>
+          </a:p>
+          <a:p>
+            <a:pPr>
+              <a:lnSpc>
+                <a:spcPct val="100000"/>
+              </a:lnSpc>
+              <a:buFont typeface="Arial"/>
+              <a:buChar char="•"/>
             </a:pPr>
             <a:r>
               <a:rPr lang="en-US" sz="1999" dirty="0" smtClean="0">
                 <a:solidFill>
-                  <a:schemeClr val="tx2"/>
-                </a:solidFill>
-                <a:latin typeface="Calibri"/>
-              </a:rPr>
-              <a:t>SPINOR: </a:t>
-            </a:r>
-            <a:r>
-              <a:rPr lang="en-US" sz="1999" dirty="0" err="1" smtClean="0">
-                <a:solidFill>
-                  <a:schemeClr val="tx2"/>
-                </a:solidFill>
-                <a:latin typeface="Calibri"/>
-              </a:rPr>
-              <a:t>Spectro</a:t>
+                  <a:srgbClr val="000000"/>
+                </a:solidFill>
+                <a:latin typeface="Calibri"/>
+                <a:ea typeface="ArialMT"/>
+              </a:rPr>
+              <a:t> Evaluate </a:t>
+            </a:r>
+            <a:r>
+              <a:rPr lang="en-US" sz="1999" dirty="0">
+                <a:solidFill>
+                  <a:srgbClr val="000000"/>
+                </a:solidFill>
+                <a:latin typeface="Calibri"/>
+                <a:ea typeface="ArialMT"/>
+              </a:rPr>
+              <a:t>the error bars for magnetic field strength, inclination and azimuth for the last </a:t>
             </a:r>
             <a:r>
               <a:rPr lang="en-US" sz="1999" dirty="0" smtClean="0">
                 <a:solidFill>
-                  <a:schemeClr val="tx2"/>
-                </a:solidFill>
-                <a:latin typeface="Calibri"/>
+                  <a:srgbClr val="000000"/>
+                </a:solidFill>
+                <a:latin typeface="Calibri"/>
+                <a:ea typeface="ArialMT"/>
               </a:rPr>
               <a:t> </a:t>
             </a:r>
-            <a:r>
-              <a:rPr lang="en-US" sz="1999" dirty="0" err="1" smtClean="0">
-                <a:solidFill>
-                  <a:schemeClr val="tx2"/>
-                </a:solidFill>
-                <a:latin typeface="Calibri"/>
-              </a:rPr>
-              <a:t>Polarimeter</a:t>
+          </a:p>
+          <a:p>
+            <a:pPr>
+              <a:lnSpc>
+                <a:spcPct val="100000"/>
+              </a:lnSpc>
+            </a:pPr>
+            <a:r>
+              <a:rPr lang="en-US" sz="1999" dirty="0">
+                <a:solidFill>
+                  <a:srgbClr val="000000"/>
+                </a:solidFill>
+                <a:latin typeface="Calibri"/>
+                <a:ea typeface="ArialMT"/>
+              </a:rPr>
+              <a:t> </a:t>
             </a:r>
             <a:r>
               <a:rPr lang="en-US" sz="1999" dirty="0" smtClean="0">
                 <a:solidFill>
-                  <a:schemeClr val="tx2"/>
-                </a:solidFill>
-                <a:latin typeface="Calibri"/>
-              </a:rPr>
-              <a:t> for Infrared and Optical Regions (NSO/HAO)</a:t>
-            </a:r>
-          </a:p>
-          <a:p>
-            <a:pPr>
-              <a:lnSpc>
-                <a:spcPct val="100000"/>
-              </a:lnSpc>
-            </a:pPr>
+                  <a:srgbClr val="000000"/>
+                </a:solidFill>
+                <a:latin typeface="Calibri"/>
+                <a:ea typeface="ArialMT"/>
+              </a:rPr>
+              <a:t>  inversion </a:t>
+            </a:r>
             <a:r>
               <a:rPr lang="en-US" sz="1999" dirty="0">
                 <a:solidFill>
-                  <a:schemeClr val="tx2"/>
-                </a:solidFill>
-                <a:latin typeface="Calibri"/>
-              </a:rPr>
-              <a:t> </a:t>
-            </a:r>
+                  <a:srgbClr val="000000"/>
+                </a:solidFill>
+                <a:latin typeface="Calibri"/>
+                <a:ea typeface="ArialMT"/>
+              </a:rPr>
+              <a:t>of Exercise 2</a:t>
+            </a:r>
+            <a:endParaRPr sz="1799" dirty="0"/>
+          </a:p>
+          <a:p>
+            <a:pPr>
+              <a:lnSpc>
+                <a:spcPct val="100000"/>
+              </a:lnSpc>
+            </a:pPr>
+            <a:endParaRPr sz="1799" dirty="0"/>
+          </a:p>
+          <a:p>
+            <a:pPr>
+              <a:lnSpc>
+                <a:spcPct val="100000"/>
+              </a:lnSpc>
+              <a:buFont typeface="Arial"/>
+              <a:buChar char="•"/>
+            </a:pPr>
             <a:r>
               <a:rPr lang="en-US" sz="1999" dirty="0" smtClean="0">
                 <a:solidFill>
-                  <a:schemeClr val="tx2"/>
-                </a:solidFill>
-                <a:latin typeface="Calibri"/>
-              </a:rPr>
-              <a:t>               @ Dunn Solar Telescope on Sacramento Peak</a:t>
-            </a:r>
-          </a:p>
-          <a:p>
-            <a:pPr>
-              <a:lnSpc>
-                <a:spcPct val="100000"/>
-              </a:lnSpc>
-            </a:pPr>
+                  <a:srgbClr val="000000"/>
+                </a:solidFill>
+                <a:latin typeface="Calibri"/>
+                <a:ea typeface="ArialMT"/>
+              </a:rPr>
+              <a:t> Evaluate </a:t>
+            </a:r>
             <a:r>
               <a:rPr lang="en-US" sz="1999" dirty="0">
                 <a:solidFill>
-                  <a:schemeClr val="tx2"/>
-                </a:solidFill>
-                <a:latin typeface="Calibri"/>
-              </a:rPr>
-              <a:t> </a:t>
-            </a:r>
-            <a:r>
-              <a:rPr lang="en-US" sz="1999" dirty="0" smtClean="0">
-                <a:solidFill>
-                  <a:schemeClr val="tx2"/>
-                </a:solidFill>
-                <a:latin typeface="Calibri"/>
-              </a:rPr>
-              <a:t>               </a:t>
-            </a:r>
-            <a:endParaRPr lang="en-US" sz="1999" dirty="0">
-              <a:solidFill>
-                <a:schemeClr val="tx2"/>
-              </a:solidFill>
-              <a:latin typeface="Calibri"/>
-            </a:endParaRPr>
-          </a:p>
-          <a:p>
-            <a:pPr>
-              <a:lnSpc>
-                <a:spcPct val="100000"/>
-              </a:lnSpc>
-            </a:pPr>
-            <a:endParaRPr lang="en-US" sz="1999" u="sng" dirty="0" smtClean="0">
-              <a:solidFill>
-                <a:srgbClr val="C00000"/>
-              </a:solidFill>
-              <a:latin typeface="Calibri"/>
-            </a:endParaRPr>
-          </a:p>
-          <a:p>
-            <a:pPr>
-              <a:lnSpc>
-                <a:spcPct val="100000"/>
-              </a:lnSpc>
-            </a:pPr>
-            <a:endParaRPr lang="en-US" sz="1999" u="sng" dirty="0">
-              <a:solidFill>
-                <a:srgbClr val="C00000"/>
-              </a:solidFill>
-              <a:latin typeface="Calibri"/>
-            </a:endParaRPr>
-          </a:p>
-          <a:p>
-            <a:pPr>
-              <a:lnSpc>
-                <a:spcPct val="100000"/>
-              </a:lnSpc>
-            </a:pPr>
-            <a:endParaRPr lang="en-US" sz="1999" u="sng" dirty="0" smtClean="0">
-              <a:solidFill>
-                <a:srgbClr val="C00000"/>
-              </a:solidFill>
-              <a:latin typeface="Calibri"/>
-            </a:endParaRPr>
-          </a:p>
-          <a:p>
-            <a:pPr>
-              <a:lnSpc>
-                <a:spcPct val="100000"/>
-              </a:lnSpc>
-            </a:pPr>
-            <a:endParaRPr lang="es-ES" sz="1799" dirty="0" smtClean="0"/>
-          </a:p>
-          <a:p>
-            <a:pPr>
-              <a:lnSpc>
-                <a:spcPct val="100000"/>
-              </a:lnSpc>
-            </a:pPr>
-            <a:endParaRPr lang="es-ES" sz="1799" dirty="0"/>
-          </a:p>
-          <a:p>
-            <a:pPr>
-              <a:lnSpc>
-                <a:spcPct val="100000"/>
-              </a:lnSpc>
-            </a:pPr>
-            <a:endParaRPr sz="1799" dirty="0"/>
-          </a:p>
-          <a:p>
-            <a:pPr>
-              <a:lnSpc>
-                <a:spcPct val="100000"/>
-              </a:lnSpc>
-            </a:pPr>
-            <a:endParaRPr lang="es-ES" sz="1799" dirty="0" smtClean="0"/>
-          </a:p>
-          <a:p>
-            <a:pPr>
-              <a:lnSpc>
-                <a:spcPct val="100000"/>
-              </a:lnSpc>
-            </a:pPr>
-            <a:endParaRPr lang="es-ES" sz="1799" dirty="0"/>
+                  <a:srgbClr val="000000"/>
+                </a:solidFill>
+                <a:latin typeface="Calibri"/>
+                <a:ea typeface="ArialMT"/>
+              </a:rPr>
+              <a:t>the region of sensitivity of the azimuth.</a:t>
+            </a:r>
+            <a:endParaRPr sz="1799" dirty="0"/>
           </a:p>
           <a:p>
             <a:pPr>
@@ -9935,40 +10579,10 @@
           </a:p>
         </p:txBody>
       </p:sp>
-      <p:pic>
-        <p:nvPicPr>
-          <p:cNvPr id="2" name="Imagen 1"/>
-          <p:cNvPicPr>
-            <a:picLocks noChangeAspect="1"/>
-          </p:cNvPicPr>
-          <p:nvPr/>
-        </p:nvPicPr>
-        <p:blipFill>
-          <a:blip r:embed="rId2" cstate="print">
-            <a:extLst>
-              <a:ext uri="{28A0092B-C50C-407E-A947-70E740481C1C}">
-                <a14:useLocalDpi xmlns:a14="http://schemas.microsoft.com/office/drawing/2010/main" val="0"/>
-              </a:ext>
-            </a:extLst>
-          </a:blip>
-          <a:stretch>
-            <a:fillRect/>
-          </a:stretch>
-        </p:blipFill>
-        <p:spPr>
-          <a:xfrm>
-            <a:off x="1003300" y="2178049"/>
-            <a:ext cx="7924800" cy="5388429"/>
-          </a:xfrm>
-          <a:prstGeom prst="rect">
-            <a:avLst/>
-          </a:prstGeom>
-        </p:spPr>
-      </p:pic>
     </p:spTree>
     <p:extLst>
       <p:ext uri="{BB962C8B-B14F-4D97-AF65-F5344CB8AC3E}">
-        <p14:creationId xmlns:p14="http://schemas.microsoft.com/office/powerpoint/2010/main" val="1693540053"/>
+        <p14:creationId xmlns:p14="http://schemas.microsoft.com/office/powerpoint/2010/main" val="4171591084"/>
       </p:ext>
     </p:extLst>
   </p:cSld>
@@ -10367,7 +10981,7 @@
       </p:sp>
       <p:pic>
         <p:nvPicPr>
-          <p:cNvPr id="3" name="Imagen 2"/>
+          <p:cNvPr id="2" name="Imagen 1"/>
           <p:cNvPicPr>
             <a:picLocks noChangeAspect="1"/>
           </p:cNvPicPr>
@@ -10387,8 +11001,8 @@
         </p:blipFill>
         <p:spPr>
           <a:xfrm>
-            <a:off x="1079500" y="2222500"/>
-            <a:ext cx="7467600" cy="5334000"/>
+            <a:off x="1003300" y="2178049"/>
+            <a:ext cx="7924800" cy="5388429"/>
           </a:xfrm>
           <a:prstGeom prst="rect">
             <a:avLst/>
@@ -10398,7 +11012,7 @@
     </p:spTree>
     <p:extLst>
       <p:ext uri="{BB962C8B-B14F-4D97-AF65-F5344CB8AC3E}">
-        <p14:creationId xmlns:p14="http://schemas.microsoft.com/office/powerpoint/2010/main" val="3106959582"/>
+        <p14:creationId xmlns:p14="http://schemas.microsoft.com/office/powerpoint/2010/main" val="1693540053"/>
       </p:ext>
     </p:extLst>
   </p:cSld>
@@ -10683,37 +11297,11 @@
               </a:rPr>
               <a:t>               </a:t>
             </a:r>
-            <a:endParaRPr sz="1799" dirty="0"/>
-          </a:p>
-          <a:p>
-            <a:pPr>
-              <a:lnSpc>
-                <a:spcPct val="100000"/>
-              </a:lnSpc>
-            </a:pPr>
-            <a:r>
-              <a:rPr lang="en-US" sz="2000" dirty="0" smtClean="0">
-                <a:solidFill>
-                  <a:srgbClr val="000000"/>
-                </a:solidFill>
-                <a:latin typeface="Calibri"/>
-                <a:ea typeface="ArialMT"/>
-              </a:rPr>
-              <a:t>Multiline inversion including blends</a:t>
-            </a:r>
-          </a:p>
-          <a:p>
-            <a:pPr>
-              <a:lnSpc>
-                <a:spcPct val="100000"/>
-              </a:lnSpc>
-            </a:pPr>
-            <a:endParaRPr lang="en-US" sz="2000" dirty="0" smtClean="0">
+            <a:endParaRPr lang="en-US" sz="1999" dirty="0">
               <a:solidFill>
-                <a:srgbClr val="000000"/>
+                <a:schemeClr val="tx2"/>
               </a:solidFill>
               <a:latin typeface="Calibri"/>
-              <a:ea typeface="ArialMT"/>
             </a:endParaRPr>
           </a:p>
           <a:p>
@@ -10722,186 +11310,78 @@
                 <a:spcPct val="100000"/>
               </a:lnSpc>
             </a:pPr>
-            <a:r>
-              <a:rPr lang="en-US" sz="2000" dirty="0" smtClean="0">
-                <a:solidFill>
-                  <a:srgbClr val="000000"/>
-                </a:solidFill>
-                <a:latin typeface="Calibri"/>
-                <a:ea typeface="ArialMT"/>
-              </a:rPr>
-              <a:t>1. Select the spectral regions around the Fe I lines: </a:t>
-            </a:r>
-          </a:p>
-          <a:p>
-            <a:pPr>
-              <a:lnSpc>
-                <a:spcPct val="100000"/>
-              </a:lnSpc>
-            </a:pPr>
-            <a:r>
-              <a:rPr lang="en-US" sz="2000" dirty="0">
-                <a:solidFill>
-                  <a:srgbClr val="000000"/>
-                </a:solidFill>
-                <a:latin typeface="Calibri"/>
-                <a:ea typeface="ArialMT"/>
-              </a:rPr>
-              <a:t> </a:t>
-            </a:r>
-            <a:r>
-              <a:rPr lang="en-US" sz="2000" dirty="0" smtClean="0">
-                <a:solidFill>
-                  <a:srgbClr val="000000"/>
-                </a:solidFill>
-                <a:latin typeface="Calibri"/>
-                <a:ea typeface="ArialMT"/>
-              </a:rPr>
-              <a:t>    1562.1, 1563.2, 1564.5 (blended with 64.85 &amp; 65.29), 1566.2 (blended with 66.5)</a:t>
-            </a:r>
-          </a:p>
-          <a:p>
-            <a:pPr>
-              <a:lnSpc>
-                <a:spcPct val="100000"/>
-              </a:lnSpc>
-            </a:pPr>
-            <a:r>
-              <a:rPr lang="en-US" sz="2000" dirty="0" smtClean="0">
-                <a:solidFill>
-                  <a:srgbClr val="000000"/>
-                </a:solidFill>
-                <a:latin typeface="Calibri"/>
-                <a:ea typeface="ArialMT"/>
-              </a:rPr>
-              <a:t>2. Write the profile and grid files</a:t>
-            </a:r>
-          </a:p>
-          <a:p>
-            <a:pPr>
-              <a:lnSpc>
-                <a:spcPct val="100000"/>
-              </a:lnSpc>
-            </a:pPr>
-            <a:r>
-              <a:rPr lang="en-US" sz="2000" dirty="0" smtClean="0">
-                <a:solidFill>
-                  <a:srgbClr val="000000"/>
-                </a:solidFill>
-                <a:latin typeface="Calibri"/>
-                <a:ea typeface="ArialMT"/>
-              </a:rPr>
-              <a:t>3. Invert, including </a:t>
-            </a:r>
-            <a:r>
-              <a:rPr lang="en-US" sz="2000" dirty="0" smtClean="0">
-                <a:solidFill>
-                  <a:srgbClr val="000000"/>
-                </a:solidFill>
-                <a:ea typeface="ArialMT"/>
-              </a:rPr>
-              <a:t>micro- </a:t>
-            </a:r>
-            <a:r>
-              <a:rPr lang="en-US" sz="2000" dirty="0">
-                <a:solidFill>
-                  <a:srgbClr val="000000"/>
-                </a:solidFill>
-                <a:ea typeface="ArialMT"/>
-              </a:rPr>
-              <a:t>and </a:t>
-            </a:r>
-            <a:r>
-              <a:rPr lang="en-US" sz="2000" dirty="0" smtClean="0">
-                <a:solidFill>
-                  <a:srgbClr val="000000"/>
-                </a:solidFill>
-                <a:ea typeface="ArialMT"/>
-              </a:rPr>
-              <a:t>macro-turbulence</a:t>
-            </a:r>
-            <a:r>
-              <a:rPr lang="en-US" sz="2000" dirty="0">
-                <a:solidFill>
-                  <a:srgbClr val="000000"/>
-                </a:solidFill>
-                <a:ea typeface="ArialMT"/>
-              </a:rPr>
-              <a:t> </a:t>
-            </a:r>
-            <a:r>
-              <a:rPr lang="en-US" sz="2000" dirty="0" smtClean="0">
-                <a:solidFill>
-                  <a:srgbClr val="000000"/>
-                </a:solidFill>
-                <a:ea typeface="ArialMT"/>
-              </a:rPr>
-              <a:t>(because we have not used PSF)</a:t>
-            </a:r>
-            <a:r>
-              <a:rPr lang="en-US" sz="2000" dirty="0" smtClean="0">
-                <a:solidFill>
-                  <a:srgbClr val="000000"/>
-                </a:solidFill>
-                <a:latin typeface="Calibri"/>
-                <a:ea typeface="ArialMT"/>
-              </a:rPr>
-              <a:t>. Use 2 cycles to obtain gradients (because we have several lines)</a:t>
-            </a:r>
-            <a:r>
-              <a:rPr lang="en-US" sz="2000" dirty="0">
-                <a:solidFill>
-                  <a:srgbClr val="000000"/>
-                </a:solidFill>
-                <a:ea typeface="ArialMT"/>
-              </a:rPr>
-              <a:t>,</a:t>
-            </a:r>
-            <a:r>
-              <a:rPr lang="en-US" sz="2000" dirty="0" smtClean="0">
-                <a:solidFill>
-                  <a:srgbClr val="000000"/>
-                </a:solidFill>
-                <a:ea typeface="ArialMT"/>
-              </a:rPr>
-              <a:t> increasing</a:t>
-            </a:r>
-            <a:r>
-              <a:rPr lang="en-US" sz="2000" dirty="0">
-                <a:solidFill>
-                  <a:srgbClr val="000000"/>
-                </a:solidFill>
-                <a:ea typeface="ArialMT"/>
-              </a:rPr>
-              <a:t> number of nodes in 2nd cycle</a:t>
-            </a:r>
-            <a:r>
-              <a:rPr lang="en-US" sz="2000" dirty="0" smtClean="0">
-                <a:solidFill>
-                  <a:srgbClr val="000000"/>
-                </a:solidFill>
-                <a:ea typeface="ArialMT"/>
-              </a:rPr>
-              <a:t>.</a:t>
-            </a:r>
-            <a:r>
-              <a:rPr lang="en-US" sz="2000" dirty="0">
-                <a:solidFill>
-                  <a:srgbClr val="000000"/>
-                </a:solidFill>
-                <a:ea typeface="ArialMT"/>
-              </a:rPr>
-              <a:t> </a:t>
-            </a:r>
-            <a:endParaRPr lang="en-US" sz="2000" dirty="0"/>
-          </a:p>
-          <a:p>
-            <a:pPr>
-              <a:lnSpc>
-                <a:spcPct val="100000"/>
-              </a:lnSpc>
-            </a:pPr>
-            <a:endParaRPr dirty="0"/>
+            <a:endParaRPr lang="en-US" sz="1999" u="sng" dirty="0" smtClean="0">
+              <a:solidFill>
+                <a:srgbClr val="C00000"/>
+              </a:solidFill>
+              <a:latin typeface="Calibri"/>
+            </a:endParaRPr>
+          </a:p>
+          <a:p>
+            <a:pPr>
+              <a:lnSpc>
+                <a:spcPct val="100000"/>
+              </a:lnSpc>
+            </a:pPr>
+            <a:endParaRPr lang="en-US" sz="1999" u="sng" dirty="0">
+              <a:solidFill>
+                <a:srgbClr val="C00000"/>
+              </a:solidFill>
+              <a:latin typeface="Calibri"/>
+            </a:endParaRPr>
+          </a:p>
+          <a:p>
+            <a:pPr>
+              <a:lnSpc>
+                <a:spcPct val="100000"/>
+              </a:lnSpc>
+            </a:pPr>
+            <a:endParaRPr lang="en-US" sz="1999" u="sng" dirty="0" smtClean="0">
+              <a:solidFill>
+                <a:srgbClr val="C00000"/>
+              </a:solidFill>
+              <a:latin typeface="Calibri"/>
+            </a:endParaRPr>
+          </a:p>
+          <a:p>
+            <a:pPr>
+              <a:lnSpc>
+                <a:spcPct val="100000"/>
+              </a:lnSpc>
+            </a:pPr>
+            <a:endParaRPr lang="es-ES" sz="1799" dirty="0" smtClean="0"/>
+          </a:p>
+          <a:p>
+            <a:pPr>
+              <a:lnSpc>
+                <a:spcPct val="100000"/>
+              </a:lnSpc>
+            </a:pPr>
+            <a:endParaRPr lang="es-ES" sz="1799" dirty="0"/>
+          </a:p>
+          <a:p>
+            <a:pPr>
+              <a:lnSpc>
+                <a:spcPct val="100000"/>
+              </a:lnSpc>
+            </a:pPr>
+            <a:endParaRPr sz="1799" dirty="0"/>
+          </a:p>
+          <a:p>
+            <a:pPr>
+              <a:lnSpc>
+                <a:spcPct val="100000"/>
+              </a:lnSpc>
+            </a:pPr>
+            <a:endParaRPr lang="es-ES" sz="1799" dirty="0" smtClean="0"/>
+          </a:p>
+          <a:p>
+            <a:pPr>
+              <a:lnSpc>
+                <a:spcPct val="100000"/>
+              </a:lnSpc>
+            </a:pPr>
+            <a:endParaRPr lang="es-ES" sz="1799" dirty="0"/>
           </a:p>
           <a:p>
             <a:pPr>
@@ -10929,10 +11409,40 @@
           </a:p>
         </p:txBody>
       </p:sp>
+      <p:pic>
+        <p:nvPicPr>
+          <p:cNvPr id="3" name="Imagen 2"/>
+          <p:cNvPicPr>
+            <a:picLocks noChangeAspect="1"/>
+          </p:cNvPicPr>
+          <p:nvPr/>
+        </p:nvPicPr>
+        <p:blipFill>
+          <a:blip r:embed="rId2" cstate="print">
+            <a:extLst>
+              <a:ext uri="{28A0092B-C50C-407E-A947-70E740481C1C}">
+                <a14:useLocalDpi xmlns:a14="http://schemas.microsoft.com/office/drawing/2010/main" val="0"/>
+              </a:ext>
+            </a:extLst>
+          </a:blip>
+          <a:stretch>
+            <a:fillRect/>
+          </a:stretch>
+        </p:blipFill>
+        <p:spPr>
+          <a:xfrm>
+            <a:off x="1079500" y="2222500"/>
+            <a:ext cx="7467600" cy="5334000"/>
+          </a:xfrm>
+          <a:prstGeom prst="rect">
+            <a:avLst/>
+          </a:prstGeom>
+        </p:spPr>
+      </p:pic>
     </p:spTree>
     <p:extLst>
       <p:ext uri="{BB962C8B-B14F-4D97-AF65-F5344CB8AC3E}">
-        <p14:creationId xmlns:p14="http://schemas.microsoft.com/office/powerpoint/2010/main" val="3782622612"/>
+        <p14:creationId xmlns:p14="http://schemas.microsoft.com/office/powerpoint/2010/main" val="3106959582"/>
       </p:ext>
     </p:extLst>
   </p:cSld>
@@ -10989,7 +11499,7 @@
       </p:grpSpPr>
       <p:sp>
         <p:nvSpPr>
-          <p:cNvPr id="48" name="CustomShape 1"/>
+          <p:cNvPr id="45" name="CustomShape 1"/>
           <p:cNvSpPr/>
           <p:nvPr/>
         </p:nvSpPr>
@@ -11059,17 +11569,7 @@
                 <a:latin typeface="Calibri"/>
                 <a:ea typeface="DejaVu Sans"/>
               </a:rPr>
-              <a:t>4 </a:t>
-            </a:r>
-            <a:r>
-              <a:rPr lang="en-US" sz="2799" dirty="0" err="1" smtClean="0">
-                <a:solidFill>
-                  <a:srgbClr val="000000"/>
-                </a:solidFill>
-                <a:latin typeface="Calibri"/>
-                <a:ea typeface="DejaVu Sans"/>
-              </a:rPr>
-              <a:t>bis</a:t>
+              <a:t>4</a:t>
             </a:r>
             <a:endParaRPr sz="1799" dirty="0"/>
           </a:p>
@@ -11077,167 +11577,14 @@
       </p:sp>
       <p:sp>
         <p:nvSpPr>
-          <p:cNvPr id="49" name="CustomShape 2"/>
+          <p:cNvPr id="47" name="CustomShape 3"/>
           <p:cNvSpPr/>
           <p:nvPr/>
         </p:nvSpPr>
         <p:spPr>
           <a:xfrm>
-            <a:off x="743922" y="6041142"/>
-            <a:ext cx="9217887" cy="1426801"/>
-          </a:xfrm>
-          <a:prstGeom prst="rect">
-            <a:avLst/>
-          </a:prstGeom>
-          <a:solidFill>
-            <a:schemeClr val="accent1">
-              <a:lumMod val="40000"/>
-              <a:lumOff val="60000"/>
-            </a:schemeClr>
-          </a:solidFill>
-          <a:ln>
-            <a:round/>
-          </a:ln>
-        </p:spPr>
-        <p:style>
-          <a:lnRef idx="2">
-            <a:schemeClr val="accent1">
-              <a:shade val="50000"/>
-            </a:schemeClr>
-          </a:lnRef>
-          <a:fillRef idx="1">
-            <a:schemeClr val="accent1"/>
-          </a:fillRef>
-          <a:effectRef idx="0">
-            <a:schemeClr val="accent1"/>
-          </a:effectRef>
-          <a:fontRef idx="minor"/>
-        </p:style>
-        <p:txBody>
-          <a:bodyPr lIns="89962" tIns="44981" rIns="89962" bIns="44981" anchor="ctr"/>
-          <a:lstStyle/>
-          <a:p>
-            <a:pPr>
-              <a:lnSpc>
-                <a:spcPct val="100000"/>
-              </a:lnSpc>
-            </a:pPr>
-            <a:r>
-              <a:rPr lang="en-US" sz="1399">
-                <a:solidFill>
-                  <a:srgbClr val="000000"/>
-                </a:solidFill>
-                <a:latin typeface="Calibri"/>
-                <a:ea typeface="DejaVu Sans"/>
-              </a:rPr>
-              <a:t>We invert Stokes I and V only, </a:t>
-            </a:r>
-            <a:r>
-              <a:rPr lang="en-US" sz="1399">
-                <a:solidFill>
-                  <a:srgbClr val="C00000"/>
-                </a:solidFill>
-                <a:latin typeface="Calibri"/>
-                <a:ea typeface="DejaVu Sans"/>
-              </a:rPr>
-              <a:t>so vertical fields should be assumed.</a:t>
-            </a:r>
-            <a:r>
-              <a:rPr lang="en-US" sz="1399">
-                <a:solidFill>
-                  <a:srgbClr val="000000"/>
-                </a:solidFill>
-                <a:latin typeface="Calibri"/>
-                <a:ea typeface="DejaVu Sans"/>
-              </a:rPr>
-              <a:t> </a:t>
-            </a:r>
-            <a:endParaRPr sz="1799"/>
-          </a:p>
-          <a:p>
-            <a:pPr>
-              <a:lnSpc>
-                <a:spcPct val="100000"/>
-              </a:lnSpc>
-            </a:pPr>
-            <a:r>
-              <a:rPr lang="en-US" sz="1399">
-                <a:solidFill>
-                  <a:srgbClr val="000000"/>
-                </a:solidFill>
-                <a:latin typeface="Calibri"/>
-                <a:ea typeface="DejaVu Sans"/>
-              </a:rPr>
-              <a:t>Use large negative number (e.g., -2) in profiles to ignore blends in Stokes I during inversion . </a:t>
-            </a:r>
-            <a:endParaRPr sz="1799"/>
-          </a:p>
-          <a:p>
-            <a:pPr>
-              <a:lnSpc>
-                <a:spcPct val="100000"/>
-              </a:lnSpc>
-            </a:pPr>
-            <a:r>
-              <a:rPr lang="en-US" sz="1399">
-                <a:solidFill>
-                  <a:srgbClr val="000000"/>
-                </a:solidFill>
-                <a:latin typeface="Calibri"/>
-                <a:ea typeface="DejaVu Sans"/>
-              </a:rPr>
-              <a:t>Use instrumental PSF and macroturbulence at the same time.  </a:t>
-            </a:r>
-            <a:endParaRPr sz="1799"/>
-          </a:p>
-          <a:p>
-            <a:pPr>
-              <a:lnSpc>
-                <a:spcPct val="100000"/>
-              </a:lnSpc>
-            </a:pPr>
-            <a:r>
-              <a:rPr lang="en-US" sz="1399">
-                <a:solidFill>
-                  <a:srgbClr val="C00000"/>
-                </a:solidFill>
-                <a:latin typeface="Calibri"/>
-                <a:ea typeface="DejaVu Sans"/>
-              </a:rPr>
-              <a:t>Use stray light profile.   </a:t>
-            </a:r>
-            <a:endParaRPr sz="1799"/>
-          </a:p>
-          <a:p>
-            <a:pPr>
-              <a:lnSpc>
-                <a:spcPct val="100000"/>
-              </a:lnSpc>
-            </a:pPr>
-            <a:r>
-              <a:rPr lang="en-US" sz="1399">
-                <a:solidFill>
-                  <a:srgbClr val="C00000"/>
-                </a:solidFill>
-                <a:latin typeface="Calibri"/>
-                <a:ea typeface="DejaVu Sans"/>
-              </a:rPr>
-              <a:t>Use weights of 10 and 100  for Stokes V.</a:t>
-            </a:r>
-            <a:endParaRPr sz="1799"/>
-          </a:p>
-        </p:txBody>
-      </p:sp>
-      <p:sp>
-        <p:nvSpPr>
-          <p:cNvPr id="50" name="CustomShape 3"/>
-          <p:cNvSpPr/>
-          <p:nvPr/>
-        </p:nvSpPr>
-        <p:spPr>
-          <a:xfrm>
-            <a:off x="812293" y="1236801"/>
-            <a:ext cx="9244876" cy="3628715"/>
+            <a:off x="812293" y="1219168"/>
+            <a:ext cx="9244876" cy="4900421"/>
           </a:xfrm>
           <a:prstGeom prst="rect">
             <a:avLst/>
@@ -11269,24 +11616,67 @@
               </a:lnSpc>
             </a:pPr>
             <a:r>
-              <a:rPr lang="en-US" sz="1999" u="sng" dirty="0">
+              <a:rPr lang="en-US" sz="1999" u="sng" dirty="0" smtClean="0">
                 <a:solidFill>
                   <a:srgbClr val="C00000"/>
                 </a:solidFill>
                 <a:latin typeface="Calibri"/>
-                <a:ea typeface="DejaVu Sans"/>
-              </a:rPr>
-              <a:t>Inversion of facular profiles in quiet Sun.</a:t>
-            </a:r>
-            <a:endParaRPr sz="1799" dirty="0"/>
-          </a:p>
-          <a:p>
-            <a:pPr>
-              <a:lnSpc>
-                <a:spcPct val="100000"/>
-              </a:lnSpc>
-            </a:pPr>
-            <a:endParaRPr sz="1799" dirty="0"/>
+                <a:ea typeface="ArialMT"/>
+              </a:rPr>
+              <a:t>Inversion of SPINOR data</a:t>
+            </a:r>
+          </a:p>
+          <a:p>
+            <a:pPr>
+              <a:lnSpc>
+                <a:spcPct val="100000"/>
+              </a:lnSpc>
+            </a:pPr>
+            <a:r>
+              <a:rPr lang="en-US" sz="1999" dirty="0" smtClean="0">
+                <a:solidFill>
+                  <a:schemeClr val="tx2"/>
+                </a:solidFill>
+                <a:latin typeface="Calibri"/>
+              </a:rPr>
+              <a:t>SPINOR: </a:t>
+            </a:r>
+            <a:r>
+              <a:rPr lang="en-US" sz="1999" dirty="0" err="1" smtClean="0">
+                <a:solidFill>
+                  <a:schemeClr val="tx2"/>
+                </a:solidFill>
+                <a:latin typeface="Calibri"/>
+              </a:rPr>
+              <a:t>Spectro</a:t>
+            </a:r>
+            <a:r>
+              <a:rPr lang="en-US" sz="1999" dirty="0" smtClean="0">
+                <a:solidFill>
+                  <a:schemeClr val="tx2"/>
+                </a:solidFill>
+                <a:latin typeface="Calibri"/>
+              </a:rPr>
+              <a:t> </a:t>
+            </a:r>
+            <a:r>
+              <a:rPr lang="en-US" sz="1999" dirty="0" err="1" smtClean="0">
+                <a:solidFill>
+                  <a:schemeClr val="tx2"/>
+                </a:solidFill>
+                <a:latin typeface="Calibri"/>
+              </a:rPr>
+              <a:t>Polarimeter</a:t>
+            </a:r>
+            <a:r>
+              <a:rPr lang="en-US" sz="1999" dirty="0" smtClean="0">
+                <a:solidFill>
+                  <a:schemeClr val="tx2"/>
+                </a:solidFill>
+                <a:latin typeface="Calibri"/>
+              </a:rPr>
+              <a:t> for Infrared and Optical Regions (NSO/HAO)</a:t>
+            </a:r>
           </a:p>
           <a:p>
             <a:pPr>
@@ -11300,27 +11690,31 @@
                   <a:schemeClr val="tx2"/>
                 </a:solidFill>
                 <a:latin typeface="Calibri"/>
-                <a:ea typeface="DejaVu Sans"/>
-              </a:rPr>
-              <a:t>Advanced Stokes </a:t>
-            </a:r>
-            <a:r>
-              <a:rPr lang="en-US" sz="1999" dirty="0" err="1">
+              </a:rPr>
+              <a:t> </a:t>
+            </a:r>
+            <a:r>
+              <a:rPr lang="en-US" sz="1999" dirty="0" smtClean="0">
                 <a:solidFill>
                   <a:schemeClr val="tx2"/>
                 </a:solidFill>
                 <a:latin typeface="Calibri"/>
-                <a:ea typeface="DejaVu Sans"/>
-              </a:rPr>
-              <a:t>Polarimeter</a:t>
-            </a:r>
+              </a:rPr>
+              <a:t>               @ Dunn Solar Telescope on Sacramento Peak</a:t>
+            </a:r>
+          </a:p>
+          <a:p>
+            <a:pPr>
+              <a:lnSpc>
+                <a:spcPct val="100000"/>
+              </a:lnSpc>
+            </a:pPr>
             <a:r>
               <a:rPr lang="en-US" sz="1999" dirty="0">
                 <a:solidFill>
                   <a:schemeClr val="tx2"/>
                 </a:solidFill>
                 <a:latin typeface="Calibri"/>
-                <a:ea typeface="DejaVu Sans"/>
               </a:rPr>
               <a:t> </a:t>
             </a:r>
@@ -11330,138 +11724,67 @@
                   <a:schemeClr val="tx2"/>
                 </a:solidFill>
                 <a:latin typeface="Calibri"/>
-                <a:ea typeface="DejaVu Sans"/>
-              </a:rPr>
-              <a:t>(HAO) </a:t>
-            </a:r>
-            <a:r>
-              <a:rPr lang="en-US" sz="1999" dirty="0" smtClean="0">
-                <a:solidFill>
-                  <a:srgbClr val="000000"/>
-                </a:solidFill>
-                <a:latin typeface="Calibri"/>
-                <a:ea typeface="DejaVu Sans"/>
-              </a:rPr>
-              <a:t>observations</a:t>
-            </a:r>
-            <a:r>
-              <a:rPr lang="en-US" sz="1999" dirty="0">
-                <a:solidFill>
-                  <a:srgbClr val="000000"/>
-                </a:solidFill>
-                <a:latin typeface="Calibri"/>
-                <a:ea typeface="DejaVu Sans"/>
-              </a:rPr>
-              <a:t>, averaged over facular region, SNR~10000, but poor spatial resolution.  </a:t>
-            </a:r>
-            <a:endParaRPr sz="1799" dirty="0"/>
-          </a:p>
-          <a:p>
-            <a:pPr>
-              <a:lnSpc>
-                <a:spcPct val="100000"/>
-              </a:lnSpc>
-            </a:pPr>
-            <a:r>
-              <a:rPr lang="en-US" sz="1999" dirty="0">
-                <a:solidFill>
-                  <a:srgbClr val="000000"/>
-                </a:solidFill>
-                <a:latin typeface="Calibri"/>
-                <a:ea typeface="DejaVu Sans"/>
-              </a:rPr>
-              <a:t>Two lines Fe I 630.1 and 630.2 nm (plus telluric lines!) . </a:t>
-            </a:r>
-            <a:endParaRPr sz="1799" dirty="0"/>
-          </a:p>
-          <a:p>
-            <a:pPr>
-              <a:lnSpc>
-                <a:spcPct val="100000"/>
-              </a:lnSpc>
-            </a:pPr>
-            <a:r>
-              <a:rPr lang="en-US" sz="1999" dirty="0">
-                <a:solidFill>
-                  <a:srgbClr val="000000"/>
-                </a:solidFill>
-                <a:latin typeface="Calibri"/>
-                <a:ea typeface="DejaVu Sans"/>
-              </a:rPr>
-              <a:t>Strong signals, large Stokes V area and amplitude asymmetries.</a:t>
-            </a:r>
-            <a:endParaRPr sz="1799" dirty="0"/>
-          </a:p>
-          <a:p>
-            <a:pPr>
-              <a:lnSpc>
-                <a:spcPct val="100000"/>
-              </a:lnSpc>
-            </a:pPr>
-            <a:endParaRPr sz="1799" dirty="0"/>
-          </a:p>
-          <a:p>
-            <a:pPr>
-              <a:lnSpc>
-                <a:spcPct val="100000"/>
-              </a:lnSpc>
-            </a:pPr>
-            <a:r>
-              <a:rPr lang="en-US" sz="1999" dirty="0">
-                <a:solidFill>
-                  <a:srgbClr val="000000"/>
-                </a:solidFill>
-                <a:latin typeface="Calibri"/>
-                <a:ea typeface="ArialMT"/>
-              </a:rPr>
-              <a:t> 1. What kind of model would you use to invert them? </a:t>
-            </a:r>
-            <a:endParaRPr sz="1799" dirty="0"/>
-          </a:p>
-          <a:p>
-            <a:pPr>
-              <a:lnSpc>
-                <a:spcPct val="100000"/>
-              </a:lnSpc>
-            </a:pPr>
-            <a:r>
-              <a:rPr lang="en-US" sz="1999" dirty="0">
-                <a:solidFill>
-                  <a:srgbClr val="000000"/>
-                </a:solidFill>
-                <a:latin typeface="Calibri"/>
-                <a:ea typeface="ArialMT"/>
-              </a:rPr>
-              <a:t> 2. Use two cycles, increasing number of nodes in 2nd cycle.  </a:t>
-            </a:r>
-            <a:endParaRPr sz="1799" dirty="0"/>
-          </a:p>
-          <a:p>
-            <a:pPr>
-              <a:lnSpc>
-                <a:spcPct val="100000"/>
-              </a:lnSpc>
-            </a:pPr>
-            <a:r>
-              <a:rPr lang="en-US" sz="1999" dirty="0">
-                <a:solidFill>
-                  <a:srgbClr val="000000"/>
-                </a:solidFill>
-                <a:latin typeface="Calibri"/>
-                <a:ea typeface="ArialMT"/>
-              </a:rPr>
-              <a:t> 3. Invert stray-light fraction, micro- and macro-turbulence.  </a:t>
-            </a:r>
-            <a:endParaRPr sz="1799" dirty="0"/>
-          </a:p>
-          <a:p>
-            <a:pPr>
-              <a:lnSpc>
-                <a:spcPct val="100000"/>
-              </a:lnSpc>
-            </a:pPr>
-            <a:r>
-              <a:rPr lang="en-US" sz="1999" dirty="0">
+              </a:rPr>
+              <a:t>               </a:t>
+            </a:r>
+            <a:endParaRPr sz="1799" dirty="0"/>
+          </a:p>
+          <a:p>
+            <a:pPr>
+              <a:lnSpc>
+                <a:spcPct val="100000"/>
+              </a:lnSpc>
+            </a:pPr>
+            <a:r>
+              <a:rPr lang="en-US" sz="2000" dirty="0" smtClean="0">
+                <a:solidFill>
+                  <a:srgbClr val="000000"/>
+                </a:solidFill>
+                <a:latin typeface="Calibri"/>
+                <a:ea typeface="ArialMT"/>
+              </a:rPr>
+              <a:t>Multiline inversion including blends</a:t>
+            </a:r>
+          </a:p>
+          <a:p>
+            <a:pPr>
+              <a:lnSpc>
+                <a:spcPct val="100000"/>
+              </a:lnSpc>
+            </a:pPr>
+            <a:endParaRPr lang="en-US" sz="2000" dirty="0" smtClean="0">
+              <a:solidFill>
+                <a:srgbClr val="000000"/>
+              </a:solidFill>
+              <a:latin typeface="Calibri"/>
+              <a:ea typeface="ArialMT"/>
+            </a:endParaRPr>
+          </a:p>
+          <a:p>
+            <a:pPr>
+              <a:lnSpc>
+                <a:spcPct val="100000"/>
+              </a:lnSpc>
+            </a:pPr>
+            <a:r>
+              <a:rPr lang="en-US" sz="2000" dirty="0" smtClean="0">
+                <a:solidFill>
+                  <a:srgbClr val="000000"/>
+                </a:solidFill>
+                <a:latin typeface="Calibri"/>
+                <a:ea typeface="ArialMT"/>
+              </a:rPr>
+              <a:t>1. Select the spectral regions around the Fe I lines: </a:t>
+            </a:r>
+          </a:p>
+          <a:p>
+            <a:pPr>
+              <a:lnSpc>
+                <a:spcPct val="100000"/>
+              </a:lnSpc>
+            </a:pPr>
+            <a:r>
+              <a:rPr lang="en-US" sz="2000" dirty="0">
                 <a:solidFill>
                   <a:srgbClr val="000000"/>
                 </a:solidFill>
@@ -11470,7 +11793,159 @@
               </a:rPr>
               <a:t> </a:t>
             </a:r>
-            <a:endParaRPr sz="1799" dirty="0"/>
+            <a:r>
+              <a:rPr lang="en-US" sz="2000" dirty="0" smtClean="0">
+                <a:solidFill>
+                  <a:srgbClr val="000000"/>
+                </a:solidFill>
+                <a:latin typeface="Calibri"/>
+                <a:ea typeface="ArialMT"/>
+              </a:rPr>
+              <a:t>    1562.1, 1563.2, 1564.5 (blended with 64.85 &amp; 65.29), 1566.2 (blended with 66.5)</a:t>
+            </a:r>
+          </a:p>
+          <a:p>
+            <a:pPr>
+              <a:lnSpc>
+                <a:spcPct val="100000"/>
+              </a:lnSpc>
+            </a:pPr>
+            <a:r>
+              <a:rPr lang="en-US" sz="2000" dirty="0" smtClean="0">
+                <a:solidFill>
+                  <a:srgbClr val="000000"/>
+                </a:solidFill>
+                <a:latin typeface="Calibri"/>
+                <a:ea typeface="ArialMT"/>
+              </a:rPr>
+              <a:t>2. Write the profile and grid files</a:t>
+            </a:r>
+          </a:p>
+          <a:p>
+            <a:pPr>
+              <a:lnSpc>
+                <a:spcPct val="100000"/>
+              </a:lnSpc>
+            </a:pPr>
+            <a:r>
+              <a:rPr lang="en-US" sz="2000" dirty="0" smtClean="0">
+                <a:solidFill>
+                  <a:srgbClr val="000000"/>
+                </a:solidFill>
+                <a:latin typeface="Calibri"/>
+                <a:ea typeface="ArialMT"/>
+              </a:rPr>
+              <a:t>3. Invert, including </a:t>
+            </a:r>
+            <a:r>
+              <a:rPr lang="en-US" sz="2000" dirty="0" smtClean="0">
+                <a:solidFill>
+                  <a:srgbClr val="000000"/>
+                </a:solidFill>
+                <a:ea typeface="ArialMT"/>
+              </a:rPr>
+              <a:t>micro- </a:t>
+            </a:r>
+            <a:r>
+              <a:rPr lang="en-US" sz="2000" dirty="0">
+                <a:solidFill>
+                  <a:srgbClr val="000000"/>
+                </a:solidFill>
+                <a:ea typeface="ArialMT"/>
+              </a:rPr>
+              <a:t>and </a:t>
+            </a:r>
+            <a:r>
+              <a:rPr lang="en-US" sz="2000" dirty="0" smtClean="0">
+                <a:solidFill>
+                  <a:srgbClr val="000000"/>
+                </a:solidFill>
+                <a:ea typeface="ArialMT"/>
+              </a:rPr>
+              <a:t>macro-turbulence</a:t>
+            </a:r>
+            <a:r>
+              <a:rPr lang="en-US" sz="2000" dirty="0">
+                <a:solidFill>
+                  <a:srgbClr val="000000"/>
+                </a:solidFill>
+                <a:ea typeface="ArialMT"/>
+              </a:rPr>
+              <a:t> </a:t>
+            </a:r>
+            <a:r>
+              <a:rPr lang="en-US" sz="2000" dirty="0" smtClean="0">
+                <a:solidFill>
+                  <a:srgbClr val="000000"/>
+                </a:solidFill>
+                <a:ea typeface="ArialMT"/>
+              </a:rPr>
+              <a:t>(because we have not used PSF)</a:t>
+            </a:r>
+            <a:r>
+              <a:rPr lang="en-US" sz="2000" dirty="0" smtClean="0">
+                <a:solidFill>
+                  <a:srgbClr val="000000"/>
+                </a:solidFill>
+                <a:latin typeface="Calibri"/>
+                <a:ea typeface="ArialMT"/>
+              </a:rPr>
+              <a:t>. Use 2 cycles to obtain gradients (because we have several lines)</a:t>
+            </a:r>
+            <a:r>
+              <a:rPr lang="en-US" sz="2000" dirty="0">
+                <a:solidFill>
+                  <a:srgbClr val="000000"/>
+                </a:solidFill>
+                <a:ea typeface="ArialMT"/>
+              </a:rPr>
+              <a:t>,</a:t>
+            </a:r>
+            <a:r>
+              <a:rPr lang="en-US" sz="2000" dirty="0" smtClean="0">
+                <a:solidFill>
+                  <a:srgbClr val="000000"/>
+                </a:solidFill>
+                <a:ea typeface="ArialMT"/>
+              </a:rPr>
+              <a:t> increasing</a:t>
+            </a:r>
+            <a:r>
+              <a:rPr lang="en-US" sz="2000" dirty="0">
+                <a:solidFill>
+                  <a:srgbClr val="000000"/>
+                </a:solidFill>
+                <a:ea typeface="ArialMT"/>
+              </a:rPr>
+              <a:t> number of nodes in 2nd cycle</a:t>
+            </a:r>
+            <a:r>
+              <a:rPr lang="en-US" sz="2000" dirty="0" smtClean="0">
+                <a:solidFill>
+                  <a:srgbClr val="000000"/>
+                </a:solidFill>
+                <a:ea typeface="ArialMT"/>
+              </a:rPr>
+              <a:t>.</a:t>
+            </a:r>
+            <a:r>
+              <a:rPr lang="en-US" sz="2000" dirty="0">
+                <a:solidFill>
+                  <a:srgbClr val="000000"/>
+                </a:solidFill>
+                <a:ea typeface="ArialMT"/>
+              </a:rPr>
+              <a:t> </a:t>
+            </a:r>
+            <a:endParaRPr lang="en-US" sz="2000" dirty="0"/>
+          </a:p>
+          <a:p>
+            <a:pPr>
+              <a:lnSpc>
+                <a:spcPct val="100000"/>
+              </a:lnSpc>
+            </a:pPr>
+            <a:endParaRPr dirty="0"/>
           </a:p>
           <a:p>
             <a:pPr>
@@ -11501,7 +11976,7 @@
     </p:spTree>
     <p:extLst>
       <p:ext uri="{BB962C8B-B14F-4D97-AF65-F5344CB8AC3E}">
-        <p14:creationId xmlns:p14="http://schemas.microsoft.com/office/powerpoint/2010/main" val="2242606193"/>
+        <p14:creationId xmlns:p14="http://schemas.microsoft.com/office/powerpoint/2010/main" val="3782622612"/>
       </p:ext>
     </p:extLst>
   </p:cSld>
@@ -11558,7 +12033,7 @@
       </p:grpSpPr>
       <p:sp>
         <p:nvSpPr>
-          <p:cNvPr id="51" name="CustomShape 1"/>
+          <p:cNvPr id="48" name="CustomShape 1"/>
           <p:cNvSpPr/>
           <p:nvPr/>
         </p:nvSpPr>
@@ -11601,7 +12076,7 @@
               </a:lnSpc>
             </a:pPr>
             <a:r>
-              <a:rPr lang="en-US" sz="2489">
+              <a:rPr lang="en-US" sz="2489" dirty="0">
                 <a:solidFill>
                   <a:srgbClr val="000000"/>
                 </a:solidFill>
@@ -11611,29 +12086,49 @@
               <a:t>   </a:t>
             </a:r>
             <a:r>
-              <a:rPr lang="en-US" sz="2799">
+              <a:rPr lang="en-US" sz="2799" dirty="0">
                 <a:solidFill>
                   <a:srgbClr val="000000"/>
                 </a:solidFill>
                 <a:latin typeface="Calibri"/>
                 <a:ea typeface="DejaVu Sans"/>
               </a:rPr>
-              <a:t>Exercise 5</a:t>
-            </a:r>
-            <a:endParaRPr sz="1799"/>
+              <a:t>Exercise </a:t>
+            </a:r>
+            <a:r>
+              <a:rPr lang="en-US" sz="2799" dirty="0" smtClean="0">
+                <a:solidFill>
+                  <a:srgbClr val="000000"/>
+                </a:solidFill>
+                <a:latin typeface="Calibri"/>
+                <a:ea typeface="DejaVu Sans"/>
+              </a:rPr>
+              <a:t>4 </a:t>
+            </a:r>
+            <a:r>
+              <a:rPr lang="en-US" sz="2799" dirty="0" err="1" smtClean="0">
+                <a:solidFill>
+                  <a:srgbClr val="000000"/>
+                </a:solidFill>
+                <a:latin typeface="Calibri"/>
+                <a:ea typeface="DejaVu Sans"/>
+              </a:rPr>
+              <a:t>bis</a:t>
+            </a:r>
+            <a:endParaRPr sz="1799" dirty="0"/>
           </a:p>
         </p:txBody>
       </p:sp>
       <p:sp>
         <p:nvSpPr>
-          <p:cNvPr id="52" name="CustomShape 2"/>
+          <p:cNvPr id="49" name="CustomShape 2"/>
           <p:cNvSpPr/>
           <p:nvPr/>
         </p:nvSpPr>
         <p:spPr>
           <a:xfrm>
-            <a:off x="743922" y="6755082"/>
-            <a:ext cx="9217887" cy="713220"/>
+            <a:off x="743922" y="6041142"/>
+            <a:ext cx="9217887" cy="1426801"/>
           </a:xfrm>
           <a:prstGeom prst="rect">
             <a:avLst/>
@@ -11674,12 +12169,32 @@
             <a:r>
               <a:rPr lang="en-US" sz="1399">
                 <a:solidFill>
+                  <a:srgbClr val="000000"/>
+                </a:solidFill>
+                <a:latin typeface="Calibri"/>
+                <a:ea typeface="DejaVu Sans"/>
+              </a:rPr>
+              <a:t>We invert Stokes I and V only, </a:t>
+            </a:r>
+            <a:r>
+              <a:rPr lang="en-US" sz="1399">
+                <a:solidFill>
                   <a:srgbClr val="C00000"/>
                 </a:solidFill>
                 <a:latin typeface="Calibri"/>
                 <a:ea typeface="DejaVu Sans"/>
               </a:rPr>
-              <a:t>No need for macroturbulence when high-resolution data are inverted using telescope PSF  </a:t>
+              <a:t>so vertical fields should be assumed.</a:t>
+            </a:r>
+            <a:r>
+              <a:rPr lang="en-US" sz="1399">
+                <a:solidFill>
+                  <a:srgbClr val="000000"/>
+                </a:solidFill>
+                <a:latin typeface="Calibri"/>
+                <a:ea typeface="DejaVu Sans"/>
+              </a:rPr>
+              <a:t> </a:t>
             </a:r>
             <a:endParaRPr sz="1799"/>
           </a:p>
@@ -11692,12 +12207,66 @@
             <a:r>
               <a:rPr lang="en-US" sz="1399">
                 <a:solidFill>
+                  <a:srgbClr val="000000"/>
+                </a:solidFill>
+                <a:latin typeface="Calibri"/>
+                <a:ea typeface="DejaVu Sans"/>
+              </a:rPr>
+              <a:t>Use large negative number (e.g., -2) in profiles to ignore blends in Stokes I during inversion . </a:t>
+            </a:r>
+            <a:endParaRPr sz="1799"/>
+          </a:p>
+          <a:p>
+            <a:pPr>
+              <a:lnSpc>
+                <a:spcPct val="100000"/>
+              </a:lnSpc>
+            </a:pPr>
+            <a:r>
+              <a:rPr lang="en-US" sz="1399">
+                <a:solidFill>
+                  <a:srgbClr val="000000"/>
+                </a:solidFill>
+                <a:latin typeface="Calibri"/>
+                <a:ea typeface="DejaVu Sans"/>
+              </a:rPr>
+              <a:t>Use instrumental PSF and macroturbulence at the same time.  </a:t>
+            </a:r>
+            <a:endParaRPr sz="1799"/>
+          </a:p>
+          <a:p>
+            <a:pPr>
+              <a:lnSpc>
+                <a:spcPct val="100000"/>
+              </a:lnSpc>
+            </a:pPr>
+            <a:r>
+              <a:rPr lang="en-US" sz="1399">
+                <a:solidFill>
                   <a:srgbClr val="C00000"/>
                 </a:solidFill>
                 <a:latin typeface="Calibri"/>
                 <a:ea typeface="DejaVu Sans"/>
               </a:rPr>
-              <a:t>Use following weights: 1,4,4,4</a:t>
+              <a:t>Use stray light profile.   </a:t>
+            </a:r>
+            <a:endParaRPr sz="1799"/>
+          </a:p>
+          <a:p>
+            <a:pPr>
+              <a:lnSpc>
+                <a:spcPct val="100000"/>
+              </a:lnSpc>
+            </a:pPr>
+            <a:r>
+              <a:rPr lang="en-US" sz="1399">
+                <a:solidFill>
+                  <a:srgbClr val="C00000"/>
+                </a:solidFill>
+                <a:latin typeface="Calibri"/>
+                <a:ea typeface="DejaVu Sans"/>
+              </a:rPr>
+              <a:t>Use weights of 10 and 100  for Stokes V.</a:t>
             </a:r>
             <a:endParaRPr sz="1799"/>
           </a:p>
@@ -11705,7 +12274,7 @@
       </p:sp>
       <p:sp>
         <p:nvSpPr>
-          <p:cNvPr id="53" name="CustomShape 3"/>
+          <p:cNvPr id="50" name="CustomShape 3"/>
           <p:cNvSpPr/>
           <p:nvPr/>
         </p:nvSpPr>
@@ -11751,24 +12320,34 @@
                 <a:latin typeface="Calibri"/>
                 <a:ea typeface="DejaVu Sans"/>
               </a:rPr>
-              <a:t>Inversion of quiet-Sun internetwork.</a:t>
-            </a:r>
-            <a:endParaRPr sz="1799" dirty="0"/>
-          </a:p>
-          <a:p>
-            <a:pPr>
-              <a:lnSpc>
-                <a:spcPct val="100000"/>
-              </a:lnSpc>
-            </a:pPr>
-            <a:endParaRPr sz="1799" dirty="0"/>
-          </a:p>
-          <a:p>
-            <a:pPr>
-              <a:lnSpc>
-                <a:spcPct val="100000"/>
-              </a:lnSpc>
-            </a:pPr>
+              <a:t>Inversion of facular profiles in quiet Sun.</a:t>
+            </a:r>
+            <a:endParaRPr sz="1799" dirty="0"/>
+          </a:p>
+          <a:p>
+            <a:pPr>
+              <a:lnSpc>
+                <a:spcPct val="100000"/>
+              </a:lnSpc>
+            </a:pPr>
+            <a:endParaRPr sz="1799" dirty="0"/>
+          </a:p>
+          <a:p>
+            <a:pPr>
+              <a:lnSpc>
+                <a:spcPct val="100000"/>
+              </a:lnSpc>
+            </a:pPr>
+            <a:r>
+              <a:rPr lang="en-US" sz="1999" dirty="0">
+                <a:solidFill>
+                  <a:schemeClr val="tx2"/>
+                </a:solidFill>
+                <a:latin typeface="Calibri"/>
+                <a:ea typeface="DejaVu Sans"/>
+              </a:rPr>
+              <a:t>Advanced Stokes </a:t>
+            </a:r>
             <a:r>
               <a:rPr lang="en-US" sz="1999" dirty="0" err="1">
                 <a:solidFill>
@@ -11777,7 +12356,7 @@
                 <a:latin typeface="Calibri"/>
                 <a:ea typeface="DejaVu Sans"/>
               </a:rPr>
-              <a:t>Hinode</a:t>
+              <a:t>Polarimeter</a:t>
             </a:r>
             <a:r>
               <a:rPr lang="en-US" sz="1999" dirty="0">
@@ -11787,7 +12366,27 @@
                 <a:latin typeface="Calibri"/>
                 <a:ea typeface="DejaVu Sans"/>
               </a:rPr>
-              <a:t>/SP</a:t>
+              <a:t> </a:t>
+            </a:r>
+            <a:r>
+              <a:rPr lang="en-US" sz="1999" dirty="0" smtClean="0">
+                <a:solidFill>
+                  <a:schemeClr val="tx2"/>
+                </a:solidFill>
+                <a:latin typeface="Calibri"/>
+                <a:ea typeface="DejaVu Sans"/>
+              </a:rPr>
+              <a:t>(HAO) </a:t>
+            </a:r>
+            <a:r>
+              <a:rPr lang="en-US" sz="1999" dirty="0" smtClean="0">
+                <a:solidFill>
+                  <a:srgbClr val="000000"/>
+                </a:solidFill>
+                <a:latin typeface="Calibri"/>
+                <a:ea typeface="DejaVu Sans"/>
+              </a:rPr>
+              <a:t>observations</a:t>
             </a:r>
             <a:r>
               <a:rPr lang="en-US" sz="1999" dirty="0">
@@ -11797,18 +12396,34 @@
                 <a:latin typeface="Calibri"/>
                 <a:ea typeface="DejaVu Sans"/>
               </a:rPr>
-              <a:t> observations at disk center, integrated for 6 min,  SNR~10</a:t>
-            </a:r>
-            <a:r>
-              <a:rPr lang="en-US" sz="1999" baseline="30000" dirty="0">
+              <a:t>, averaged over facular region, SNR~10000, but poor spatial resolution.  </a:t>
+            </a:r>
+            <a:endParaRPr sz="1799" dirty="0"/>
+          </a:p>
+          <a:p>
+            <a:pPr>
+              <a:lnSpc>
+                <a:spcPct val="100000"/>
+              </a:lnSpc>
+            </a:pPr>
+            <a:r>
+              <a:rPr lang="en-US" sz="1999" dirty="0">
                 <a:solidFill>
                   <a:srgbClr val="000000"/>
                 </a:solidFill>
                 <a:latin typeface="Calibri"/>
                 <a:ea typeface="DejaVu Sans"/>
               </a:rPr>
-              <a:t>5</a:t>
-            </a:r>
+              <a:t>Two lines Fe I 630.1 and 630.2 nm (plus telluric lines!) . </a:t>
+            </a:r>
+            <a:endParaRPr sz="1799" dirty="0"/>
+          </a:p>
+          <a:p>
+            <a:pPr>
+              <a:lnSpc>
+                <a:spcPct val="100000"/>
+              </a:lnSpc>
+            </a:pPr>
             <a:r>
               <a:rPr lang="en-US" sz="1999" dirty="0">
                 <a:solidFill>
@@ -11817,8 +12432,16 @@
                 <a:latin typeface="Calibri"/>
                 <a:ea typeface="DejaVu Sans"/>
               </a:rPr>
-              <a:t>, still high spatial resolution.  </a:t>
-            </a:r>
+              <a:t>Strong signals, large Stokes V area and amplitude asymmetries.</a:t>
+            </a:r>
+            <a:endParaRPr sz="1799" dirty="0"/>
+          </a:p>
+          <a:p>
+            <a:pPr>
+              <a:lnSpc>
+                <a:spcPct val="100000"/>
+              </a:lnSpc>
+            </a:pPr>
             <a:endParaRPr sz="1799" dirty="0"/>
           </a:p>
           <a:p>
@@ -11833,9 +12456,9 @@
                   <a:srgbClr val="000000"/>
                 </a:solidFill>
                 <a:latin typeface="Calibri"/>
-                <a:ea typeface="DejaVu Sans"/>
-              </a:rPr>
-              <a:t>Two lines Fe I 630.1 and 630.2 nm  </a:t>
+                <a:ea typeface="ArialMT"/>
+              </a:rPr>
+              <a:t> 1. What kind of model would you use to invert them? </a:t>
             </a:r>
             <a:endParaRPr sz="1799" dirty="0"/>
           </a:p>
@@ -11851,9 +12474,9 @@
                   <a:srgbClr val="000000"/>
                 </a:solidFill>
                 <a:latin typeface="Calibri"/>
-                <a:ea typeface="DejaVu Sans"/>
-              </a:rPr>
-              <a:t>Extremely weak signals, but linear polarization clearly seen.       </a:t>
+                <a:ea typeface="ArialMT"/>
+              </a:rPr>
+              <a:t> 2. Use two cycles, increasing number of nodes in 2nd cycle.  </a:t>
             </a:r>
             <a:endParaRPr sz="1799" dirty="0"/>
           </a:p>
@@ -11869,109 +12492,9 @@
                   <a:srgbClr val="000000"/>
                 </a:solidFill>
                 <a:latin typeface="Calibri"/>
-                <a:ea typeface="DejaVu Sans"/>
-              </a:rPr>
-              <a:t>Large asymmetries. </a:t>
-            </a:r>
-            <a:endParaRPr sz="1799" dirty="0"/>
-          </a:p>
-          <a:p>
-            <a:pPr>
-              <a:lnSpc>
-                <a:spcPct val="100000"/>
-              </a:lnSpc>
-            </a:pPr>
-            <a:endParaRPr sz="1799" dirty="0"/>
-          </a:p>
-          <a:p>
-            <a:pPr>
-              <a:lnSpc>
-                <a:spcPct val="100000"/>
-              </a:lnSpc>
-            </a:pPr>
-            <a:r>
-              <a:rPr lang="en-US" sz="1999" dirty="0">
-                <a:solidFill>
-                  <a:srgbClr val="000000"/>
-                </a:solidFill>
-                <a:latin typeface="Calibri"/>
-                <a:ea typeface="ArialMT"/>
-              </a:rPr>
-              <a:t> 1. What kind of model would you use to invert them? </a:t>
-            </a:r>
-            <a:endParaRPr sz="1799" dirty="0"/>
-          </a:p>
-          <a:p>
-            <a:pPr>
-              <a:lnSpc>
-                <a:spcPct val="100000"/>
-              </a:lnSpc>
-            </a:pPr>
-            <a:r>
-              <a:rPr lang="en-US" sz="1999" dirty="0">
-                <a:solidFill>
-                  <a:srgbClr val="000000"/>
-                </a:solidFill>
-                <a:latin typeface="Calibri"/>
-                <a:ea typeface="ArialMT"/>
-              </a:rPr>
-              <a:t> 2. Use three cycles with increasing number of nodes.</a:t>
-            </a:r>
-            <a:endParaRPr sz="1799" dirty="0"/>
-          </a:p>
-          <a:p>
-            <a:pPr>
-              <a:lnSpc>
-                <a:spcPct val="100000"/>
-              </a:lnSpc>
-            </a:pPr>
-            <a:r>
-              <a:rPr lang="en-US" sz="1999" dirty="0">
-                <a:solidFill>
-                  <a:srgbClr val="000000"/>
-                </a:solidFill>
-                <a:latin typeface="Calibri"/>
-                <a:ea typeface="ArialMT"/>
-              </a:rPr>
-              <a:t> 3. Invert stray-light fraction, </a:t>
-            </a:r>
-            <a:r>
-              <a:rPr lang="en-US" sz="1999" dirty="0" err="1">
-                <a:solidFill>
-                  <a:srgbClr val="000000"/>
-                </a:solidFill>
-                <a:latin typeface="Calibri"/>
-                <a:ea typeface="ArialMT"/>
-              </a:rPr>
-              <a:t>microturbulence</a:t>
-            </a:r>
-            <a:r>
-              <a:rPr lang="en-US" sz="1999" dirty="0">
-                <a:solidFill>
-                  <a:srgbClr val="000000"/>
-                </a:solidFill>
-                <a:latin typeface="Calibri"/>
-                <a:ea typeface="ArialMT"/>
-              </a:rPr>
-              <a:t> (flat stratification).</a:t>
-            </a:r>
-            <a:endParaRPr sz="1799" dirty="0"/>
-          </a:p>
-          <a:p>
-            <a:pPr>
-              <a:lnSpc>
-                <a:spcPct val="100000"/>
-              </a:lnSpc>
-            </a:pPr>
-            <a:r>
-              <a:rPr lang="en-US" sz="1999" dirty="0">
-                <a:solidFill>
-                  <a:srgbClr val="000000"/>
-                </a:solidFill>
-                <a:latin typeface="Calibri"/>
-                <a:ea typeface="ArialMT"/>
-              </a:rPr>
-              <a:t> 4. Interpret resulting model .  </a:t>
+                <a:ea typeface="ArialMT"/>
+              </a:rPr>
+              <a:t> 3. Invert stray-light fraction, micro- and macro-turbulence.  </a:t>
             </a:r>
             <a:endParaRPr sz="1799" dirty="0"/>
           </a:p>
@@ -12022,7 +12545,7 @@
     </p:spTree>
     <p:extLst>
       <p:ext uri="{BB962C8B-B14F-4D97-AF65-F5344CB8AC3E}">
-        <p14:creationId xmlns:p14="http://schemas.microsoft.com/office/powerpoint/2010/main" val="2711498083"/>
+        <p14:creationId xmlns:p14="http://schemas.microsoft.com/office/powerpoint/2010/main" val="2242606193"/>
       </p:ext>
     </p:extLst>
   </p:cSld>

--- a/SIR_exercises/SIR__exercises.pptx
+++ b/SIR_exercises/SIR__exercises.pptx
@@ -226,7 +226,7 @@
           <a:p>
             <a:fld id="{47A9D53E-109E-4CCB-A7EB-84C00B6E3423}" type="datetimeFigureOut">
               <a:rPr lang="es-ES" smtClean="0"/>
-              <a:t>23/05/2017</a:t>
+              <a:t>26/05/2017</a:t>
             </a:fld>
             <a:endParaRPr lang="es-ES"/>
           </a:p>
@@ -660,7 +660,7 @@
           <a:p>
             <a:fld id="{1D8BD707-D9CF-40AE-B4C6-C98DA3205C09}" type="datetimeFigureOut">
               <a:rPr lang="en-US"/>
-              <a:t>5/23/2017</a:t>
+              <a:t>5/26/2017</a:t>
             </a:fld>
             <a:endParaRPr lang="en-US"/>
           </a:p>
@@ -860,7 +860,7 @@
           <a:p>
             <a:fld id="{1D8BD707-D9CF-40AE-B4C6-C98DA3205C09}" type="datetimeFigureOut">
               <a:rPr lang="en-US"/>
-              <a:t>5/23/2017</a:t>
+              <a:t>5/26/2017</a:t>
             </a:fld>
             <a:endParaRPr lang="en-US"/>
           </a:p>
@@ -1097,7 +1097,7 @@
           <a:p>
             <a:fld id="{1D8BD707-D9CF-40AE-B4C6-C98DA3205C09}" type="datetimeFigureOut">
               <a:rPr lang="en-US"/>
-              <a:t>5/23/2017</a:t>
+              <a:t>5/26/2017</a:t>
             </a:fld>
             <a:endParaRPr lang="en-US"/>
           </a:p>
@@ -1268,7 +1268,7 @@
           <a:p>
             <a:fld id="{1D8BD707-D9CF-40AE-B4C6-C98DA3205C09}" type="datetimeFigureOut">
               <a:rPr lang="en-US"/>
-              <a:t>5/23/2017</a:t>
+              <a:t>5/26/2017</a:t>
             </a:fld>
             <a:endParaRPr lang="en-US"/>
           </a:p>
@@ -1410,7 +1410,7 @@
           <a:p>
             <a:fld id="{1D8BD707-D9CF-40AE-B4C6-C98DA3205C09}" type="datetimeFigureOut">
               <a:rPr lang="en-US"/>
-              <a:t>5/23/2017</a:t>
+              <a:t>5/26/2017</a:t>
             </a:fld>
             <a:endParaRPr lang="en-US"/>
           </a:p>
@@ -1795,7 +1795,7 @@
           <a:p>
             <a:fld id="{1D8BD707-D9CF-40AE-B4C6-C98DA3205C09}" type="datetimeFigureOut">
               <a:rPr lang="en-US"/>
-              <a:t>5/23/2017</a:t>
+              <a:t>5/26/2017</a:t>
             </a:fld>
             <a:endParaRPr lang="en-US"/>
           </a:p>
@@ -4947,7 +4947,67 @@
                 <a:latin typeface="Calibri"/>
                 <a:ea typeface="ArialMT"/>
               </a:rPr>
-              <a:t> 2. The profiles are wider than FTS, then, as we have not the PSF, we should include a </a:t>
+              <a:t> 2. The profiles are wider than </a:t>
+            </a:r>
+            <a:r>
+              <a:rPr lang="en-US" sz="1999" dirty="0" smtClean="0">
+                <a:solidFill>
+                  <a:srgbClr val="000000"/>
+                </a:solidFill>
+                <a:latin typeface="Calibri"/>
+                <a:ea typeface="ArialMT"/>
+              </a:rPr>
+              <a:t>FTS</a:t>
+            </a:r>
+            <a:r>
+              <a:rPr lang="en-US" sz="1999" dirty="0" smtClean="0">
+                <a:solidFill>
+                  <a:srgbClr val="000000"/>
+                </a:solidFill>
+                <a:latin typeface="Calibri"/>
+                <a:ea typeface="ArialMT"/>
+              </a:rPr>
+              <a:t>: Consider to include </a:t>
+            </a:r>
+            <a:r>
+              <a:rPr lang="en-US" sz="1999" dirty="0" smtClean="0">
+                <a:solidFill>
+                  <a:srgbClr val="000000"/>
+                </a:solidFill>
+                <a:latin typeface="Calibri"/>
+                <a:ea typeface="ArialMT"/>
+              </a:rPr>
+              <a:t> </a:t>
+            </a:r>
+            <a:r>
+              <a:rPr lang="en-US" sz="1999" smtClean="0">
+                <a:solidFill>
+                  <a:srgbClr val="000000"/>
+                </a:solidFill>
+                <a:latin typeface="Calibri"/>
+                <a:ea typeface="ArialMT"/>
+              </a:rPr>
+              <a:t>the </a:t>
+            </a:r>
+            <a:r>
+              <a:rPr lang="en-US" sz="1999" smtClean="0">
+                <a:solidFill>
+                  <a:srgbClr val="000000"/>
+                </a:solidFill>
+                <a:latin typeface="Calibri"/>
+                <a:ea typeface="ArialMT"/>
+              </a:rPr>
+              <a:t>spectral PSF </a:t>
+            </a:r>
+            <a:r>
+              <a:rPr lang="en-US" sz="1999" dirty="0" smtClean="0">
+                <a:solidFill>
+                  <a:srgbClr val="000000"/>
+                </a:solidFill>
+                <a:latin typeface="Calibri"/>
+                <a:ea typeface="ArialMT"/>
+              </a:rPr>
+              <a:t>and a </a:t>
             </a:r>
             <a:r>
               <a:rPr lang="en-US" sz="1999" dirty="0" err="1" smtClean="0">
@@ -8207,10 +8267,6 @@
               <a:rPr lang="en-US" dirty="0"/>
               <a:t>, U &amp; V</a:t>
             </a:r>
-            <a:r>
-              <a:rPr lang="en-US" dirty="0"/>
-              <a:t/>
-            </a:r>
             <a:br>
               <a:rPr lang="en-US" dirty="0"/>
             </a:br>
@@ -8222,10 +8278,6 @@
               <a:rPr lang="en-US" dirty="0"/>
               <a:t>3: Error bars and uncertainties determination</a:t>
             </a:r>
-            <a:r>
-              <a:rPr lang="en-US" dirty="0"/>
-              <a:t/>
-            </a:r>
             <a:br>
               <a:rPr lang="en-US" dirty="0"/>
             </a:br>
@@ -8263,10 +8315,6 @@
               <a:rPr lang="en-US" dirty="0"/>
               <a:t>. Gradients determination.</a:t>
             </a:r>
-            <a:r>
-              <a:rPr lang="en-US" dirty="0"/>
-              <a:t/>
-            </a:r>
             <a:br>
               <a:rPr lang="en-US" dirty="0"/>
             </a:br>
@@ -8286,10 +8334,6 @@
               <a:rPr lang="en-US" dirty="0"/>
               <a:t>: Optional. Strong asymmetries and use of stray-light.</a:t>
             </a:r>
-            <a:r>
-              <a:rPr lang="en-US" dirty="0"/>
-              <a:t/>
-            </a:r>
             <a:br>
               <a:rPr lang="en-US" dirty="0"/>
             </a:br>
@@ -8301,10 +8345,6 @@
               <a:rPr lang="en-US" dirty="0"/>
               <a:t>5: HINODE data.  High signal to noise profiles. Extremely weak linear polarization signal</a:t>
             </a:r>
-            <a:r>
-              <a:rPr lang="en-US" dirty="0"/>
-              <a:t/>
-            </a:r>
             <a:br>
               <a:rPr lang="en-US" dirty="0"/>
             </a:br>
@@ -8320,10 +8360,6 @@
               <a:rPr lang="en-US" dirty="0"/>
               <a:t>large asymmetries.</a:t>
             </a:r>
-            <a:r>
-              <a:rPr lang="en-US" dirty="0"/>
-              <a:t/>
-            </a:r>
             <a:br>
               <a:rPr lang="en-US" dirty="0"/>
             </a:br>
@@ -8485,7 +8521,6 @@
               <a:rPr lang="en-US" dirty="0"/>
               <a:t>from the RF to temperature and electronic pressure.</a:t>
             </a:r>
-            <a:endParaRPr lang="en-US" dirty="0"/>
           </a:p>
         </p:txBody>
       </p:sp>
